--- a/Sem-1/RDBMS Theory/Unit-3/Day_13.pptx
+++ b/Sem-1/RDBMS Theory/Unit-3/Day_13.pptx
@@ -6,20 +6,18 @@
   </p:sldMasterIdLst>
   <p:sldIdLst>
     <p:sldId id="256" r:id="rId2"/>
-    <p:sldId id="258" r:id="rId3"/>
-    <p:sldId id="259" r:id="rId4"/>
-    <p:sldId id="260" r:id="rId5"/>
-    <p:sldId id="261" r:id="rId6"/>
-    <p:sldId id="262" r:id="rId7"/>
-    <p:sldId id="257" r:id="rId8"/>
-    <p:sldId id="263" r:id="rId9"/>
-    <p:sldId id="264" r:id="rId10"/>
-    <p:sldId id="265" r:id="rId11"/>
+    <p:sldId id="260" r:id="rId3"/>
+    <p:sldId id="261" r:id="rId4"/>
+    <p:sldId id="262" r:id="rId5"/>
+    <p:sldId id="257" r:id="rId6"/>
+    <p:sldId id="263" r:id="rId7"/>
+    <p:sldId id="264" r:id="rId8"/>
+    <p:sldId id="265" r:id="rId9"/>
+    <p:sldId id="269" r:id="rId10"/>
+    <p:sldId id="270" r:id="rId11"/>
     <p:sldId id="266" r:id="rId12"/>
-    <p:sldId id="268" r:id="rId13"/>
-    <p:sldId id="269" r:id="rId14"/>
-    <p:sldId id="270" r:id="rId15"/>
-    <p:sldId id="271" r:id="rId16"/>
+    <p:sldId id="271" r:id="rId13"/>
+    <p:sldId id="272" r:id="rId14"/>
   </p:sldIdLst>
   <p:sldSz cx="12192000" cy="6858000"/>
   <p:notesSz cx="6858000" cy="9144000"/>
@@ -148,7 +146,7 @@
           <p:cNvPr id="2" name="Title 1">
             <a:extLst>
               <a:ext uri="{FF2B5EF4-FFF2-40B4-BE49-F238E27FC236}">
-                <a16:creationId xmlns:a16="http://schemas.microsoft.com/office/drawing/2014/main" id="{CFC99B4D-E9B5-4E1D-8627-7BE684712F78}"/>
+                <a16:creationId xmlns="" xmlns:a16="http://schemas.microsoft.com/office/drawing/2014/main" id="{CFC99B4D-E9B5-4E1D-8627-7BE684712F78}"/>
               </a:ext>
             </a:extLst>
           </p:cNvPr>
@@ -186,7 +184,7 @@
           <p:cNvPr id="3" name="Subtitle 2">
             <a:extLst>
               <a:ext uri="{FF2B5EF4-FFF2-40B4-BE49-F238E27FC236}">
-                <a16:creationId xmlns:a16="http://schemas.microsoft.com/office/drawing/2014/main" id="{2A99A675-8787-400D-98F3-6BBC0B7155C6}"/>
+                <a16:creationId xmlns="" xmlns:a16="http://schemas.microsoft.com/office/drawing/2014/main" id="{2A99A675-8787-400D-98F3-6BBC0B7155C6}"/>
               </a:ext>
             </a:extLst>
           </p:cNvPr>
@@ -257,7 +255,7 @@
           <p:cNvPr id="4" name="Date Placeholder 3">
             <a:extLst>
               <a:ext uri="{FF2B5EF4-FFF2-40B4-BE49-F238E27FC236}">
-                <a16:creationId xmlns:a16="http://schemas.microsoft.com/office/drawing/2014/main" id="{194FECD0-6082-4C89-9627-2617DEE6C2D2}"/>
+                <a16:creationId xmlns="" xmlns:a16="http://schemas.microsoft.com/office/drawing/2014/main" id="{194FECD0-6082-4C89-9627-2617DEE6C2D2}"/>
               </a:ext>
             </a:extLst>
           </p:cNvPr>
@@ -275,7 +273,7 @@
           <a:p>
             <a:fld id="{FC220D35-DB7C-45A9-96DD-5CF27EA447FF}" type="datetimeFigureOut">
               <a:rPr lang="en-IN" smtClean="0"/>
-              <a:t>11-12-2021</a:t>
+              <a:t>17-09-2025</a:t>
             </a:fld>
             <a:endParaRPr lang="en-IN"/>
           </a:p>
@@ -286,7 +284,7 @@
           <p:cNvPr id="5" name="Footer Placeholder 4">
             <a:extLst>
               <a:ext uri="{FF2B5EF4-FFF2-40B4-BE49-F238E27FC236}">
-                <a16:creationId xmlns:a16="http://schemas.microsoft.com/office/drawing/2014/main" id="{6ED54A68-3743-4116-93F1-6E78A2F946B3}"/>
+                <a16:creationId xmlns="" xmlns:a16="http://schemas.microsoft.com/office/drawing/2014/main" id="{6ED54A68-3743-4116-93F1-6E78A2F946B3}"/>
               </a:ext>
             </a:extLst>
           </p:cNvPr>
@@ -311,7 +309,7 @@
           <p:cNvPr id="6" name="Slide Number Placeholder 5">
             <a:extLst>
               <a:ext uri="{FF2B5EF4-FFF2-40B4-BE49-F238E27FC236}">
-                <a16:creationId xmlns:a16="http://schemas.microsoft.com/office/drawing/2014/main" id="{28F582E8-B133-4B8E-86DA-1B419EF91DDD}"/>
+                <a16:creationId xmlns="" xmlns:a16="http://schemas.microsoft.com/office/drawing/2014/main" id="{28F582E8-B133-4B8E-86DA-1B419EF91DDD}"/>
               </a:ext>
             </a:extLst>
           </p:cNvPr>
@@ -370,7 +368,7 @@
           <p:cNvPr id="2" name="Title 1">
             <a:extLst>
               <a:ext uri="{FF2B5EF4-FFF2-40B4-BE49-F238E27FC236}">
-                <a16:creationId xmlns:a16="http://schemas.microsoft.com/office/drawing/2014/main" id="{1D5A7C3F-F8B9-4743-972E-988D819E5BA7}"/>
+                <a16:creationId xmlns="" xmlns:a16="http://schemas.microsoft.com/office/drawing/2014/main" id="{1D5A7C3F-F8B9-4743-972E-988D819E5BA7}"/>
               </a:ext>
             </a:extLst>
           </p:cNvPr>
@@ -399,7 +397,7 @@
           <p:cNvPr id="3" name="Vertical Text Placeholder 2">
             <a:extLst>
               <a:ext uri="{FF2B5EF4-FFF2-40B4-BE49-F238E27FC236}">
-                <a16:creationId xmlns:a16="http://schemas.microsoft.com/office/drawing/2014/main" id="{8065AB05-D7C8-4ABF-9241-98ACE805593A}"/>
+                <a16:creationId xmlns="" xmlns:a16="http://schemas.microsoft.com/office/drawing/2014/main" id="{8065AB05-D7C8-4ABF-9241-98ACE805593A}"/>
               </a:ext>
             </a:extLst>
           </p:cNvPr>
@@ -457,7 +455,7 @@
           <p:cNvPr id="4" name="Date Placeholder 3">
             <a:extLst>
               <a:ext uri="{FF2B5EF4-FFF2-40B4-BE49-F238E27FC236}">
-                <a16:creationId xmlns:a16="http://schemas.microsoft.com/office/drawing/2014/main" id="{0E79677D-894C-4679-8F97-C31B862FB2F4}"/>
+                <a16:creationId xmlns="" xmlns:a16="http://schemas.microsoft.com/office/drawing/2014/main" id="{0E79677D-894C-4679-8F97-C31B862FB2F4}"/>
               </a:ext>
             </a:extLst>
           </p:cNvPr>
@@ -475,7 +473,7 @@
           <a:p>
             <a:fld id="{FC220D35-DB7C-45A9-96DD-5CF27EA447FF}" type="datetimeFigureOut">
               <a:rPr lang="en-IN" smtClean="0"/>
-              <a:t>11-12-2021</a:t>
+              <a:t>17-09-2025</a:t>
             </a:fld>
             <a:endParaRPr lang="en-IN"/>
           </a:p>
@@ -486,7 +484,7 @@
           <p:cNvPr id="5" name="Footer Placeholder 4">
             <a:extLst>
               <a:ext uri="{FF2B5EF4-FFF2-40B4-BE49-F238E27FC236}">
-                <a16:creationId xmlns:a16="http://schemas.microsoft.com/office/drawing/2014/main" id="{88468C0C-C79F-4C83-88B5-0646D169E21F}"/>
+                <a16:creationId xmlns="" xmlns:a16="http://schemas.microsoft.com/office/drawing/2014/main" id="{88468C0C-C79F-4C83-88B5-0646D169E21F}"/>
               </a:ext>
             </a:extLst>
           </p:cNvPr>
@@ -511,7 +509,7 @@
           <p:cNvPr id="6" name="Slide Number Placeholder 5">
             <a:extLst>
               <a:ext uri="{FF2B5EF4-FFF2-40B4-BE49-F238E27FC236}">
-                <a16:creationId xmlns:a16="http://schemas.microsoft.com/office/drawing/2014/main" id="{6796B294-6947-4EB4-845C-1FC4DA356256}"/>
+                <a16:creationId xmlns="" xmlns:a16="http://schemas.microsoft.com/office/drawing/2014/main" id="{6796B294-6947-4EB4-845C-1FC4DA356256}"/>
               </a:ext>
             </a:extLst>
           </p:cNvPr>
@@ -570,7 +568,7 @@
           <p:cNvPr id="2" name="Vertical Title 1">
             <a:extLst>
               <a:ext uri="{FF2B5EF4-FFF2-40B4-BE49-F238E27FC236}">
-                <a16:creationId xmlns:a16="http://schemas.microsoft.com/office/drawing/2014/main" id="{15143DB0-14C2-44FB-8ECA-DB60722D608A}"/>
+                <a16:creationId xmlns="" xmlns:a16="http://schemas.microsoft.com/office/drawing/2014/main" id="{15143DB0-14C2-44FB-8ECA-DB60722D608A}"/>
               </a:ext>
             </a:extLst>
           </p:cNvPr>
@@ -604,7 +602,7 @@
           <p:cNvPr id="3" name="Vertical Text Placeholder 2">
             <a:extLst>
               <a:ext uri="{FF2B5EF4-FFF2-40B4-BE49-F238E27FC236}">
-                <a16:creationId xmlns:a16="http://schemas.microsoft.com/office/drawing/2014/main" id="{6CE4A987-8E11-4719-B8A9-9376E46B5E35}"/>
+                <a16:creationId xmlns="" xmlns:a16="http://schemas.microsoft.com/office/drawing/2014/main" id="{6CE4A987-8E11-4719-B8A9-9376E46B5E35}"/>
               </a:ext>
             </a:extLst>
           </p:cNvPr>
@@ -667,7 +665,7 @@
           <p:cNvPr id="4" name="Date Placeholder 3">
             <a:extLst>
               <a:ext uri="{FF2B5EF4-FFF2-40B4-BE49-F238E27FC236}">
-                <a16:creationId xmlns:a16="http://schemas.microsoft.com/office/drawing/2014/main" id="{2C0BBA78-9A67-4199-9B33-FB34DA213265}"/>
+                <a16:creationId xmlns="" xmlns:a16="http://schemas.microsoft.com/office/drawing/2014/main" id="{2C0BBA78-9A67-4199-9B33-FB34DA213265}"/>
               </a:ext>
             </a:extLst>
           </p:cNvPr>
@@ -685,7 +683,7 @@
           <a:p>
             <a:fld id="{FC220D35-DB7C-45A9-96DD-5CF27EA447FF}" type="datetimeFigureOut">
               <a:rPr lang="en-IN" smtClean="0"/>
-              <a:t>11-12-2021</a:t>
+              <a:t>17-09-2025</a:t>
             </a:fld>
             <a:endParaRPr lang="en-IN"/>
           </a:p>
@@ -696,7 +694,7 @@
           <p:cNvPr id="5" name="Footer Placeholder 4">
             <a:extLst>
               <a:ext uri="{FF2B5EF4-FFF2-40B4-BE49-F238E27FC236}">
-                <a16:creationId xmlns:a16="http://schemas.microsoft.com/office/drawing/2014/main" id="{55779021-9A40-4833-846A-AAB626B0568D}"/>
+                <a16:creationId xmlns="" xmlns:a16="http://schemas.microsoft.com/office/drawing/2014/main" id="{55779021-9A40-4833-846A-AAB626B0568D}"/>
               </a:ext>
             </a:extLst>
           </p:cNvPr>
@@ -721,7 +719,7 @@
           <p:cNvPr id="6" name="Slide Number Placeholder 5">
             <a:extLst>
               <a:ext uri="{FF2B5EF4-FFF2-40B4-BE49-F238E27FC236}">
-                <a16:creationId xmlns:a16="http://schemas.microsoft.com/office/drawing/2014/main" id="{F57F8A99-02F1-43CE-93DA-7FCD4EEDC443}"/>
+                <a16:creationId xmlns="" xmlns:a16="http://schemas.microsoft.com/office/drawing/2014/main" id="{F57F8A99-02F1-43CE-93DA-7FCD4EEDC443}"/>
               </a:ext>
             </a:extLst>
           </p:cNvPr>
@@ -780,7 +778,7 @@
           <p:cNvPr id="2" name="Title 1">
             <a:extLst>
               <a:ext uri="{FF2B5EF4-FFF2-40B4-BE49-F238E27FC236}">
-                <a16:creationId xmlns:a16="http://schemas.microsoft.com/office/drawing/2014/main" id="{CCBEBE19-4976-432A-9D52-D43EB09D8B7F}"/>
+                <a16:creationId xmlns="" xmlns:a16="http://schemas.microsoft.com/office/drawing/2014/main" id="{CCBEBE19-4976-432A-9D52-D43EB09D8B7F}"/>
               </a:ext>
             </a:extLst>
           </p:cNvPr>
@@ -809,7 +807,7 @@
           <p:cNvPr id="3" name="Content Placeholder 2">
             <a:extLst>
               <a:ext uri="{FF2B5EF4-FFF2-40B4-BE49-F238E27FC236}">
-                <a16:creationId xmlns:a16="http://schemas.microsoft.com/office/drawing/2014/main" id="{6C687E94-EEEC-46D3-8A96-B072545A5AE7}"/>
+                <a16:creationId xmlns="" xmlns:a16="http://schemas.microsoft.com/office/drawing/2014/main" id="{6C687E94-EEEC-46D3-8A96-B072545A5AE7}"/>
               </a:ext>
             </a:extLst>
           </p:cNvPr>
@@ -867,7 +865,7 @@
           <p:cNvPr id="4" name="Date Placeholder 3">
             <a:extLst>
               <a:ext uri="{FF2B5EF4-FFF2-40B4-BE49-F238E27FC236}">
-                <a16:creationId xmlns:a16="http://schemas.microsoft.com/office/drawing/2014/main" id="{ACF98D39-3B6B-428B-B081-3B0D4D4A4ECD}"/>
+                <a16:creationId xmlns="" xmlns:a16="http://schemas.microsoft.com/office/drawing/2014/main" id="{ACF98D39-3B6B-428B-B081-3B0D4D4A4ECD}"/>
               </a:ext>
             </a:extLst>
           </p:cNvPr>
@@ -885,7 +883,7 @@
           <a:p>
             <a:fld id="{FC220D35-DB7C-45A9-96DD-5CF27EA447FF}" type="datetimeFigureOut">
               <a:rPr lang="en-IN" smtClean="0"/>
-              <a:t>11-12-2021</a:t>
+              <a:t>17-09-2025</a:t>
             </a:fld>
             <a:endParaRPr lang="en-IN"/>
           </a:p>
@@ -896,7 +894,7 @@
           <p:cNvPr id="5" name="Footer Placeholder 4">
             <a:extLst>
               <a:ext uri="{FF2B5EF4-FFF2-40B4-BE49-F238E27FC236}">
-                <a16:creationId xmlns:a16="http://schemas.microsoft.com/office/drawing/2014/main" id="{32956957-41A2-48CC-8D94-8075D3CBA639}"/>
+                <a16:creationId xmlns="" xmlns:a16="http://schemas.microsoft.com/office/drawing/2014/main" id="{32956957-41A2-48CC-8D94-8075D3CBA639}"/>
               </a:ext>
             </a:extLst>
           </p:cNvPr>
@@ -921,7 +919,7 @@
           <p:cNvPr id="6" name="Slide Number Placeholder 5">
             <a:extLst>
               <a:ext uri="{FF2B5EF4-FFF2-40B4-BE49-F238E27FC236}">
-                <a16:creationId xmlns:a16="http://schemas.microsoft.com/office/drawing/2014/main" id="{6D171B60-64D5-4B25-822E-443B9D22045B}"/>
+                <a16:creationId xmlns="" xmlns:a16="http://schemas.microsoft.com/office/drawing/2014/main" id="{6D171B60-64D5-4B25-822E-443B9D22045B}"/>
               </a:ext>
             </a:extLst>
           </p:cNvPr>
@@ -980,7 +978,7 @@
           <p:cNvPr id="2" name="Title 1">
             <a:extLst>
               <a:ext uri="{FF2B5EF4-FFF2-40B4-BE49-F238E27FC236}">
-                <a16:creationId xmlns:a16="http://schemas.microsoft.com/office/drawing/2014/main" id="{34DD61E0-754D-40E2-BD97-631699E2CA1F}"/>
+                <a16:creationId xmlns="" xmlns:a16="http://schemas.microsoft.com/office/drawing/2014/main" id="{34DD61E0-754D-40E2-BD97-631699E2CA1F}"/>
               </a:ext>
             </a:extLst>
           </p:cNvPr>
@@ -1018,7 +1016,7 @@
           <p:cNvPr id="3" name="Text Placeholder 2">
             <a:extLst>
               <a:ext uri="{FF2B5EF4-FFF2-40B4-BE49-F238E27FC236}">
-                <a16:creationId xmlns:a16="http://schemas.microsoft.com/office/drawing/2014/main" id="{1D4FE962-7073-4097-AC61-78D042B312D3}"/>
+                <a16:creationId xmlns="" xmlns:a16="http://schemas.microsoft.com/office/drawing/2014/main" id="{1D4FE962-7073-4097-AC61-78D042B312D3}"/>
               </a:ext>
             </a:extLst>
           </p:cNvPr>
@@ -1143,7 +1141,7 @@
           <p:cNvPr id="4" name="Date Placeholder 3">
             <a:extLst>
               <a:ext uri="{FF2B5EF4-FFF2-40B4-BE49-F238E27FC236}">
-                <a16:creationId xmlns:a16="http://schemas.microsoft.com/office/drawing/2014/main" id="{6C138B8F-DC0D-4EC1-B434-C99A3C1F82D5}"/>
+                <a16:creationId xmlns="" xmlns:a16="http://schemas.microsoft.com/office/drawing/2014/main" id="{6C138B8F-DC0D-4EC1-B434-C99A3C1F82D5}"/>
               </a:ext>
             </a:extLst>
           </p:cNvPr>
@@ -1161,7 +1159,7 @@
           <a:p>
             <a:fld id="{FC220D35-DB7C-45A9-96DD-5CF27EA447FF}" type="datetimeFigureOut">
               <a:rPr lang="en-IN" smtClean="0"/>
-              <a:t>11-12-2021</a:t>
+              <a:t>17-09-2025</a:t>
             </a:fld>
             <a:endParaRPr lang="en-IN"/>
           </a:p>
@@ -1172,7 +1170,7 @@
           <p:cNvPr id="5" name="Footer Placeholder 4">
             <a:extLst>
               <a:ext uri="{FF2B5EF4-FFF2-40B4-BE49-F238E27FC236}">
-                <a16:creationId xmlns:a16="http://schemas.microsoft.com/office/drawing/2014/main" id="{37E38750-D65E-4A60-B24F-0D99E30404C6}"/>
+                <a16:creationId xmlns="" xmlns:a16="http://schemas.microsoft.com/office/drawing/2014/main" id="{37E38750-D65E-4A60-B24F-0D99E30404C6}"/>
               </a:ext>
             </a:extLst>
           </p:cNvPr>
@@ -1197,7 +1195,7 @@
           <p:cNvPr id="6" name="Slide Number Placeholder 5">
             <a:extLst>
               <a:ext uri="{FF2B5EF4-FFF2-40B4-BE49-F238E27FC236}">
-                <a16:creationId xmlns:a16="http://schemas.microsoft.com/office/drawing/2014/main" id="{507BF8E9-5987-4469-9DB2-F2F15DB382B3}"/>
+                <a16:creationId xmlns="" xmlns:a16="http://schemas.microsoft.com/office/drawing/2014/main" id="{507BF8E9-5987-4469-9DB2-F2F15DB382B3}"/>
               </a:ext>
             </a:extLst>
           </p:cNvPr>
@@ -1256,7 +1254,7 @@
           <p:cNvPr id="2" name="Title 1">
             <a:extLst>
               <a:ext uri="{FF2B5EF4-FFF2-40B4-BE49-F238E27FC236}">
-                <a16:creationId xmlns:a16="http://schemas.microsoft.com/office/drawing/2014/main" id="{B1684B1A-2C3B-4562-BA53-E637F8AAE11F}"/>
+                <a16:creationId xmlns="" xmlns:a16="http://schemas.microsoft.com/office/drawing/2014/main" id="{B1684B1A-2C3B-4562-BA53-E637F8AAE11F}"/>
               </a:ext>
             </a:extLst>
           </p:cNvPr>
@@ -1285,7 +1283,7 @@
           <p:cNvPr id="3" name="Content Placeholder 2">
             <a:extLst>
               <a:ext uri="{FF2B5EF4-FFF2-40B4-BE49-F238E27FC236}">
-                <a16:creationId xmlns:a16="http://schemas.microsoft.com/office/drawing/2014/main" id="{0FB602AC-DF44-4525-AEDB-4A7BD11F95DE}"/>
+                <a16:creationId xmlns="" xmlns:a16="http://schemas.microsoft.com/office/drawing/2014/main" id="{0FB602AC-DF44-4525-AEDB-4A7BD11F95DE}"/>
               </a:ext>
             </a:extLst>
           </p:cNvPr>
@@ -1348,7 +1346,7 @@
           <p:cNvPr id="4" name="Content Placeholder 3">
             <a:extLst>
               <a:ext uri="{FF2B5EF4-FFF2-40B4-BE49-F238E27FC236}">
-                <a16:creationId xmlns:a16="http://schemas.microsoft.com/office/drawing/2014/main" id="{BB7215E8-E06B-4DB9-87F8-376A01FBA11F}"/>
+                <a16:creationId xmlns="" xmlns:a16="http://schemas.microsoft.com/office/drawing/2014/main" id="{BB7215E8-E06B-4DB9-87F8-376A01FBA11F}"/>
               </a:ext>
             </a:extLst>
           </p:cNvPr>
@@ -1411,7 +1409,7 @@
           <p:cNvPr id="5" name="Date Placeholder 4">
             <a:extLst>
               <a:ext uri="{FF2B5EF4-FFF2-40B4-BE49-F238E27FC236}">
-                <a16:creationId xmlns:a16="http://schemas.microsoft.com/office/drawing/2014/main" id="{5FDC2EEC-DB3F-4412-8E25-5242BAA8D9A6}"/>
+                <a16:creationId xmlns="" xmlns:a16="http://schemas.microsoft.com/office/drawing/2014/main" id="{5FDC2EEC-DB3F-4412-8E25-5242BAA8D9A6}"/>
               </a:ext>
             </a:extLst>
           </p:cNvPr>
@@ -1429,7 +1427,7 @@
           <a:p>
             <a:fld id="{FC220D35-DB7C-45A9-96DD-5CF27EA447FF}" type="datetimeFigureOut">
               <a:rPr lang="en-IN" smtClean="0"/>
-              <a:t>11-12-2021</a:t>
+              <a:t>17-09-2025</a:t>
             </a:fld>
             <a:endParaRPr lang="en-IN"/>
           </a:p>
@@ -1440,7 +1438,7 @@
           <p:cNvPr id="6" name="Footer Placeholder 5">
             <a:extLst>
               <a:ext uri="{FF2B5EF4-FFF2-40B4-BE49-F238E27FC236}">
-                <a16:creationId xmlns:a16="http://schemas.microsoft.com/office/drawing/2014/main" id="{A0CC936E-F7A0-4280-99B4-332698B913BE}"/>
+                <a16:creationId xmlns="" xmlns:a16="http://schemas.microsoft.com/office/drawing/2014/main" id="{A0CC936E-F7A0-4280-99B4-332698B913BE}"/>
               </a:ext>
             </a:extLst>
           </p:cNvPr>
@@ -1465,7 +1463,7 @@
           <p:cNvPr id="7" name="Slide Number Placeholder 6">
             <a:extLst>
               <a:ext uri="{FF2B5EF4-FFF2-40B4-BE49-F238E27FC236}">
-                <a16:creationId xmlns:a16="http://schemas.microsoft.com/office/drawing/2014/main" id="{8EA6C600-C63C-4BF4-94A4-0C494161BC7E}"/>
+                <a16:creationId xmlns="" xmlns:a16="http://schemas.microsoft.com/office/drawing/2014/main" id="{8EA6C600-C63C-4BF4-94A4-0C494161BC7E}"/>
               </a:ext>
             </a:extLst>
           </p:cNvPr>
@@ -1524,7 +1522,7 @@
           <p:cNvPr id="2" name="Title 1">
             <a:extLst>
               <a:ext uri="{FF2B5EF4-FFF2-40B4-BE49-F238E27FC236}">
-                <a16:creationId xmlns:a16="http://schemas.microsoft.com/office/drawing/2014/main" id="{C7EA7845-B2E8-449E-A276-D4A4183B1C2F}"/>
+                <a16:creationId xmlns="" xmlns:a16="http://schemas.microsoft.com/office/drawing/2014/main" id="{C7EA7845-B2E8-449E-A276-D4A4183B1C2F}"/>
               </a:ext>
             </a:extLst>
           </p:cNvPr>
@@ -1558,7 +1556,7 @@
           <p:cNvPr id="3" name="Text Placeholder 2">
             <a:extLst>
               <a:ext uri="{FF2B5EF4-FFF2-40B4-BE49-F238E27FC236}">
-                <a16:creationId xmlns:a16="http://schemas.microsoft.com/office/drawing/2014/main" id="{D867B738-34AF-4757-83B2-D3CF78A61DA1}"/>
+                <a16:creationId xmlns="" xmlns:a16="http://schemas.microsoft.com/office/drawing/2014/main" id="{D867B738-34AF-4757-83B2-D3CF78A61DA1}"/>
               </a:ext>
             </a:extLst>
           </p:cNvPr>
@@ -1629,7 +1627,7 @@
           <p:cNvPr id="4" name="Content Placeholder 3">
             <a:extLst>
               <a:ext uri="{FF2B5EF4-FFF2-40B4-BE49-F238E27FC236}">
-                <a16:creationId xmlns:a16="http://schemas.microsoft.com/office/drawing/2014/main" id="{E4DB51D3-A7F8-4774-B57D-A21F3F60A192}"/>
+                <a16:creationId xmlns="" xmlns:a16="http://schemas.microsoft.com/office/drawing/2014/main" id="{E4DB51D3-A7F8-4774-B57D-A21F3F60A192}"/>
               </a:ext>
             </a:extLst>
           </p:cNvPr>
@@ -1692,7 +1690,7 @@
           <p:cNvPr id="5" name="Text Placeholder 4">
             <a:extLst>
               <a:ext uri="{FF2B5EF4-FFF2-40B4-BE49-F238E27FC236}">
-                <a16:creationId xmlns:a16="http://schemas.microsoft.com/office/drawing/2014/main" id="{93579A17-707F-4E2D-BED1-6970FA86B30F}"/>
+                <a16:creationId xmlns="" xmlns:a16="http://schemas.microsoft.com/office/drawing/2014/main" id="{93579A17-707F-4E2D-BED1-6970FA86B30F}"/>
               </a:ext>
             </a:extLst>
           </p:cNvPr>
@@ -1763,7 +1761,7 @@
           <p:cNvPr id="6" name="Content Placeholder 5">
             <a:extLst>
               <a:ext uri="{FF2B5EF4-FFF2-40B4-BE49-F238E27FC236}">
-                <a16:creationId xmlns:a16="http://schemas.microsoft.com/office/drawing/2014/main" id="{F372CB3F-6AC7-48DC-AB0E-E6E80996D7D3}"/>
+                <a16:creationId xmlns="" xmlns:a16="http://schemas.microsoft.com/office/drawing/2014/main" id="{F372CB3F-6AC7-48DC-AB0E-E6E80996D7D3}"/>
               </a:ext>
             </a:extLst>
           </p:cNvPr>
@@ -1826,7 +1824,7 @@
           <p:cNvPr id="7" name="Date Placeholder 6">
             <a:extLst>
               <a:ext uri="{FF2B5EF4-FFF2-40B4-BE49-F238E27FC236}">
-                <a16:creationId xmlns:a16="http://schemas.microsoft.com/office/drawing/2014/main" id="{B2A36FAC-EA68-48AC-A872-2E2C702059A4}"/>
+                <a16:creationId xmlns="" xmlns:a16="http://schemas.microsoft.com/office/drawing/2014/main" id="{B2A36FAC-EA68-48AC-A872-2E2C702059A4}"/>
               </a:ext>
             </a:extLst>
           </p:cNvPr>
@@ -1844,7 +1842,7 @@
           <a:p>
             <a:fld id="{FC220D35-DB7C-45A9-96DD-5CF27EA447FF}" type="datetimeFigureOut">
               <a:rPr lang="en-IN" smtClean="0"/>
-              <a:t>11-12-2021</a:t>
+              <a:t>17-09-2025</a:t>
             </a:fld>
             <a:endParaRPr lang="en-IN"/>
           </a:p>
@@ -1855,7 +1853,7 @@
           <p:cNvPr id="8" name="Footer Placeholder 7">
             <a:extLst>
               <a:ext uri="{FF2B5EF4-FFF2-40B4-BE49-F238E27FC236}">
-                <a16:creationId xmlns:a16="http://schemas.microsoft.com/office/drawing/2014/main" id="{4E786B44-6BAB-46ED-A624-01725A34EF0D}"/>
+                <a16:creationId xmlns="" xmlns:a16="http://schemas.microsoft.com/office/drawing/2014/main" id="{4E786B44-6BAB-46ED-A624-01725A34EF0D}"/>
               </a:ext>
             </a:extLst>
           </p:cNvPr>
@@ -1880,7 +1878,7 @@
           <p:cNvPr id="9" name="Slide Number Placeholder 8">
             <a:extLst>
               <a:ext uri="{FF2B5EF4-FFF2-40B4-BE49-F238E27FC236}">
-                <a16:creationId xmlns:a16="http://schemas.microsoft.com/office/drawing/2014/main" id="{EF41CED0-E855-4EB7-BD2C-BDF0D5F9AE4A}"/>
+                <a16:creationId xmlns="" xmlns:a16="http://schemas.microsoft.com/office/drawing/2014/main" id="{EF41CED0-E855-4EB7-BD2C-BDF0D5F9AE4A}"/>
               </a:ext>
             </a:extLst>
           </p:cNvPr>
@@ -1939,7 +1937,7 @@
           <p:cNvPr id="2" name="Title 1">
             <a:extLst>
               <a:ext uri="{FF2B5EF4-FFF2-40B4-BE49-F238E27FC236}">
-                <a16:creationId xmlns:a16="http://schemas.microsoft.com/office/drawing/2014/main" id="{6EA4C44E-E199-4EE2-A7AB-FD83105BB263}"/>
+                <a16:creationId xmlns="" xmlns:a16="http://schemas.microsoft.com/office/drawing/2014/main" id="{6EA4C44E-E199-4EE2-A7AB-FD83105BB263}"/>
               </a:ext>
             </a:extLst>
           </p:cNvPr>
@@ -1968,7 +1966,7 @@
           <p:cNvPr id="3" name="Date Placeholder 2">
             <a:extLst>
               <a:ext uri="{FF2B5EF4-FFF2-40B4-BE49-F238E27FC236}">
-                <a16:creationId xmlns:a16="http://schemas.microsoft.com/office/drawing/2014/main" id="{B1BB52C4-8DD7-4913-B9B7-CA6AB3FB6F39}"/>
+                <a16:creationId xmlns="" xmlns:a16="http://schemas.microsoft.com/office/drawing/2014/main" id="{B1BB52C4-8DD7-4913-B9B7-CA6AB3FB6F39}"/>
               </a:ext>
             </a:extLst>
           </p:cNvPr>
@@ -1986,7 +1984,7 @@
           <a:p>
             <a:fld id="{FC220D35-DB7C-45A9-96DD-5CF27EA447FF}" type="datetimeFigureOut">
               <a:rPr lang="en-IN" smtClean="0"/>
-              <a:t>11-12-2021</a:t>
+              <a:t>17-09-2025</a:t>
             </a:fld>
             <a:endParaRPr lang="en-IN"/>
           </a:p>
@@ -1997,7 +1995,7 @@
           <p:cNvPr id="4" name="Footer Placeholder 3">
             <a:extLst>
               <a:ext uri="{FF2B5EF4-FFF2-40B4-BE49-F238E27FC236}">
-                <a16:creationId xmlns:a16="http://schemas.microsoft.com/office/drawing/2014/main" id="{2C57EB41-F4B2-4DC5-903C-49902516536C}"/>
+                <a16:creationId xmlns="" xmlns:a16="http://schemas.microsoft.com/office/drawing/2014/main" id="{2C57EB41-F4B2-4DC5-903C-49902516536C}"/>
               </a:ext>
             </a:extLst>
           </p:cNvPr>
@@ -2022,7 +2020,7 @@
           <p:cNvPr id="5" name="Slide Number Placeholder 4">
             <a:extLst>
               <a:ext uri="{FF2B5EF4-FFF2-40B4-BE49-F238E27FC236}">
-                <a16:creationId xmlns:a16="http://schemas.microsoft.com/office/drawing/2014/main" id="{740CD055-BD9F-47AC-A084-6558E2D81354}"/>
+                <a16:creationId xmlns="" xmlns:a16="http://schemas.microsoft.com/office/drawing/2014/main" id="{740CD055-BD9F-47AC-A084-6558E2D81354}"/>
               </a:ext>
             </a:extLst>
           </p:cNvPr>
@@ -2081,7 +2079,7 @@
           <p:cNvPr id="2" name="Date Placeholder 1">
             <a:extLst>
               <a:ext uri="{FF2B5EF4-FFF2-40B4-BE49-F238E27FC236}">
-                <a16:creationId xmlns:a16="http://schemas.microsoft.com/office/drawing/2014/main" id="{D36E796E-F3A5-4586-9F55-32C6B873C1FE}"/>
+                <a16:creationId xmlns="" xmlns:a16="http://schemas.microsoft.com/office/drawing/2014/main" id="{D36E796E-F3A5-4586-9F55-32C6B873C1FE}"/>
               </a:ext>
             </a:extLst>
           </p:cNvPr>
@@ -2099,7 +2097,7 @@
           <a:p>
             <a:fld id="{FC220D35-DB7C-45A9-96DD-5CF27EA447FF}" type="datetimeFigureOut">
               <a:rPr lang="en-IN" smtClean="0"/>
-              <a:t>11-12-2021</a:t>
+              <a:t>17-09-2025</a:t>
             </a:fld>
             <a:endParaRPr lang="en-IN"/>
           </a:p>
@@ -2110,7 +2108,7 @@
           <p:cNvPr id="3" name="Footer Placeholder 2">
             <a:extLst>
               <a:ext uri="{FF2B5EF4-FFF2-40B4-BE49-F238E27FC236}">
-                <a16:creationId xmlns:a16="http://schemas.microsoft.com/office/drawing/2014/main" id="{9A64A22B-3E03-49E7-911E-2569D167F973}"/>
+                <a16:creationId xmlns="" xmlns:a16="http://schemas.microsoft.com/office/drawing/2014/main" id="{9A64A22B-3E03-49E7-911E-2569D167F973}"/>
               </a:ext>
             </a:extLst>
           </p:cNvPr>
@@ -2135,7 +2133,7 @@
           <p:cNvPr id="4" name="Slide Number Placeholder 3">
             <a:extLst>
               <a:ext uri="{FF2B5EF4-FFF2-40B4-BE49-F238E27FC236}">
-                <a16:creationId xmlns:a16="http://schemas.microsoft.com/office/drawing/2014/main" id="{0F661C6C-8911-4485-A3F9-12721651A181}"/>
+                <a16:creationId xmlns="" xmlns:a16="http://schemas.microsoft.com/office/drawing/2014/main" id="{0F661C6C-8911-4485-A3F9-12721651A181}"/>
               </a:ext>
             </a:extLst>
           </p:cNvPr>
@@ -2194,7 +2192,7 @@
           <p:cNvPr id="2" name="Title 1">
             <a:extLst>
               <a:ext uri="{FF2B5EF4-FFF2-40B4-BE49-F238E27FC236}">
-                <a16:creationId xmlns:a16="http://schemas.microsoft.com/office/drawing/2014/main" id="{ECE59F6C-CD43-4CD2-A30E-8DC9EA0FF9CC}"/>
+                <a16:creationId xmlns="" xmlns:a16="http://schemas.microsoft.com/office/drawing/2014/main" id="{ECE59F6C-CD43-4CD2-A30E-8DC9EA0FF9CC}"/>
               </a:ext>
             </a:extLst>
           </p:cNvPr>
@@ -2232,7 +2230,7 @@
           <p:cNvPr id="3" name="Content Placeholder 2">
             <a:extLst>
               <a:ext uri="{FF2B5EF4-FFF2-40B4-BE49-F238E27FC236}">
-                <a16:creationId xmlns:a16="http://schemas.microsoft.com/office/drawing/2014/main" id="{EAA6561D-926C-4EA4-94BB-84E53B9BCBF5}"/>
+                <a16:creationId xmlns="" xmlns:a16="http://schemas.microsoft.com/office/drawing/2014/main" id="{EAA6561D-926C-4EA4-94BB-84E53B9BCBF5}"/>
               </a:ext>
             </a:extLst>
           </p:cNvPr>
@@ -2323,7 +2321,7 @@
           <p:cNvPr id="4" name="Text Placeholder 3">
             <a:extLst>
               <a:ext uri="{FF2B5EF4-FFF2-40B4-BE49-F238E27FC236}">
-                <a16:creationId xmlns:a16="http://schemas.microsoft.com/office/drawing/2014/main" id="{F80A6B37-DA05-46B3-A261-30C5102AB5F7}"/>
+                <a16:creationId xmlns="" xmlns:a16="http://schemas.microsoft.com/office/drawing/2014/main" id="{F80A6B37-DA05-46B3-A261-30C5102AB5F7}"/>
               </a:ext>
             </a:extLst>
           </p:cNvPr>
@@ -2394,7 +2392,7 @@
           <p:cNvPr id="5" name="Date Placeholder 4">
             <a:extLst>
               <a:ext uri="{FF2B5EF4-FFF2-40B4-BE49-F238E27FC236}">
-                <a16:creationId xmlns:a16="http://schemas.microsoft.com/office/drawing/2014/main" id="{1E218A2B-FA92-4CDD-A236-12A460102A34}"/>
+                <a16:creationId xmlns="" xmlns:a16="http://schemas.microsoft.com/office/drawing/2014/main" id="{1E218A2B-FA92-4CDD-A236-12A460102A34}"/>
               </a:ext>
             </a:extLst>
           </p:cNvPr>
@@ -2412,7 +2410,7 @@
           <a:p>
             <a:fld id="{FC220D35-DB7C-45A9-96DD-5CF27EA447FF}" type="datetimeFigureOut">
               <a:rPr lang="en-IN" smtClean="0"/>
-              <a:t>11-12-2021</a:t>
+              <a:t>17-09-2025</a:t>
             </a:fld>
             <a:endParaRPr lang="en-IN"/>
           </a:p>
@@ -2423,7 +2421,7 @@
           <p:cNvPr id="6" name="Footer Placeholder 5">
             <a:extLst>
               <a:ext uri="{FF2B5EF4-FFF2-40B4-BE49-F238E27FC236}">
-                <a16:creationId xmlns:a16="http://schemas.microsoft.com/office/drawing/2014/main" id="{56F62F4E-61C9-4F29-9F2C-96E0B3053234}"/>
+                <a16:creationId xmlns="" xmlns:a16="http://schemas.microsoft.com/office/drawing/2014/main" id="{56F62F4E-61C9-4F29-9F2C-96E0B3053234}"/>
               </a:ext>
             </a:extLst>
           </p:cNvPr>
@@ -2448,7 +2446,7 @@
           <p:cNvPr id="7" name="Slide Number Placeholder 6">
             <a:extLst>
               <a:ext uri="{FF2B5EF4-FFF2-40B4-BE49-F238E27FC236}">
-                <a16:creationId xmlns:a16="http://schemas.microsoft.com/office/drawing/2014/main" id="{A3D78704-8473-4E6E-A2D0-7CB526DEABF4}"/>
+                <a16:creationId xmlns="" xmlns:a16="http://schemas.microsoft.com/office/drawing/2014/main" id="{A3D78704-8473-4E6E-A2D0-7CB526DEABF4}"/>
               </a:ext>
             </a:extLst>
           </p:cNvPr>
@@ -2507,7 +2505,7 @@
           <p:cNvPr id="2" name="Title 1">
             <a:extLst>
               <a:ext uri="{FF2B5EF4-FFF2-40B4-BE49-F238E27FC236}">
-                <a16:creationId xmlns:a16="http://schemas.microsoft.com/office/drawing/2014/main" id="{DBE24209-E639-4719-8574-24CA4DC609F7}"/>
+                <a16:creationId xmlns="" xmlns:a16="http://schemas.microsoft.com/office/drawing/2014/main" id="{DBE24209-E639-4719-8574-24CA4DC609F7}"/>
               </a:ext>
             </a:extLst>
           </p:cNvPr>
@@ -2545,7 +2543,7 @@
           <p:cNvPr id="3" name="Picture Placeholder 2">
             <a:extLst>
               <a:ext uri="{FF2B5EF4-FFF2-40B4-BE49-F238E27FC236}">
-                <a16:creationId xmlns:a16="http://schemas.microsoft.com/office/drawing/2014/main" id="{17EC574D-8F15-4BAD-912A-6D16A76F7186}"/>
+                <a16:creationId xmlns="" xmlns:a16="http://schemas.microsoft.com/office/drawing/2014/main" id="{17EC574D-8F15-4BAD-912A-6D16A76F7186}"/>
               </a:ext>
             </a:extLst>
           </p:cNvPr>
@@ -2612,7 +2610,7 @@
           <p:cNvPr id="4" name="Text Placeholder 3">
             <a:extLst>
               <a:ext uri="{FF2B5EF4-FFF2-40B4-BE49-F238E27FC236}">
-                <a16:creationId xmlns:a16="http://schemas.microsoft.com/office/drawing/2014/main" id="{FCAE63CF-5343-4359-8E23-F24C5DB1AAFF}"/>
+                <a16:creationId xmlns="" xmlns:a16="http://schemas.microsoft.com/office/drawing/2014/main" id="{FCAE63CF-5343-4359-8E23-F24C5DB1AAFF}"/>
               </a:ext>
             </a:extLst>
           </p:cNvPr>
@@ -2683,7 +2681,7 @@
           <p:cNvPr id="5" name="Date Placeholder 4">
             <a:extLst>
               <a:ext uri="{FF2B5EF4-FFF2-40B4-BE49-F238E27FC236}">
-                <a16:creationId xmlns:a16="http://schemas.microsoft.com/office/drawing/2014/main" id="{07C9AEE9-F001-4B17-BEB1-45275C6A1351}"/>
+                <a16:creationId xmlns="" xmlns:a16="http://schemas.microsoft.com/office/drawing/2014/main" id="{07C9AEE9-F001-4B17-BEB1-45275C6A1351}"/>
               </a:ext>
             </a:extLst>
           </p:cNvPr>
@@ -2701,7 +2699,7 @@
           <a:p>
             <a:fld id="{FC220D35-DB7C-45A9-96DD-5CF27EA447FF}" type="datetimeFigureOut">
               <a:rPr lang="en-IN" smtClean="0"/>
-              <a:t>11-12-2021</a:t>
+              <a:t>17-09-2025</a:t>
             </a:fld>
             <a:endParaRPr lang="en-IN"/>
           </a:p>
@@ -2712,7 +2710,7 @@
           <p:cNvPr id="6" name="Footer Placeholder 5">
             <a:extLst>
               <a:ext uri="{FF2B5EF4-FFF2-40B4-BE49-F238E27FC236}">
-                <a16:creationId xmlns:a16="http://schemas.microsoft.com/office/drawing/2014/main" id="{9EFB2E6A-4879-44AE-8D5D-90BCF0AFFE03}"/>
+                <a16:creationId xmlns="" xmlns:a16="http://schemas.microsoft.com/office/drawing/2014/main" id="{9EFB2E6A-4879-44AE-8D5D-90BCF0AFFE03}"/>
               </a:ext>
             </a:extLst>
           </p:cNvPr>
@@ -2737,7 +2735,7 @@
           <p:cNvPr id="7" name="Slide Number Placeholder 6">
             <a:extLst>
               <a:ext uri="{FF2B5EF4-FFF2-40B4-BE49-F238E27FC236}">
-                <a16:creationId xmlns:a16="http://schemas.microsoft.com/office/drawing/2014/main" id="{A513AB98-C07F-41BF-8969-1598F521E8F2}"/>
+                <a16:creationId xmlns="" xmlns:a16="http://schemas.microsoft.com/office/drawing/2014/main" id="{A513AB98-C07F-41BF-8969-1598F521E8F2}"/>
               </a:ext>
             </a:extLst>
           </p:cNvPr>
@@ -2801,7 +2799,7 @@
           <p:cNvPr id="2" name="Title Placeholder 1">
             <a:extLst>
               <a:ext uri="{FF2B5EF4-FFF2-40B4-BE49-F238E27FC236}">
-                <a16:creationId xmlns:a16="http://schemas.microsoft.com/office/drawing/2014/main" id="{C0DA8ACD-91DA-40B2-B054-20C97D2B7410}"/>
+                <a16:creationId xmlns="" xmlns:a16="http://schemas.microsoft.com/office/drawing/2014/main" id="{C0DA8ACD-91DA-40B2-B054-20C97D2B7410}"/>
               </a:ext>
             </a:extLst>
           </p:cNvPr>
@@ -2840,7 +2838,7 @@
           <p:cNvPr id="3" name="Text Placeholder 2">
             <a:extLst>
               <a:ext uri="{FF2B5EF4-FFF2-40B4-BE49-F238E27FC236}">
-                <a16:creationId xmlns:a16="http://schemas.microsoft.com/office/drawing/2014/main" id="{0F82AF86-C7E7-4F62-B19B-AD987C53FB80}"/>
+                <a16:creationId xmlns="" xmlns:a16="http://schemas.microsoft.com/office/drawing/2014/main" id="{0F82AF86-C7E7-4F62-B19B-AD987C53FB80}"/>
               </a:ext>
             </a:extLst>
           </p:cNvPr>
@@ -2908,7 +2906,7 @@
           <p:cNvPr id="4" name="Date Placeholder 3">
             <a:extLst>
               <a:ext uri="{FF2B5EF4-FFF2-40B4-BE49-F238E27FC236}">
-                <a16:creationId xmlns:a16="http://schemas.microsoft.com/office/drawing/2014/main" id="{2FC43A40-C08E-4B11-B0E5-4C4D7AB35A14}"/>
+                <a16:creationId xmlns="" xmlns:a16="http://schemas.microsoft.com/office/drawing/2014/main" id="{2FC43A40-C08E-4B11-B0E5-4C4D7AB35A14}"/>
               </a:ext>
             </a:extLst>
           </p:cNvPr>
@@ -2944,7 +2942,7 @@
           <a:p>
             <a:fld id="{FC220D35-DB7C-45A9-96DD-5CF27EA447FF}" type="datetimeFigureOut">
               <a:rPr lang="en-IN" smtClean="0"/>
-              <a:t>11-12-2021</a:t>
+              <a:t>17-09-2025</a:t>
             </a:fld>
             <a:endParaRPr lang="en-IN"/>
           </a:p>
@@ -2955,7 +2953,7 @@
           <p:cNvPr id="5" name="Footer Placeholder 4">
             <a:extLst>
               <a:ext uri="{FF2B5EF4-FFF2-40B4-BE49-F238E27FC236}">
-                <a16:creationId xmlns:a16="http://schemas.microsoft.com/office/drawing/2014/main" id="{388EEABE-D23B-4289-AA06-E760569B055D}"/>
+                <a16:creationId xmlns="" xmlns:a16="http://schemas.microsoft.com/office/drawing/2014/main" id="{388EEABE-D23B-4289-AA06-E760569B055D}"/>
               </a:ext>
             </a:extLst>
           </p:cNvPr>
@@ -2998,7 +2996,7 @@
           <p:cNvPr id="6" name="Slide Number Placeholder 5">
             <a:extLst>
               <a:ext uri="{FF2B5EF4-FFF2-40B4-BE49-F238E27FC236}">
-                <a16:creationId xmlns:a16="http://schemas.microsoft.com/office/drawing/2014/main" id="{F1D6F167-33C5-48CC-9B85-54D75D3A9328}"/>
+                <a16:creationId xmlns="" xmlns:a16="http://schemas.microsoft.com/office/drawing/2014/main" id="{F1D6F167-33C5-48CC-9B85-54D75D3A9328}"/>
               </a:ext>
             </a:extLst>
           </p:cNvPr>
@@ -3366,7 +3364,7 @@
           <p:cNvPr id="2" name="Title 1">
             <a:extLst>
               <a:ext uri="{FF2B5EF4-FFF2-40B4-BE49-F238E27FC236}">
-                <a16:creationId xmlns:a16="http://schemas.microsoft.com/office/drawing/2014/main" id="{4CF9E5F5-B184-4AA9-86DC-4151CCE8AF09}"/>
+                <a16:creationId xmlns="" xmlns:a16="http://schemas.microsoft.com/office/drawing/2014/main" id="{4CF9E5F5-B184-4AA9-86DC-4151CCE8AF09}"/>
               </a:ext>
             </a:extLst>
           </p:cNvPr>
@@ -3394,7 +3392,7 @@
           <p:cNvPr id="3" name="Subtitle 2">
             <a:extLst>
               <a:ext uri="{FF2B5EF4-FFF2-40B4-BE49-F238E27FC236}">
-                <a16:creationId xmlns:a16="http://schemas.microsoft.com/office/drawing/2014/main" id="{B8F95D98-4DFF-4948-8839-3F7102E89050}"/>
+                <a16:creationId xmlns="" xmlns:a16="http://schemas.microsoft.com/office/drawing/2014/main" id="{B8F95D98-4DFF-4948-8839-3F7102E89050}"/>
               </a:ext>
             </a:extLst>
           </p:cNvPr>
@@ -3453,13 +3451,7 @@
       </p:grpSpPr>
       <p:sp>
         <p:nvSpPr>
-          <p:cNvPr id="2" name="Title 1">
-            <a:extLst>
-              <a:ext uri="{FF2B5EF4-FFF2-40B4-BE49-F238E27FC236}">
-                <a16:creationId xmlns:a16="http://schemas.microsoft.com/office/drawing/2014/main" id="{2191ED4B-89D1-4511-B1C3-5F8921AC7D38}"/>
-              </a:ext>
-            </a:extLst>
-          </p:cNvPr>
+          <p:cNvPr id="2" name="Title 1"/>
           <p:cNvSpPr>
             <a:spLocks noGrp="1"/>
           </p:cNvSpPr>
@@ -3473,96 +3465,270 @@
           <a:lstStyle/>
           <a:p>
             <a:r>
+              <a:rPr lang="en-US" smtClean="0"/>
+              <a:t>Explanation</a:t>
+            </a:r>
+            <a:endParaRPr lang="en-IN" dirty="0"/>
+          </a:p>
+        </p:txBody>
+      </p:sp>
+      <p:sp>
+        <p:nvSpPr>
+          <p:cNvPr id="3" name="Content Placeholder 2"/>
+          <p:cNvSpPr>
+            <a:spLocks noGrp="1"/>
+          </p:cNvSpPr>
+          <p:nvPr>
+            <p:ph idx="1"/>
+          </p:nvPr>
+        </p:nvSpPr>
+        <p:spPr/>
+        <p:txBody>
+          <a:bodyPr/>
+          <a:lstStyle/>
+          <a:p>
+            <a:r>
+              <a:rPr lang="en-IN" b="1" dirty="0"/>
+              <a:t>Key:</a:t>
+            </a:r>
+            <a:r>
               <a:rPr lang="en-IN" dirty="0"/>
-              <a:t>Conversion into BCNF</a:t>
-            </a:r>
-          </a:p>
-        </p:txBody>
-      </p:sp>
-      <p:pic>
-        <p:nvPicPr>
-          <p:cNvPr id="5" name="Picture 4">
-            <a:extLst>
-              <a:ext uri="{FF2B5EF4-FFF2-40B4-BE49-F238E27FC236}">
-                <a16:creationId xmlns:a16="http://schemas.microsoft.com/office/drawing/2014/main" id="{19B7F5FD-BB4F-487C-98F6-C3A1EB032656}"/>
-              </a:ext>
-            </a:extLst>
-          </p:cNvPr>
-          <p:cNvPicPr>
-            <a:picLocks noChangeAspect="1"/>
-          </p:cNvPicPr>
-          <p:nvPr/>
-        </p:nvPicPr>
-        <p:blipFill>
-          <a:blip r:embed="rId2"/>
-          <a:stretch>
-            <a:fillRect/>
-          </a:stretch>
-        </p:blipFill>
-        <p:spPr>
-          <a:xfrm>
-            <a:off x="1446726" y="1955410"/>
-            <a:ext cx="9298547" cy="1809896"/>
-          </a:xfrm>
-          <a:prstGeom prst="rect">
-            <a:avLst/>
-          </a:prstGeom>
-        </p:spPr>
-      </p:pic>
-      <p:sp>
-        <p:nvSpPr>
-          <p:cNvPr id="8" name="Content Placeholder 2">
-            <a:extLst>
-              <a:ext uri="{FF2B5EF4-FFF2-40B4-BE49-F238E27FC236}">
-                <a16:creationId xmlns:a16="http://schemas.microsoft.com/office/drawing/2014/main" id="{5959663C-4437-452D-BDA7-943E736901F1}"/>
-              </a:ext>
-            </a:extLst>
-          </p:cNvPr>
-          <p:cNvSpPr>
-            <a:spLocks noGrp="1"/>
-          </p:cNvSpPr>
-          <p:nvPr>
-            <p:ph idx="1"/>
-          </p:nvPr>
-        </p:nvSpPr>
-        <p:spPr>
-          <a:xfrm>
-            <a:off x="838200" y="4553097"/>
-            <a:ext cx="10515599" cy="1510079"/>
-          </a:xfrm>
-        </p:spPr>
-        <p:txBody>
-          <a:bodyPr>
-            <a:normAutofit/>
-          </a:bodyPr>
-          <a:lstStyle/>
-          <a:p>
+              <a:t> {</a:t>
+            </a:r>
+            <a:r>
+              <a:rPr lang="en-IN" dirty="0" err="1"/>
+              <a:t>StudentID</a:t>
+            </a:r>
             <a:r>
               <a:rPr lang="en-IN" dirty="0"/>
-              <a:t>Out of all above 3 decomposition</a:t>
-            </a:r>
-          </a:p>
-          <a:p>
+              <a:t>, </a:t>
+            </a:r>
+            <a:r>
+              <a:rPr lang="en-IN" dirty="0" err="1"/>
+              <a:t>CourseID</a:t>
+            </a:r>
+            <a:r>
+              <a:rPr lang="en-IN" dirty="0" smtClean="0"/>
+              <a:t>}</a:t>
+            </a:r>
+          </a:p>
+          <a:p>
+            <a:r>
+              <a:rPr lang="en-US" dirty="0" smtClean="0"/>
+              <a:t>After 2NF:</a:t>
+            </a:r>
+          </a:p>
+          <a:p>
+            <a:pPr marL="457200" lvl="1" indent="0">
+              <a:buNone/>
+            </a:pPr>
+            <a:r>
+              <a:rPr lang="en-IN" dirty="0" smtClean="0"/>
+              <a:t>R1: Student (</a:t>
+            </a:r>
+            <a:r>
+              <a:rPr lang="en-IN" u="sng" dirty="0" err="1" smtClean="0"/>
+              <a:t>StudentID</a:t>
+            </a:r>
+            <a:r>
+              <a:rPr lang="en-IN" dirty="0" smtClean="0"/>
+              <a:t> , </a:t>
+            </a:r>
+            <a:r>
+              <a:rPr lang="en-IN" dirty="0" err="1"/>
+              <a:t>StudentName</a:t>
+            </a:r>
+            <a:r>
+              <a:rPr lang="en-IN" dirty="0" smtClean="0"/>
+              <a:t>)</a:t>
+            </a:r>
+          </a:p>
+          <a:p>
+            <a:pPr marL="457200" lvl="1" indent="0">
+              <a:buNone/>
+            </a:pPr>
+            <a:r>
+              <a:rPr lang="en-US" dirty="0" smtClean="0"/>
+              <a:t>R2: Course (</a:t>
+            </a:r>
+            <a:r>
+              <a:rPr lang="en-IN" u="sng" dirty="0" err="1" smtClean="0"/>
+              <a:t>CourseID</a:t>
+            </a:r>
+            <a:r>
+              <a:rPr lang="en-IN" dirty="0" smtClean="0"/>
+              <a:t>, </a:t>
+            </a:r>
+            <a:r>
+              <a:rPr lang="en-IN" dirty="0" err="1"/>
+              <a:t>CourseName</a:t>
+            </a:r>
             <a:r>
               <a:rPr lang="en-IN" dirty="0"/>
-              <a:t>Only D3 follows the decomposition rule for BCNF</a:t>
-            </a:r>
-          </a:p>
-          <a:p>
+              <a:t>, </a:t>
+            </a:r>
+            <a:r>
+              <a:rPr lang="en-IN" dirty="0" err="1"/>
+              <a:t>InstructorID</a:t>
+            </a:r>
             <a:r>
               <a:rPr lang="en-IN" dirty="0"/>
-              <a:t>So D3 is the only valid decomposition </a:t>
-            </a:r>
-          </a:p>
-          <a:p>
-            <a:endParaRPr lang="en-IN" dirty="0"/>
+              <a:t>, </a:t>
+            </a:r>
+            <a:r>
+              <a:rPr lang="en-IN" dirty="0" err="1"/>
+              <a:t>InstructorName</a:t>
+            </a:r>
+            <a:r>
+              <a:rPr lang="en-IN" dirty="0"/>
+              <a:t>, </a:t>
+            </a:r>
+            <a:r>
+              <a:rPr lang="en-IN" dirty="0" err="1"/>
+              <a:t>Dept</a:t>
+            </a:r>
+            <a:r>
+              <a:rPr lang="en-IN" dirty="0" smtClean="0"/>
+              <a:t>)</a:t>
+            </a:r>
+          </a:p>
+          <a:p>
+            <a:pPr marL="457200" lvl="1" indent="0">
+              <a:buNone/>
+            </a:pPr>
+            <a:r>
+              <a:rPr lang="en-US" dirty="0" smtClean="0"/>
+              <a:t>R3: </a:t>
+            </a:r>
+            <a:r>
+              <a:rPr lang="en-IN" dirty="0" err="1" smtClean="0"/>
+              <a:t>Enrollment</a:t>
+            </a:r>
+            <a:r>
+              <a:rPr lang="en-IN" dirty="0" smtClean="0"/>
+              <a:t> (</a:t>
+            </a:r>
+            <a:r>
+              <a:rPr lang="en-IN" dirty="0" err="1"/>
+              <a:t>StudentID</a:t>
+            </a:r>
+            <a:r>
+              <a:rPr lang="en-IN" dirty="0"/>
+              <a:t>, </a:t>
+            </a:r>
+            <a:r>
+              <a:rPr lang="en-IN" dirty="0" err="1"/>
+              <a:t>CourseID</a:t>
+            </a:r>
+            <a:r>
+              <a:rPr lang="en-IN" dirty="0"/>
+              <a:t>, Grade</a:t>
+            </a:r>
+            <a:r>
+              <a:rPr lang="en-IN" dirty="0" smtClean="0"/>
+              <a:t>)</a:t>
+            </a:r>
+          </a:p>
+          <a:p>
+            <a:r>
+              <a:rPr lang="en-US" dirty="0" smtClean="0"/>
+              <a:t>After 3NF:</a:t>
+            </a:r>
+          </a:p>
+          <a:p>
+            <a:pPr marL="457200" lvl="1" indent="0">
+              <a:buNone/>
+            </a:pPr>
+            <a:r>
+              <a:rPr lang="en-US" dirty="0" smtClean="0"/>
+              <a:t>R1 and R3 will remain as it is and remove </a:t>
+            </a:r>
+            <a:r>
+              <a:rPr lang="en-US" dirty="0" err="1" smtClean="0"/>
+              <a:t>transiti</a:t>
+            </a:r>
+            <a:r>
+              <a:rPr lang="en-US" dirty="0" smtClean="0"/>
+              <a:t> FD from R2</a:t>
+            </a:r>
+          </a:p>
+          <a:p>
+            <a:pPr marL="457200" lvl="1" indent="0">
+              <a:buNone/>
+            </a:pPr>
+            <a:r>
+              <a:rPr lang="en-US" dirty="0"/>
+              <a:t>R2a : Instructor(</a:t>
+            </a:r>
+            <a:r>
+              <a:rPr lang="en-US" dirty="0" err="1"/>
+              <a:t>InstructorID</a:t>
+            </a:r>
+            <a:r>
+              <a:rPr lang="en-US" dirty="0"/>
+              <a:t> PK, </a:t>
+            </a:r>
+            <a:r>
+              <a:rPr lang="en-US" dirty="0" err="1"/>
+              <a:t>InstructorName</a:t>
+            </a:r>
+            <a:r>
+              <a:rPr lang="en-US" dirty="0"/>
+              <a:t>, </a:t>
+            </a:r>
+            <a:r>
+              <a:rPr lang="en-US" dirty="0" err="1"/>
+              <a:t>Dept</a:t>
+            </a:r>
+            <a:r>
+              <a:rPr lang="en-US" dirty="0" smtClean="0"/>
+              <a:t>)</a:t>
+            </a:r>
+          </a:p>
+          <a:p>
+            <a:pPr marL="457200" lvl="1" indent="0">
+              <a:buNone/>
+            </a:pPr>
+            <a:r>
+              <a:rPr lang="en-US" dirty="0" smtClean="0"/>
+              <a:t>R2b : </a:t>
+            </a:r>
+            <a:r>
+              <a:rPr lang="en-IN" dirty="0"/>
+              <a:t>Course(</a:t>
+            </a:r>
+            <a:r>
+              <a:rPr lang="en-IN" dirty="0" err="1"/>
+              <a:t>CourseID</a:t>
+            </a:r>
+            <a:r>
+              <a:rPr lang="en-IN" dirty="0"/>
+              <a:t> PK, </a:t>
+            </a:r>
+            <a:r>
+              <a:rPr lang="en-IN" dirty="0" err="1"/>
+              <a:t>CourseName</a:t>
+            </a:r>
+            <a:r>
+              <a:rPr lang="en-IN" dirty="0"/>
+              <a:t>, </a:t>
+            </a:r>
+            <a:r>
+              <a:rPr lang="en-IN" dirty="0" err="1"/>
+              <a:t>InstructorID</a:t>
+            </a:r>
+            <a:r>
+              <a:rPr lang="en-IN" dirty="0"/>
+              <a:t>)</a:t>
+            </a:r>
+            <a:endParaRPr lang="en-IN" dirty="0" smtClean="0"/>
           </a:p>
         </p:txBody>
       </p:sp>
     </p:spTree>
     <p:extLst>
       <p:ext uri="{BB962C8B-B14F-4D97-AF65-F5344CB8AC3E}">
-        <p14:creationId xmlns:p14="http://schemas.microsoft.com/office/powerpoint/2010/main" val="3953875560"/>
+        <p14:creationId xmlns:p14="http://schemas.microsoft.com/office/powerpoint/2010/main" val="486367758"/>
       </p:ext>
     </p:extLst>
   </p:cSld>
@@ -3594,7 +3760,7 @@
           <p:cNvPr id="2" name="Title 1">
             <a:extLst>
               <a:ext uri="{FF2B5EF4-FFF2-40B4-BE49-F238E27FC236}">
-                <a16:creationId xmlns:a16="http://schemas.microsoft.com/office/drawing/2014/main" id="{09286E48-BE59-4900-9536-6B05678FBF28}"/>
+                <a16:creationId xmlns="" xmlns:a16="http://schemas.microsoft.com/office/drawing/2014/main" id="{09286E48-BE59-4900-9536-6B05678FBF28}"/>
               </a:ext>
             </a:extLst>
           </p:cNvPr>
@@ -3605,7 +3771,12 @@
             <p:ph type="title"/>
           </p:nvPr>
         </p:nvSpPr>
-        <p:spPr/>
+        <p:spPr>
+          <a:xfrm>
+            <a:off x="379829" y="335145"/>
+            <a:ext cx="10515600" cy="1325563"/>
+          </a:xfrm>
+        </p:spPr>
         <p:txBody>
           <a:bodyPr/>
           <a:lstStyle/>
@@ -3622,7 +3793,7 @@
           <p:cNvPr id="3" name="Content Placeholder 2">
             <a:extLst>
               <a:ext uri="{FF2B5EF4-FFF2-40B4-BE49-F238E27FC236}">
-                <a16:creationId xmlns:a16="http://schemas.microsoft.com/office/drawing/2014/main" id="{50CF24CA-161F-422D-9E6A-E4F4B19EEFB0}"/>
+                <a16:creationId xmlns="" xmlns:a16="http://schemas.microsoft.com/office/drawing/2014/main" id="{50CF24CA-161F-422D-9E6A-E4F4B19EEFB0}"/>
               </a:ext>
             </a:extLst>
           </p:cNvPr>
@@ -3649,12 +3820,79 @@
               <a:buNone/>
             </a:pPr>
             <a:r>
+              <a:rPr lang="en-US" sz="2400" dirty="0"/>
+              <a:t>R(</a:t>
+            </a:r>
+            <a:r>
+              <a:rPr lang="en-US" sz="2400" dirty="0" err="1"/>
+              <a:t>StuID</a:t>
+            </a:r>
+            <a:r>
+              <a:rPr lang="en-US" sz="2400" dirty="0"/>
+              <a:t>, </a:t>
+            </a:r>
+            <a:r>
+              <a:rPr lang="en-US" sz="2400" dirty="0" err="1"/>
+              <a:t>StuName</a:t>
+            </a:r>
+            <a:r>
+              <a:rPr lang="en-US" sz="2400" dirty="0"/>
+              <a:t>, </a:t>
+            </a:r>
+            <a:r>
+              <a:rPr lang="en-US" sz="2400" dirty="0" err="1"/>
+              <a:t>Dept</a:t>
+            </a:r>
+            <a:r>
+              <a:rPr lang="en-US" sz="2400" dirty="0"/>
+              <a:t>, </a:t>
+            </a:r>
+            <a:r>
+              <a:rPr lang="en-US" sz="2400" dirty="0" err="1"/>
+              <a:t>CourseID</a:t>
+            </a:r>
+            <a:r>
+              <a:rPr lang="en-US" sz="2400" dirty="0"/>
+              <a:t>, </a:t>
+            </a:r>
+            <a:r>
+              <a:rPr lang="en-US" sz="2400" dirty="0" err="1"/>
+              <a:t>CourseName</a:t>
+            </a:r>
+            <a:r>
+              <a:rPr lang="en-US" sz="2400" dirty="0"/>
+              <a:t>, Instructor, </a:t>
+            </a:r>
+            <a:r>
+              <a:rPr lang="en-US" sz="2400" dirty="0" err="1"/>
+              <a:t>RoomNo</a:t>
+            </a:r>
+            <a:r>
+              <a:rPr lang="en-US" sz="2400" dirty="0" smtClean="0"/>
+              <a:t>)</a:t>
+            </a:r>
+          </a:p>
+          <a:p>
+            <a:pPr marL="0" indent="0">
+              <a:buNone/>
+            </a:pPr>
+            <a:endParaRPr lang="en-US" sz="2400" dirty="0" smtClean="0"/>
+          </a:p>
+          <a:p>
+            <a:pPr marL="0" indent="0">
+              <a:buNone/>
+            </a:pPr>
+            <a:r>
+              <a:rPr lang="en-IN" sz="2400" dirty="0" err="1"/>
+              <a:t>StuID</a:t>
+            </a:r>
+            <a:r>
               <a:rPr lang="en-IN" sz="2400" dirty="0"/>
-              <a:t>R = {</a:t>
+              <a:t> → </a:t>
             </a:r>
             <a:r>
               <a:rPr lang="en-IN" sz="2400" dirty="0" err="1"/>
-              <a:t>Course_No</a:t>
+              <a:t>StuName</a:t>
             </a:r>
             <a:r>
               <a:rPr lang="en-IN" sz="2400" dirty="0"/>
@@ -3662,7 +3900,82 @@
             </a:r>
             <a:r>
               <a:rPr lang="en-IN" sz="2400" dirty="0" err="1"/>
-              <a:t>Sec_No</a:t>
+              <a:t>Dept</a:t>
+            </a:r>
+            <a:r>
+              <a:rPr lang="en-IN" sz="2400" dirty="0"/>
+              <a:t>(Student ID uniquely identifies student info</a:t>
+            </a:r>
+            <a:r>
+              <a:rPr lang="en-IN" sz="2400" dirty="0" smtClean="0"/>
+              <a:t>)</a:t>
+            </a:r>
+          </a:p>
+          <a:p>
+            <a:pPr marL="0" indent="0">
+              <a:buNone/>
+            </a:pPr>
+            <a:r>
+              <a:rPr lang="en-IN" sz="2400" dirty="0" err="1" smtClean="0"/>
+              <a:t>CourseID</a:t>
+            </a:r>
+            <a:r>
+              <a:rPr lang="en-IN" sz="2400" dirty="0" smtClean="0"/>
+              <a:t> </a:t>
+            </a:r>
+            <a:r>
+              <a:rPr lang="en-IN" sz="2400" dirty="0"/>
+              <a:t>→ </a:t>
+            </a:r>
+            <a:r>
+              <a:rPr lang="en-IN" sz="2400" dirty="0" err="1"/>
+              <a:t>CourseName</a:t>
+            </a:r>
+            <a:r>
+              <a:rPr lang="en-IN" sz="2400" dirty="0"/>
+              <a:t>, Instructor(Each course has a fixed name and instructor</a:t>
+            </a:r>
+            <a:r>
+              <a:rPr lang="en-IN" sz="2400" dirty="0" smtClean="0"/>
+              <a:t>)</a:t>
+            </a:r>
+          </a:p>
+          <a:p>
+            <a:pPr marL="0" indent="0">
+              <a:buNone/>
+            </a:pPr>
+            <a:r>
+              <a:rPr lang="en-IN" sz="2400" dirty="0" smtClean="0"/>
+              <a:t>Instructor </a:t>
+            </a:r>
+            <a:r>
+              <a:rPr lang="en-IN" sz="2400" dirty="0"/>
+              <a:t>→ </a:t>
+            </a:r>
+            <a:r>
+              <a:rPr lang="en-IN" sz="2400" dirty="0" err="1"/>
+              <a:t>RoomNo</a:t>
+            </a:r>
+            <a:r>
+              <a:rPr lang="en-IN" sz="2400" dirty="0"/>
+              <a:t>(An instructor is assigned a specific room for lectures</a:t>
+            </a:r>
+            <a:r>
+              <a:rPr lang="en-IN" sz="2400" dirty="0" smtClean="0"/>
+              <a:t>)</a:t>
+            </a:r>
+          </a:p>
+          <a:p>
+            <a:pPr marL="0" indent="0">
+              <a:buNone/>
+            </a:pPr>
+            <a:r>
+              <a:rPr lang="en-IN" sz="2400" dirty="0" smtClean="0"/>
+              <a:t>(</a:t>
+            </a:r>
+            <a:r>
+              <a:rPr lang="en-IN" sz="2400" dirty="0" err="1"/>
+              <a:t>StuID</a:t>
             </a:r>
             <a:r>
               <a:rPr lang="en-IN" sz="2400" dirty="0"/>
@@ -3670,76 +3983,15 @@
             </a:r>
             <a:r>
               <a:rPr lang="en-IN" sz="2400" dirty="0" err="1"/>
-              <a:t>Off_Dept</a:t>
+              <a:t>CourseID</a:t>
             </a:r>
             <a:r>
               <a:rPr lang="en-IN" sz="2400" dirty="0"/>
-              <a:t>, </a:t>
-            </a:r>
-            <a:r>
-              <a:rPr lang="en-IN" sz="2400" dirty="0" err="1"/>
-              <a:t>Credit_Hrs</a:t>
-            </a:r>
-            <a:r>
-              <a:rPr lang="en-IN" sz="2400" dirty="0"/>
-              <a:t>, </a:t>
-            </a:r>
-            <a:r>
-              <a:rPr lang="en-IN" sz="2400" dirty="0" err="1"/>
-              <a:t>Course_Level</a:t>
-            </a:r>
-            <a:r>
-              <a:rPr lang="en-IN" sz="2400" dirty="0"/>
-              <a:t>, </a:t>
-            </a:r>
-            <a:r>
-              <a:rPr lang="en-IN" sz="2400" dirty="0" err="1"/>
-              <a:t>Inst_SSN</a:t>
-            </a:r>
-            <a:r>
-              <a:rPr lang="en-IN" sz="2400" dirty="0"/>
-              <a:t>, </a:t>
-            </a:r>
-          </a:p>
-          <a:p>
-            <a:pPr marL="0" indent="0">
-              <a:buNone/>
-            </a:pPr>
-            <a:r>
-              <a:rPr lang="en-IN" sz="2400" dirty="0"/>
-              <a:t>				</a:t>
-            </a:r>
-            <a:r>
-              <a:rPr lang="en-IN" sz="2400" dirty="0" err="1"/>
-              <a:t>sem</a:t>
-            </a:r>
-            <a:r>
-              <a:rPr lang="en-IN" sz="2400" dirty="0"/>
-              <a:t>, year, </a:t>
-            </a:r>
-            <a:r>
-              <a:rPr lang="en-IN" sz="2400" dirty="0" err="1"/>
-              <a:t>Days_Hrs</a:t>
-            </a:r>
-            <a:r>
-              <a:rPr lang="en-IN" sz="2400" dirty="0"/>
-              <a:t>, </a:t>
-            </a:r>
-            <a:r>
-              <a:rPr lang="en-IN" sz="2400" dirty="0" err="1"/>
-              <a:t>Room_No</a:t>
-            </a:r>
-            <a:r>
-              <a:rPr lang="en-IN" sz="2400" dirty="0"/>
-              <a:t>, </a:t>
-            </a:r>
-            <a:r>
-              <a:rPr lang="en-IN" sz="2400" dirty="0" err="1"/>
-              <a:t>No_of_Stud</a:t>
-            </a:r>
-            <a:r>
-              <a:rPr lang="en-IN" sz="2400" dirty="0"/>
-              <a:t>}</a:t>
+              <a:t>) → (all other attributes</a:t>
+            </a:r>
+            <a:r>
+              <a:rPr lang="en-IN" sz="2400" dirty="0" smtClean="0"/>
+              <a:t>)</a:t>
             </a:r>
           </a:p>
           <a:p>
@@ -3753,156 +4005,30 @@
               <a:buNone/>
             </a:pPr>
             <a:r>
+              <a:rPr lang="en-IN" sz="2400" dirty="0" smtClean="0"/>
+              <a:t>(</a:t>
+            </a:r>
+            <a:r>
               <a:rPr lang="en-IN" sz="2400" dirty="0"/>
-              <a:t>Functional Dependencies:</a:t>
-            </a:r>
-          </a:p>
-          <a:p>
-            <a:pPr marL="0" indent="0">
-              <a:buNone/>
-            </a:pPr>
+              <a:t>Student </a:t>
+            </a:r>
+            <a:r>
+              <a:rPr lang="en-IN" sz="2400" dirty="0" err="1"/>
+              <a:t>enrollment</a:t>
+            </a:r>
             <a:r>
               <a:rPr lang="en-IN" sz="2400" dirty="0"/>
-              <a:t>{</a:t>
+              <a:t> in a course is uniquely identified by </a:t>
             </a:r>
             <a:r>
               <a:rPr lang="en-IN" sz="2400" dirty="0" err="1"/>
-              <a:t>Course_No</a:t>
+              <a:t>StuID+CourseID</a:t>
             </a:r>
             <a:r>
               <a:rPr lang="en-IN" sz="2400" dirty="0"/>
-              <a:t>} -&gt; {</a:t>
-            </a:r>
-            <a:r>
-              <a:rPr lang="en-IN" sz="2400" dirty="0" err="1"/>
-              <a:t>Off_Dept</a:t>
-            </a:r>
-            <a:r>
-              <a:rPr lang="en-IN" sz="2400" dirty="0"/>
-              <a:t>, </a:t>
-            </a:r>
-            <a:r>
-              <a:rPr lang="en-IN" sz="2400" dirty="0" err="1"/>
-              <a:t>Credit_Hrs</a:t>
-            </a:r>
-            <a:r>
-              <a:rPr lang="en-IN" sz="2400" dirty="0"/>
-              <a:t>, </a:t>
-            </a:r>
-            <a:r>
-              <a:rPr lang="en-IN" sz="2400" dirty="0" err="1"/>
-              <a:t>Course_Level</a:t>
-            </a:r>
-            <a:r>
-              <a:rPr lang="en-IN" sz="2400" dirty="0"/>
-              <a:t>}</a:t>
-            </a:r>
-          </a:p>
-          <a:p>
-            <a:pPr marL="0" indent="0">
-              <a:buNone/>
-            </a:pPr>
-            <a:r>
-              <a:rPr lang="en-IN" sz="2400" dirty="0"/>
-              <a:t>{</a:t>
-            </a:r>
-            <a:r>
-              <a:rPr lang="en-IN" sz="2400" dirty="0" err="1"/>
-              <a:t>Course_No</a:t>
-            </a:r>
-            <a:r>
-              <a:rPr lang="en-IN" sz="2400" dirty="0"/>
-              <a:t>, </a:t>
-            </a:r>
-            <a:r>
-              <a:rPr lang="en-IN" sz="2400" dirty="0" err="1"/>
-              <a:t>Sec_No</a:t>
-            </a:r>
-            <a:r>
-              <a:rPr lang="en-IN" sz="2400" dirty="0"/>
-              <a:t>, Sem, Year} -&gt; {</a:t>
-            </a:r>
-            <a:r>
-              <a:rPr lang="en-IN" sz="2400" dirty="0" err="1"/>
-              <a:t>Days_Hrs</a:t>
-            </a:r>
-            <a:r>
-              <a:rPr lang="en-IN" sz="2400" dirty="0"/>
-              <a:t>, </a:t>
-            </a:r>
-            <a:r>
-              <a:rPr lang="en-IN" sz="2400" dirty="0" err="1"/>
-              <a:t>Room_No</a:t>
-            </a:r>
-            <a:r>
-              <a:rPr lang="en-IN" sz="2400" dirty="0"/>
-              <a:t>, </a:t>
-            </a:r>
-            <a:r>
-              <a:rPr lang="en-IN" sz="2400" dirty="0" err="1"/>
-              <a:t>No_of_Stud</a:t>
-            </a:r>
-            <a:r>
-              <a:rPr lang="en-IN" sz="2400" dirty="0"/>
-              <a:t>, </a:t>
-            </a:r>
-            <a:r>
-              <a:rPr lang="en-IN" sz="2400" dirty="0" err="1"/>
-              <a:t>Inst_SSN</a:t>
-            </a:r>
-            <a:r>
-              <a:rPr lang="en-IN" sz="2400" dirty="0"/>
-              <a:t>}</a:t>
-            </a:r>
-          </a:p>
-          <a:p>
-            <a:pPr marL="0" indent="0">
-              <a:buNone/>
-            </a:pPr>
-            <a:r>
-              <a:rPr lang="en-IN" sz="2400" dirty="0"/>
-              <a:t>{</a:t>
-            </a:r>
-            <a:r>
-              <a:rPr lang="en-IN" sz="2400" dirty="0" err="1"/>
-              <a:t>Room_No</a:t>
-            </a:r>
-            <a:r>
-              <a:rPr lang="en-IN" sz="2400" dirty="0"/>
-              <a:t>, </a:t>
-            </a:r>
-            <a:r>
-              <a:rPr lang="en-IN" sz="2400" dirty="0" err="1"/>
-              <a:t>Days_Hrs</a:t>
-            </a:r>
-            <a:r>
-              <a:rPr lang="en-IN" sz="2400" dirty="0"/>
-              <a:t>, Sem, Year} -&gt; {</a:t>
-            </a:r>
-            <a:r>
-              <a:rPr lang="en-IN" sz="2400" dirty="0" err="1"/>
-              <a:t>Inst_SSN</a:t>
-            </a:r>
-            <a:r>
-              <a:rPr lang="en-IN" sz="2400" dirty="0"/>
-              <a:t>, </a:t>
-            </a:r>
-            <a:r>
-              <a:rPr lang="en-IN" sz="2400" dirty="0" err="1"/>
-              <a:t>Course_No</a:t>
-            </a:r>
-            <a:r>
-              <a:rPr lang="en-IN" sz="2400" dirty="0"/>
-              <a:t>, </a:t>
-            </a:r>
-            <a:r>
-              <a:rPr lang="en-IN" sz="2400" dirty="0" err="1"/>
-              <a:t>Sec_No</a:t>
-            </a:r>
-            <a:r>
-              <a:rPr lang="en-IN" sz="2400" dirty="0"/>
-              <a:t>}</a:t>
-            </a:r>
+              <a:t>)</a:t>
+            </a:r>
+            <a:endParaRPr lang="en-IN" sz="2400" dirty="0" smtClean="0"/>
           </a:p>
         </p:txBody>
       </p:sp>
@@ -3938,24 +4064,46 @@
       </p:grpSpPr>
       <p:sp>
         <p:nvSpPr>
-          <p:cNvPr id="3" name="Content Placeholder 2">
-            <a:extLst>
-              <a:ext uri="{FF2B5EF4-FFF2-40B4-BE49-F238E27FC236}">
-                <a16:creationId xmlns:a16="http://schemas.microsoft.com/office/drawing/2014/main" id="{5A8AD953-71CD-4EB6-A474-3F7B9458B0A1}"/>
-              </a:ext>
-            </a:extLst>
-          </p:cNvPr>
-          <p:cNvSpPr>
-            <a:spLocks noGrp="1"/>
-          </p:cNvSpPr>
-          <p:nvPr>
-            <p:ph idx="1"/>
+          <p:cNvPr id="2" name="Title 1"/>
+          <p:cNvSpPr>
+            <a:spLocks noGrp="1"/>
+          </p:cNvSpPr>
+          <p:nvPr>
+            <p:ph type="title"/>
           </p:nvPr>
         </p:nvSpPr>
         <p:spPr>
           <a:xfrm>
-            <a:off x="492369" y="492369"/>
-            <a:ext cx="11240086" cy="5684594"/>
+            <a:off x="404734" y="185243"/>
+            <a:ext cx="10515600" cy="744147"/>
+          </a:xfrm>
+        </p:spPr>
+        <p:txBody>
+          <a:bodyPr/>
+          <a:lstStyle/>
+          <a:p>
+            <a:r>
+              <a:rPr lang="en-US" dirty="0" smtClean="0"/>
+              <a:t>Decomposition</a:t>
+            </a:r>
+            <a:endParaRPr lang="en-IN" dirty="0"/>
+          </a:p>
+        </p:txBody>
+      </p:sp>
+      <p:sp>
+        <p:nvSpPr>
+          <p:cNvPr id="3" name="Content Placeholder 2"/>
+          <p:cNvSpPr>
+            <a:spLocks noGrp="1"/>
+          </p:cNvSpPr>
+          <p:nvPr>
+            <p:ph idx="1"/>
+          </p:nvPr>
+        </p:nvSpPr>
+        <p:spPr>
+          <a:xfrm>
+            <a:off x="404734" y="1079292"/>
+            <a:ext cx="11647358" cy="5561351"/>
           </a:xfrm>
         </p:spPr>
         <p:txBody>
@@ -3965,1017 +4113,327 @@
           <a:lstStyle/>
           <a:p>
             <a:r>
-              <a:rPr lang="en-IN" sz="2400" b="1" u="sng" dirty="0"/>
-              <a:t>2NF:</a:t>
-            </a:r>
-          </a:p>
-          <a:p>
+              <a:rPr lang="en-US" sz="2400" dirty="0" smtClean="0"/>
+              <a:t>R </a:t>
+            </a:r>
+            <a:r>
+              <a:rPr lang="en-US" sz="2400" dirty="0"/>
+              <a:t>= (</a:t>
+            </a:r>
+            <a:r>
+              <a:rPr lang="en-US" sz="2400" dirty="0" err="1"/>
+              <a:t>StuID</a:t>
+            </a:r>
+            <a:r>
+              <a:rPr lang="en-US" sz="2400" dirty="0"/>
+              <a:t>, </a:t>
+            </a:r>
+            <a:r>
+              <a:rPr lang="en-US" sz="2400" dirty="0" err="1"/>
+              <a:t>StuName</a:t>
+            </a:r>
+            <a:r>
+              <a:rPr lang="en-US" sz="2400" dirty="0"/>
+              <a:t>, </a:t>
+            </a:r>
+            <a:r>
+              <a:rPr lang="en-US" sz="2400" dirty="0" err="1"/>
+              <a:t>Dept</a:t>
+            </a:r>
+            <a:r>
+              <a:rPr lang="en-US" sz="2400" dirty="0"/>
+              <a:t>, </a:t>
+            </a:r>
+            <a:r>
+              <a:rPr lang="en-US" sz="2400" dirty="0" err="1"/>
+              <a:t>CourseID</a:t>
+            </a:r>
+            <a:r>
+              <a:rPr lang="en-US" sz="2400" dirty="0"/>
+              <a:t>, </a:t>
+            </a:r>
+            <a:r>
+              <a:rPr lang="en-US" sz="2400" dirty="0" err="1"/>
+              <a:t>CourseName</a:t>
+            </a:r>
+            <a:r>
+              <a:rPr lang="en-US" sz="2400" dirty="0"/>
+              <a:t>, Instructor, </a:t>
+            </a:r>
+            <a:r>
+              <a:rPr lang="en-US" sz="2400" dirty="0" err="1"/>
+              <a:t>RoomNo</a:t>
+            </a:r>
+            <a:r>
+              <a:rPr lang="en-US" sz="2400" dirty="0" smtClean="0"/>
+              <a:t>) already in 1NF</a:t>
+            </a:r>
+          </a:p>
+          <a:p>
+            <a:r>
+              <a:rPr lang="en-IN" sz="2400" dirty="0"/>
+              <a:t>Primary key = (</a:t>
+            </a:r>
             <a:r>
               <a:rPr lang="en-IN" sz="2400" dirty="0" err="1"/>
-              <a:t>Course_Master</a:t>
+              <a:t>StuID</a:t>
             </a:r>
             <a:r>
               <a:rPr lang="en-IN" sz="2400" dirty="0"/>
+              <a:t>, </a:t>
+            </a:r>
+            <a:r>
+              <a:rPr lang="en-IN" sz="2400" dirty="0" err="1"/>
+              <a:t>CourseID</a:t>
+            </a:r>
+            <a:r>
+              <a:rPr lang="en-IN" sz="2400" dirty="0"/>
+              <a:t>) (composite</a:t>
+            </a:r>
+            <a:r>
+              <a:rPr lang="en-IN" sz="2400" dirty="0" smtClean="0"/>
+              <a:t>).</a:t>
+            </a:r>
+          </a:p>
+          <a:p>
+            <a:endParaRPr lang="en-IN" sz="2400" dirty="0" smtClean="0"/>
+          </a:p>
+          <a:p>
+            <a:r>
+              <a:rPr lang="en-IN" sz="2400" dirty="0" smtClean="0"/>
+              <a:t>In </a:t>
+            </a:r>
+            <a:r>
+              <a:rPr lang="en-IN" sz="2400" dirty="0"/>
+              <a:t>2NF, no non-prime attribute should depend on part of composite key</a:t>
+            </a:r>
+            <a:r>
+              <a:rPr lang="en-IN" sz="2400" dirty="0" smtClean="0"/>
+              <a:t>.</a:t>
+            </a:r>
+          </a:p>
+          <a:p>
+            <a:r>
+              <a:rPr lang="en-IN" sz="2400" dirty="0" smtClean="0"/>
+              <a:t>Check </a:t>
+            </a:r>
+            <a:r>
+              <a:rPr lang="en-IN" sz="2400" dirty="0"/>
+              <a:t>partial dependencies</a:t>
+            </a:r>
+            <a:r>
+              <a:rPr lang="en-IN" sz="2400" dirty="0" smtClean="0"/>
               <a:t>:</a:t>
             </a:r>
           </a:p>
           <a:p>
             <a:r>
+              <a:rPr lang="en-IN" sz="2400" dirty="0" err="1" smtClean="0"/>
+              <a:t>StuID</a:t>
+            </a:r>
+            <a:r>
+              <a:rPr lang="en-IN" sz="2400" dirty="0" smtClean="0"/>
+              <a:t> </a:t>
+            </a:r>
+            <a:r>
+              <a:rPr lang="en-IN" sz="2400" dirty="0"/>
+              <a:t>→ </a:t>
+            </a:r>
+            <a:r>
               <a:rPr lang="en-IN" sz="2400" dirty="0" err="1"/>
-              <a:t>Course_Taken</a:t>
+              <a:t>StuName</a:t>
             </a:r>
             <a:r>
               <a:rPr lang="en-IN" sz="2400" dirty="0"/>
+              <a:t>, </a:t>
+            </a:r>
+            <a:r>
+              <a:rPr lang="en-IN" sz="2400" dirty="0" err="1"/>
+              <a:t>Dept</a:t>
+            </a:r>
+            <a:r>
+              <a:rPr lang="en-IN" sz="2400" dirty="0"/>
+              <a:t> → partial dependency (depends only on </a:t>
+            </a:r>
+            <a:r>
+              <a:rPr lang="en-IN" sz="2400" dirty="0" err="1"/>
+              <a:t>StuID</a:t>
+            </a:r>
+            <a:r>
+              <a:rPr lang="en-IN" sz="2400" dirty="0"/>
+              <a:t>). </a:t>
+            </a:r>
+            <a:r>
+              <a:rPr lang="en-IN" sz="2400" dirty="0" smtClean="0"/>
+              <a:t>❌</a:t>
+            </a:r>
+          </a:p>
+          <a:p>
+            <a:r>
+              <a:rPr lang="en-IN" sz="2400" dirty="0" err="1" smtClean="0"/>
+              <a:t>CourseID</a:t>
+            </a:r>
+            <a:r>
+              <a:rPr lang="en-IN" sz="2400" dirty="0" smtClean="0"/>
+              <a:t> </a:t>
+            </a:r>
+            <a:r>
+              <a:rPr lang="en-IN" sz="2400" dirty="0"/>
+              <a:t>→ </a:t>
+            </a:r>
+            <a:r>
+              <a:rPr lang="en-IN" sz="2400" dirty="0" err="1"/>
+              <a:t>CourseName</a:t>
+            </a:r>
+            <a:r>
+              <a:rPr lang="en-IN" sz="2400" dirty="0"/>
+              <a:t>, Instructor → partial dependency (depends only on </a:t>
+            </a:r>
+            <a:r>
+              <a:rPr lang="en-IN" sz="2400" dirty="0" err="1"/>
+              <a:t>CourseID</a:t>
+            </a:r>
+            <a:r>
+              <a:rPr lang="en-IN" sz="2400" dirty="0"/>
+              <a:t>). </a:t>
+            </a:r>
+            <a:r>
+              <a:rPr lang="en-IN" sz="2400" dirty="0" smtClean="0"/>
+              <a:t>❌</a:t>
+            </a:r>
+          </a:p>
+          <a:p>
+            <a:endParaRPr lang="en-IN" sz="2400" dirty="0" smtClean="0"/>
+          </a:p>
+          <a:p>
+            <a:r>
+              <a:rPr lang="en-IN" sz="2400" dirty="0" smtClean="0"/>
+              <a:t>So 2NF </a:t>
+            </a:r>
+            <a:r>
+              <a:rPr lang="en-IN" sz="2400" dirty="0"/>
+              <a:t>decompose</a:t>
+            </a:r>
+            <a:r>
+              <a:rPr lang="en-IN" sz="2400" dirty="0" smtClean="0"/>
               <a:t>:</a:t>
             </a:r>
           </a:p>
           <a:p>
+            <a:r>
+              <a:rPr lang="en-IN" sz="2400" dirty="0" smtClean="0"/>
+              <a:t>R1(</a:t>
+            </a:r>
+            <a:r>
+              <a:rPr lang="en-IN" sz="2400" dirty="0" err="1" smtClean="0"/>
+              <a:t>StuID</a:t>
+            </a:r>
+            <a:r>
+              <a:rPr lang="en-IN" sz="2400" dirty="0"/>
+              <a:t>, </a:t>
+            </a:r>
+            <a:r>
+              <a:rPr lang="en-IN" sz="2400" dirty="0" err="1"/>
+              <a:t>StuName</a:t>
+            </a:r>
+            <a:r>
+              <a:rPr lang="en-IN" sz="2400" dirty="0"/>
+              <a:t>, </a:t>
+            </a:r>
+            <a:r>
+              <a:rPr lang="en-IN" sz="2400" dirty="0" err="1"/>
+              <a:t>Dept</a:t>
+            </a:r>
+            <a:r>
+              <a:rPr lang="en-IN" sz="2400" dirty="0" smtClean="0"/>
+              <a:t>)</a:t>
+            </a:r>
+          </a:p>
+          <a:p>
+            <a:r>
+              <a:rPr lang="en-IN" sz="2400" dirty="0" smtClean="0"/>
+              <a:t>R2(</a:t>
+            </a:r>
+            <a:r>
+              <a:rPr lang="en-IN" sz="2400" dirty="0" err="1" smtClean="0"/>
+              <a:t>CourseID</a:t>
+            </a:r>
+            <a:r>
+              <a:rPr lang="en-IN" sz="2400" dirty="0"/>
+              <a:t>, </a:t>
+            </a:r>
+            <a:r>
+              <a:rPr lang="en-IN" sz="2400" dirty="0" err="1"/>
+              <a:t>CourseName</a:t>
+            </a:r>
+            <a:r>
+              <a:rPr lang="en-IN" sz="2400" dirty="0"/>
+              <a:t>, </a:t>
+            </a:r>
+            <a:r>
+              <a:rPr lang="en-IN" sz="2400" dirty="0" smtClean="0"/>
+              <a:t>Instructor, </a:t>
+            </a:r>
+            <a:r>
+              <a:rPr lang="en-IN" sz="2400" dirty="0" err="1" smtClean="0"/>
+              <a:t>RoomNo</a:t>
+            </a:r>
+            <a:r>
+              <a:rPr lang="en-IN" sz="2400" dirty="0" smtClean="0"/>
+              <a:t>)</a:t>
+            </a:r>
             <a:endParaRPr lang="en-IN" sz="2400" dirty="0"/>
           </a:p>
           <a:p>
-            <a:endParaRPr lang="en-IN" sz="2400" dirty="0"/>
-          </a:p>
-          <a:p>
-            <a:r>
-              <a:rPr lang="en-IN" sz="2400" dirty="0">
-                <a:highlight>
-                  <a:srgbClr val="FFFF00"/>
-                </a:highlight>
+            <a:pPr lvl="0"/>
+            <a:r>
+              <a:rPr lang="en-US" sz="2400" dirty="0">
+                <a:latin typeface="Times New Roman" panose="02020603050405020304" pitchFamily="18" charset="0"/>
+                <a:cs typeface="Times New Roman" panose="02020603050405020304" pitchFamily="18" charset="0"/>
               </a:rPr>
-              <a:t>3NF</a:t>
-            </a:r>
-          </a:p>
-          <a:p>
-            <a:r>
-              <a:rPr lang="en-IN" sz="2400" dirty="0">
-                <a:highlight>
-                  <a:srgbClr val="FFFF00"/>
-                </a:highlight>
+              <a:t>R3(</a:t>
+            </a:r>
+            <a:r>
+              <a:rPr lang="en-US" sz="2400" dirty="0" err="1">
+                <a:latin typeface="Times New Roman" panose="02020603050405020304" pitchFamily="18" charset="0"/>
+                <a:cs typeface="Times New Roman" panose="02020603050405020304" pitchFamily="18" charset="0"/>
               </a:rPr>
-              <a:t>No Transitive </a:t>
-            </a:r>
-            <a:r>
-              <a:rPr lang="en-IN" sz="2400" dirty="0" err="1">
-                <a:highlight>
-                  <a:srgbClr val="FFFF00"/>
-                </a:highlight>
+              <a:t>StuID</a:t>
+            </a:r>
+            <a:r>
+              <a:rPr lang="en-US" sz="2400" dirty="0">
+                <a:latin typeface="Times New Roman" panose="02020603050405020304" pitchFamily="18" charset="0"/>
+                <a:cs typeface="Times New Roman" panose="02020603050405020304" pitchFamily="18" charset="0"/>
               </a:rPr>
-              <a:t>Dependancies</a:t>
-            </a:r>
-            <a:endParaRPr lang="en-IN" sz="2400" dirty="0">
-              <a:highlight>
-                <a:srgbClr val="FFFF00"/>
-              </a:highlight>
-            </a:endParaRPr>
-          </a:p>
-          <a:p>
-            <a:r>
-              <a:rPr lang="en-IN" sz="2400" b="1" u="sng" dirty="0"/>
-              <a:t>BCNF: </a:t>
-            </a:r>
-            <a:r>
-              <a:rPr lang="en-IN" sz="2400" dirty="0"/>
-              <a:t>Decomposition of course taken as below – (use 3</a:t>
-            </a:r>
-            <a:r>
-              <a:rPr lang="en-IN" sz="2400" baseline="30000" dirty="0"/>
-              <a:t>rd</a:t>
-            </a:r>
-            <a:r>
-              <a:rPr lang="en-IN" sz="2400" dirty="0"/>
-              <a:t> FD for the same)</a:t>
-            </a:r>
-          </a:p>
-          <a:p>
-            <a:r>
-              <a:rPr lang="en-IN" sz="2400" dirty="0" err="1"/>
-              <a:t>Course_Details</a:t>
-            </a:r>
-            <a:endParaRPr lang="en-IN" sz="2400" dirty="0"/>
-          </a:p>
-          <a:p>
-            <a:endParaRPr lang="en-IN" sz="2400" dirty="0"/>
-          </a:p>
-          <a:p>
-            <a:r>
-              <a:rPr lang="en-IN" sz="2400" dirty="0" err="1"/>
-              <a:t>Instructor_Load</a:t>
-            </a:r>
-            <a:r>
-              <a:rPr lang="en-IN" sz="2400" dirty="0"/>
-              <a:t> </a:t>
-            </a:r>
-          </a:p>
-          <a:p>
-            <a:endParaRPr lang="en-IN" sz="2400" dirty="0"/>
-          </a:p>
-        </p:txBody>
-      </p:sp>
-      <p:graphicFrame>
-        <p:nvGraphicFramePr>
-          <p:cNvPr id="4" name="Table 4">
-            <a:extLst>
-              <a:ext uri="{FF2B5EF4-FFF2-40B4-BE49-F238E27FC236}">
-                <a16:creationId xmlns:a16="http://schemas.microsoft.com/office/drawing/2014/main" id="{FFED290C-479A-410A-A1D1-AB1125CA4CF4}"/>
-              </a:ext>
-            </a:extLst>
-          </p:cNvPr>
-          <p:cNvGraphicFramePr>
-            <a:graphicFrameLocks noGrp="1"/>
-          </p:cNvGraphicFramePr>
-          <p:nvPr>
-            <p:extLst>
-              <p:ext uri="{D42A27DB-BD31-4B8C-83A1-F6EECF244321}">
-                <p14:modId xmlns:p14="http://schemas.microsoft.com/office/powerpoint/2010/main" val="4226984470"/>
-              </p:ext>
-            </p:extLst>
-          </p:nvPr>
-        </p:nvGraphicFramePr>
-        <p:xfrm>
-          <a:off x="2847926" y="884118"/>
-          <a:ext cx="8128000" cy="514899"/>
-        </p:xfrm>
-        <a:graphic>
-          <a:graphicData uri="http://schemas.openxmlformats.org/drawingml/2006/table">
-            <a:tbl>
-              <a:tblPr firstRow="1" bandRow="1">
-                <a:tableStyleId>{5C22544A-7EE6-4342-B048-85BDC9FD1C3A}</a:tableStyleId>
-              </a:tblPr>
-              <a:tblGrid>
-                <a:gridCol w="2032000">
-                  <a:extLst>
-                    <a:ext uri="{9D8B030D-6E8A-4147-A177-3AD203B41FA5}">
-                      <a16:colId xmlns:a16="http://schemas.microsoft.com/office/drawing/2014/main" val="1270035451"/>
-                    </a:ext>
-                  </a:extLst>
-                </a:gridCol>
-                <a:gridCol w="2032000">
-                  <a:extLst>
-                    <a:ext uri="{9D8B030D-6E8A-4147-A177-3AD203B41FA5}">
-                      <a16:colId xmlns:a16="http://schemas.microsoft.com/office/drawing/2014/main" val="3792347954"/>
-                    </a:ext>
-                  </a:extLst>
-                </a:gridCol>
-                <a:gridCol w="2032000">
-                  <a:extLst>
-                    <a:ext uri="{9D8B030D-6E8A-4147-A177-3AD203B41FA5}">
-                      <a16:colId xmlns:a16="http://schemas.microsoft.com/office/drawing/2014/main" val="3420304813"/>
-                    </a:ext>
-                  </a:extLst>
-                </a:gridCol>
-                <a:gridCol w="2032000">
-                  <a:extLst>
-                    <a:ext uri="{9D8B030D-6E8A-4147-A177-3AD203B41FA5}">
-                      <a16:colId xmlns:a16="http://schemas.microsoft.com/office/drawing/2014/main" val="2030907391"/>
-                    </a:ext>
-                  </a:extLst>
-                </a:gridCol>
-              </a:tblGrid>
-              <a:tr h="514899">
-                <a:tc>
-                  <a:txBody>
-                    <a:bodyPr/>
-                    <a:lstStyle/>
-                    <a:p>
-                      <a:r>
-                        <a:rPr lang="en-IN" sz="2000" dirty="0" err="1"/>
-                        <a:t>Course_No</a:t>
-                      </a:r>
-                      <a:endParaRPr lang="en-IN" sz="2000" dirty="0"/>
-                    </a:p>
-                  </a:txBody>
-                  <a:tcPr/>
-                </a:tc>
-                <a:tc>
-                  <a:txBody>
-                    <a:bodyPr/>
-                    <a:lstStyle/>
-                    <a:p>
-                      <a:r>
-                        <a:rPr lang="en-IN" sz="2000" dirty="0" err="1"/>
-                        <a:t>Off_Dept</a:t>
-                      </a:r>
-                      <a:endParaRPr lang="en-IN" sz="2000" dirty="0"/>
-                    </a:p>
-                  </a:txBody>
-                  <a:tcPr/>
-                </a:tc>
-                <a:tc>
-                  <a:txBody>
-                    <a:bodyPr/>
-                    <a:lstStyle/>
-                    <a:p>
-                      <a:r>
-                        <a:rPr lang="en-IN" sz="2000" dirty="0" err="1"/>
-                        <a:t>Course_Hrs</a:t>
-                      </a:r>
-                      <a:endParaRPr lang="en-IN" sz="2000" dirty="0"/>
-                    </a:p>
-                  </a:txBody>
-                  <a:tcPr/>
-                </a:tc>
-                <a:tc>
-                  <a:txBody>
-                    <a:bodyPr/>
-                    <a:lstStyle/>
-                    <a:p>
-                      <a:r>
-                        <a:rPr lang="en-IN" sz="2000" dirty="0" err="1"/>
-                        <a:t>Course_Level</a:t>
-                      </a:r>
-                      <a:endParaRPr lang="en-IN" sz="2000" dirty="0"/>
-                    </a:p>
-                  </a:txBody>
-                  <a:tcPr/>
-                </a:tc>
-                <a:extLst>
-                  <a:ext uri="{0D108BD9-81ED-4DB2-BD59-A6C34878D82A}">
-                    <a16:rowId xmlns:a16="http://schemas.microsoft.com/office/drawing/2014/main" val="2263937596"/>
-                  </a:ext>
-                </a:extLst>
-              </a:tr>
-            </a:tbl>
-          </a:graphicData>
-        </a:graphic>
-      </p:graphicFrame>
-      <p:graphicFrame>
-        <p:nvGraphicFramePr>
-          <p:cNvPr id="5" name="Table 5">
-            <a:extLst>
-              <a:ext uri="{FF2B5EF4-FFF2-40B4-BE49-F238E27FC236}">
-                <a16:creationId xmlns:a16="http://schemas.microsoft.com/office/drawing/2014/main" id="{7B122A3C-8BA6-452E-A1DE-FAF4E873730E}"/>
-              </a:ext>
-            </a:extLst>
-          </p:cNvPr>
-          <p:cNvGraphicFramePr>
-            <a:graphicFrameLocks noGrp="1"/>
-          </p:cNvGraphicFramePr>
-          <p:nvPr>
-            <p:extLst>
-              <p:ext uri="{D42A27DB-BD31-4B8C-83A1-F6EECF244321}">
-                <p14:modId xmlns:p14="http://schemas.microsoft.com/office/powerpoint/2010/main" val="2162081612"/>
-              </p:ext>
-            </p:extLst>
-          </p:nvPr>
-        </p:nvGraphicFramePr>
-        <p:xfrm>
-          <a:off x="731519" y="2112366"/>
-          <a:ext cx="11000936" cy="504225"/>
-        </p:xfrm>
-        <a:graphic>
-          <a:graphicData uri="http://schemas.openxmlformats.org/drawingml/2006/table">
-            <a:tbl>
-              <a:tblPr firstRow="1" bandRow="1">
-                <a:tableStyleId>{5C22544A-7EE6-4342-B048-85BDC9FD1C3A}</a:tableStyleId>
-              </a:tblPr>
-              <a:tblGrid>
-                <a:gridCol w="1375117">
-                  <a:extLst>
-                    <a:ext uri="{9D8B030D-6E8A-4147-A177-3AD203B41FA5}">
-                      <a16:colId xmlns:a16="http://schemas.microsoft.com/office/drawing/2014/main" val="3392207112"/>
-                    </a:ext>
-                  </a:extLst>
-                </a:gridCol>
-                <a:gridCol w="1375117">
-                  <a:extLst>
-                    <a:ext uri="{9D8B030D-6E8A-4147-A177-3AD203B41FA5}">
-                      <a16:colId xmlns:a16="http://schemas.microsoft.com/office/drawing/2014/main" val="1563161939"/>
-                    </a:ext>
-                  </a:extLst>
-                </a:gridCol>
-                <a:gridCol w="1375117">
-                  <a:extLst>
-                    <a:ext uri="{9D8B030D-6E8A-4147-A177-3AD203B41FA5}">
-                      <a16:colId xmlns:a16="http://schemas.microsoft.com/office/drawing/2014/main" val="1115112799"/>
-                    </a:ext>
-                  </a:extLst>
-                </a:gridCol>
-                <a:gridCol w="1009358">
-                  <a:extLst>
-                    <a:ext uri="{9D8B030D-6E8A-4147-A177-3AD203B41FA5}">
-                      <a16:colId xmlns:a16="http://schemas.microsoft.com/office/drawing/2014/main" val="3581501078"/>
-                    </a:ext>
-                  </a:extLst>
-                </a:gridCol>
-                <a:gridCol w="1505243">
-                  <a:extLst>
-                    <a:ext uri="{9D8B030D-6E8A-4147-A177-3AD203B41FA5}">
-                      <a16:colId xmlns:a16="http://schemas.microsoft.com/office/drawing/2014/main" val="901679098"/>
-                    </a:ext>
-                  </a:extLst>
-                </a:gridCol>
-                <a:gridCol w="1406769">
-                  <a:extLst>
-                    <a:ext uri="{9D8B030D-6E8A-4147-A177-3AD203B41FA5}">
-                      <a16:colId xmlns:a16="http://schemas.microsoft.com/office/drawing/2014/main" val="3750978945"/>
-                    </a:ext>
-                  </a:extLst>
-                </a:gridCol>
-                <a:gridCol w="1392702">
-                  <a:extLst>
-                    <a:ext uri="{9D8B030D-6E8A-4147-A177-3AD203B41FA5}">
-                      <a16:colId xmlns:a16="http://schemas.microsoft.com/office/drawing/2014/main" val="2385694718"/>
-                    </a:ext>
-                  </a:extLst>
-                </a:gridCol>
-                <a:gridCol w="1561513">
-                  <a:extLst>
-                    <a:ext uri="{9D8B030D-6E8A-4147-A177-3AD203B41FA5}">
-                      <a16:colId xmlns:a16="http://schemas.microsoft.com/office/drawing/2014/main" val="3008681910"/>
-                    </a:ext>
-                  </a:extLst>
-                </a:gridCol>
-              </a:tblGrid>
-              <a:tr h="504225">
-                <a:tc>
-                  <a:txBody>
-                    <a:bodyPr/>
-                    <a:lstStyle/>
-                    <a:p>
-                      <a:r>
-                        <a:rPr lang="en-IN" sz="2000" dirty="0" err="1"/>
-                        <a:t>Course_No</a:t>
-                      </a:r>
-                      <a:endParaRPr lang="en-IN" sz="2000" dirty="0"/>
-                    </a:p>
-                  </a:txBody>
-                  <a:tcPr/>
-                </a:tc>
-                <a:tc>
-                  <a:txBody>
-                    <a:bodyPr/>
-                    <a:lstStyle/>
-                    <a:p>
-                      <a:r>
-                        <a:rPr lang="en-IN" sz="2000" dirty="0" err="1"/>
-                        <a:t>Sec_No</a:t>
-                      </a:r>
-                      <a:endParaRPr lang="en-IN" sz="2000" dirty="0"/>
-                    </a:p>
-                  </a:txBody>
-                  <a:tcPr/>
-                </a:tc>
-                <a:tc>
-                  <a:txBody>
-                    <a:bodyPr/>
-                    <a:lstStyle/>
-                    <a:p>
-                      <a:r>
-                        <a:rPr lang="en-IN" sz="2000" dirty="0"/>
-                        <a:t>Sem</a:t>
-                      </a:r>
-                    </a:p>
-                  </a:txBody>
-                  <a:tcPr/>
-                </a:tc>
-                <a:tc>
-                  <a:txBody>
-                    <a:bodyPr/>
-                    <a:lstStyle/>
-                    <a:p>
-                      <a:r>
-                        <a:rPr lang="en-IN" sz="2000" dirty="0"/>
-                        <a:t>Year</a:t>
-                      </a:r>
-                    </a:p>
-                  </a:txBody>
-                  <a:tcPr/>
-                </a:tc>
-                <a:tc>
-                  <a:txBody>
-                    <a:bodyPr/>
-                    <a:lstStyle/>
-                    <a:p>
-                      <a:r>
-                        <a:rPr lang="en-IN" sz="2000" dirty="0" err="1"/>
-                        <a:t>Days_Hrs</a:t>
-                      </a:r>
-                      <a:endParaRPr lang="en-IN" sz="2000" dirty="0"/>
-                    </a:p>
-                  </a:txBody>
-                  <a:tcPr/>
-                </a:tc>
-                <a:tc>
-                  <a:txBody>
-                    <a:bodyPr/>
-                    <a:lstStyle/>
-                    <a:p>
-                      <a:r>
-                        <a:rPr lang="en-IN" sz="2000" dirty="0" err="1"/>
-                        <a:t>Room_No</a:t>
-                      </a:r>
-                      <a:endParaRPr lang="en-IN" sz="2000" dirty="0"/>
-                    </a:p>
-                  </a:txBody>
-                  <a:tcPr/>
-                </a:tc>
-                <a:tc>
-                  <a:txBody>
-                    <a:bodyPr/>
-                    <a:lstStyle/>
-                    <a:p>
-                      <a:r>
-                        <a:rPr lang="en-IN" sz="2000" dirty="0" err="1"/>
-                        <a:t>Inst_SSN</a:t>
-                      </a:r>
-                      <a:endParaRPr lang="en-IN" sz="2000" dirty="0"/>
-                    </a:p>
-                  </a:txBody>
-                  <a:tcPr/>
-                </a:tc>
-                <a:tc>
-                  <a:txBody>
-                    <a:bodyPr/>
-                    <a:lstStyle/>
-                    <a:p>
-                      <a:r>
-                        <a:rPr lang="en-IN" sz="2000" dirty="0" err="1"/>
-                        <a:t>No_of_Stud</a:t>
-                      </a:r>
-                      <a:endParaRPr lang="en-IN" sz="2000" dirty="0"/>
-                    </a:p>
-                  </a:txBody>
-                  <a:tcPr/>
-                </a:tc>
-                <a:extLst>
-                  <a:ext uri="{0D108BD9-81ED-4DB2-BD59-A6C34878D82A}">
-                    <a16:rowId xmlns:a16="http://schemas.microsoft.com/office/drawing/2014/main" val="1951856139"/>
-                  </a:ext>
-                </a:extLst>
-              </a:tr>
-            </a:tbl>
-          </a:graphicData>
-        </a:graphic>
-      </p:graphicFrame>
-      <p:graphicFrame>
-        <p:nvGraphicFramePr>
-          <p:cNvPr id="2" name="Table 5">
-            <a:extLst>
-              <a:ext uri="{FF2B5EF4-FFF2-40B4-BE49-F238E27FC236}">
-                <a16:creationId xmlns:a16="http://schemas.microsoft.com/office/drawing/2014/main" id="{71BECA51-53E6-4040-B9E6-680BDBB11655}"/>
-              </a:ext>
-            </a:extLst>
-          </p:cNvPr>
-          <p:cNvGraphicFramePr>
-            <a:graphicFrameLocks noGrp="1"/>
-          </p:cNvGraphicFramePr>
-          <p:nvPr>
-            <p:extLst>
-              <p:ext uri="{D42A27DB-BD31-4B8C-83A1-F6EECF244321}">
-                <p14:modId xmlns:p14="http://schemas.microsoft.com/office/powerpoint/2010/main" val="1891821799"/>
-              </p:ext>
-            </p:extLst>
-          </p:nvPr>
-        </p:nvGraphicFramePr>
-        <p:xfrm>
-          <a:off x="2847926" y="4558189"/>
-          <a:ext cx="8128000" cy="504224"/>
-        </p:xfrm>
-        <a:graphic>
-          <a:graphicData uri="http://schemas.openxmlformats.org/drawingml/2006/table">
-            <a:tbl>
-              <a:tblPr firstRow="1" bandRow="1">
-                <a:tableStyleId>{5C22544A-7EE6-4342-B048-85BDC9FD1C3A}</a:tableStyleId>
-              </a:tblPr>
-              <a:tblGrid>
-                <a:gridCol w="1625600">
-                  <a:extLst>
-                    <a:ext uri="{9D8B030D-6E8A-4147-A177-3AD203B41FA5}">
-                      <a16:colId xmlns:a16="http://schemas.microsoft.com/office/drawing/2014/main" val="3499096403"/>
-                    </a:ext>
-                  </a:extLst>
-                </a:gridCol>
-                <a:gridCol w="1625600">
-                  <a:extLst>
-                    <a:ext uri="{9D8B030D-6E8A-4147-A177-3AD203B41FA5}">
-                      <a16:colId xmlns:a16="http://schemas.microsoft.com/office/drawing/2014/main" val="1505286136"/>
-                    </a:ext>
-                  </a:extLst>
-                </a:gridCol>
-                <a:gridCol w="1625600">
-                  <a:extLst>
-                    <a:ext uri="{9D8B030D-6E8A-4147-A177-3AD203B41FA5}">
-                      <a16:colId xmlns:a16="http://schemas.microsoft.com/office/drawing/2014/main" val="2818838175"/>
-                    </a:ext>
-                  </a:extLst>
-                </a:gridCol>
-                <a:gridCol w="1625600">
-                  <a:extLst>
-                    <a:ext uri="{9D8B030D-6E8A-4147-A177-3AD203B41FA5}">
-                      <a16:colId xmlns:a16="http://schemas.microsoft.com/office/drawing/2014/main" val="2491585101"/>
-                    </a:ext>
-                  </a:extLst>
-                </a:gridCol>
-                <a:gridCol w="1625600">
-                  <a:extLst>
-                    <a:ext uri="{9D8B030D-6E8A-4147-A177-3AD203B41FA5}">
-                      <a16:colId xmlns:a16="http://schemas.microsoft.com/office/drawing/2014/main" val="2543560190"/>
-                    </a:ext>
-                  </a:extLst>
-                </a:gridCol>
-              </a:tblGrid>
-              <a:tr h="504224">
-                <a:tc>
-                  <a:txBody>
-                    <a:bodyPr/>
-                    <a:lstStyle/>
-                    <a:p>
-                      <a:r>
-                        <a:rPr lang="en-IN" sz="2000" dirty="0" err="1"/>
-                        <a:t>Course_No</a:t>
-                      </a:r>
-                      <a:endParaRPr lang="en-IN" sz="2000" dirty="0"/>
-                    </a:p>
-                  </a:txBody>
-                  <a:tcPr/>
-                </a:tc>
-                <a:tc>
-                  <a:txBody>
-                    <a:bodyPr/>
-                    <a:lstStyle/>
-                    <a:p>
-                      <a:r>
-                        <a:rPr lang="en-IN" sz="2000" dirty="0" err="1"/>
-                        <a:t>Sec_No</a:t>
-                      </a:r>
-                      <a:endParaRPr lang="en-IN" sz="2000" dirty="0"/>
-                    </a:p>
-                  </a:txBody>
-                  <a:tcPr/>
-                </a:tc>
-                <a:tc>
-                  <a:txBody>
-                    <a:bodyPr/>
-                    <a:lstStyle/>
-                    <a:p>
-                      <a:r>
-                        <a:rPr lang="en-IN" sz="2000" dirty="0"/>
-                        <a:t>Sem</a:t>
-                      </a:r>
-                    </a:p>
-                  </a:txBody>
-                  <a:tcPr/>
-                </a:tc>
-                <a:tc>
-                  <a:txBody>
-                    <a:bodyPr/>
-                    <a:lstStyle/>
-                    <a:p>
-                      <a:r>
-                        <a:rPr lang="en-IN" sz="2000" dirty="0"/>
-                        <a:t>Year</a:t>
-                      </a:r>
-                    </a:p>
-                  </a:txBody>
-                  <a:tcPr/>
-                </a:tc>
-                <a:tc>
-                  <a:txBody>
-                    <a:bodyPr/>
-                    <a:lstStyle/>
-                    <a:p>
-                      <a:r>
-                        <a:rPr lang="en-IN" sz="2000" dirty="0" err="1"/>
-                        <a:t>No_of_Stud</a:t>
-                      </a:r>
-                      <a:endParaRPr lang="en-IN" sz="2000" dirty="0"/>
-                    </a:p>
-                  </a:txBody>
-                  <a:tcPr/>
-                </a:tc>
-                <a:extLst>
-                  <a:ext uri="{0D108BD9-81ED-4DB2-BD59-A6C34878D82A}">
-                    <a16:rowId xmlns:a16="http://schemas.microsoft.com/office/drawing/2014/main" val="2878621738"/>
-                  </a:ext>
-                </a:extLst>
-              </a:tr>
-            </a:tbl>
-          </a:graphicData>
-        </a:graphic>
-      </p:graphicFrame>
-      <p:graphicFrame>
-        <p:nvGraphicFramePr>
-          <p:cNvPr id="6" name="Table 6">
-            <a:extLst>
-              <a:ext uri="{FF2B5EF4-FFF2-40B4-BE49-F238E27FC236}">
-                <a16:creationId xmlns:a16="http://schemas.microsoft.com/office/drawing/2014/main" id="{69A70717-7259-48C9-97F1-57C83D69A33E}"/>
-              </a:ext>
-            </a:extLst>
-          </p:cNvPr>
-          <p:cNvGraphicFramePr>
-            <a:graphicFrameLocks noGrp="1"/>
-          </p:cNvGraphicFramePr>
-          <p:nvPr>
-            <p:extLst>
-              <p:ext uri="{D42A27DB-BD31-4B8C-83A1-F6EECF244321}">
-                <p14:modId xmlns:p14="http://schemas.microsoft.com/office/powerpoint/2010/main" val="427243676"/>
-              </p:ext>
-            </p:extLst>
-          </p:nvPr>
-        </p:nvGraphicFramePr>
-        <p:xfrm>
-          <a:off x="821396" y="5644793"/>
-          <a:ext cx="7175431" cy="504224"/>
-        </p:xfrm>
-        <a:graphic>
-          <a:graphicData uri="http://schemas.openxmlformats.org/drawingml/2006/table">
-            <a:tbl>
-              <a:tblPr firstRow="1" bandRow="1">
-                <a:tableStyleId>{5C22544A-7EE6-4342-B048-85BDC9FD1C3A}</a:tableStyleId>
-              </a:tblPr>
-              <a:tblGrid>
-                <a:gridCol w="1128555">
-                  <a:extLst>
-                    <a:ext uri="{9D8B030D-6E8A-4147-A177-3AD203B41FA5}">
-                      <a16:colId xmlns:a16="http://schemas.microsoft.com/office/drawing/2014/main" val="377105892"/>
-                    </a:ext>
-                  </a:extLst>
-                </a:gridCol>
-                <a:gridCol w="1511719">
-                  <a:extLst>
-                    <a:ext uri="{9D8B030D-6E8A-4147-A177-3AD203B41FA5}">
-                      <a16:colId xmlns:a16="http://schemas.microsoft.com/office/drawing/2014/main" val="1480217757"/>
-                    </a:ext>
-                  </a:extLst>
-                </a:gridCol>
-                <a:gridCol w="1511719">
-                  <a:extLst>
-                    <a:ext uri="{9D8B030D-6E8A-4147-A177-3AD203B41FA5}">
-                      <a16:colId xmlns:a16="http://schemas.microsoft.com/office/drawing/2014/main" val="695798675"/>
-                    </a:ext>
-                  </a:extLst>
-                </a:gridCol>
-                <a:gridCol w="1511719">
-                  <a:extLst>
-                    <a:ext uri="{9D8B030D-6E8A-4147-A177-3AD203B41FA5}">
-                      <a16:colId xmlns:a16="http://schemas.microsoft.com/office/drawing/2014/main" val="3046816502"/>
-                    </a:ext>
-                  </a:extLst>
-                </a:gridCol>
-                <a:gridCol w="1511719">
-                  <a:extLst>
-                    <a:ext uri="{9D8B030D-6E8A-4147-A177-3AD203B41FA5}">
-                      <a16:colId xmlns:a16="http://schemas.microsoft.com/office/drawing/2014/main" val="3618625184"/>
-                    </a:ext>
-                  </a:extLst>
-                </a:gridCol>
-              </a:tblGrid>
-              <a:tr h="504224">
-                <a:tc>
-                  <a:txBody>
-                    <a:bodyPr/>
-                    <a:lstStyle/>
-                    <a:p>
-                      <a:r>
-                        <a:rPr lang="en-IN" sz="2000" dirty="0"/>
-                        <a:t>Sem</a:t>
-                      </a:r>
-                    </a:p>
-                  </a:txBody>
-                  <a:tcPr/>
-                </a:tc>
-                <a:tc>
-                  <a:txBody>
-                    <a:bodyPr/>
-                    <a:lstStyle/>
-                    <a:p>
-                      <a:r>
-                        <a:rPr lang="en-IN" sz="2000" dirty="0"/>
-                        <a:t>Year</a:t>
-                      </a:r>
-                    </a:p>
-                  </a:txBody>
-                  <a:tcPr/>
-                </a:tc>
-                <a:tc>
-                  <a:txBody>
-                    <a:bodyPr/>
-                    <a:lstStyle/>
-                    <a:p>
-                      <a:r>
-                        <a:rPr lang="en-IN" sz="2000" dirty="0" err="1"/>
-                        <a:t>Room_No</a:t>
-                      </a:r>
-                      <a:endParaRPr lang="en-IN" sz="2000" dirty="0"/>
-                    </a:p>
-                  </a:txBody>
-                  <a:tcPr/>
-                </a:tc>
-                <a:tc>
-                  <a:txBody>
-                    <a:bodyPr/>
-                    <a:lstStyle/>
-                    <a:p>
-                      <a:r>
-                        <a:rPr lang="en-IN" sz="2000" dirty="0" err="1"/>
-                        <a:t>Days_Hrs</a:t>
-                      </a:r>
-                      <a:endParaRPr lang="en-IN" sz="2000" dirty="0"/>
-                    </a:p>
-                  </a:txBody>
-                  <a:tcPr/>
-                </a:tc>
-                <a:tc>
-                  <a:txBody>
-                    <a:bodyPr/>
-                    <a:lstStyle/>
-                    <a:p>
-                      <a:r>
-                        <a:rPr lang="en-IN" sz="2000" dirty="0" err="1"/>
-                        <a:t>Inst_SSN</a:t>
-                      </a:r>
-                      <a:endParaRPr lang="en-IN" sz="2000" dirty="0"/>
-                    </a:p>
-                  </a:txBody>
-                  <a:tcPr/>
-                </a:tc>
-                <a:extLst>
-                  <a:ext uri="{0D108BD9-81ED-4DB2-BD59-A6C34878D82A}">
-                    <a16:rowId xmlns:a16="http://schemas.microsoft.com/office/drawing/2014/main" val="3456835937"/>
-                  </a:ext>
-                </a:extLst>
-              </a:tr>
-            </a:tbl>
-          </a:graphicData>
-        </a:graphic>
-      </p:graphicFrame>
-      <p:graphicFrame>
-        <p:nvGraphicFramePr>
-          <p:cNvPr id="7" name="Table 7">
-            <a:extLst>
-              <a:ext uri="{FF2B5EF4-FFF2-40B4-BE49-F238E27FC236}">
-                <a16:creationId xmlns:a16="http://schemas.microsoft.com/office/drawing/2014/main" id="{E53BB933-F985-4C1B-ADCF-5096967AEF53}"/>
-              </a:ext>
-            </a:extLst>
-          </p:cNvPr>
-          <p:cNvGraphicFramePr>
-            <a:graphicFrameLocks noGrp="1"/>
-          </p:cNvGraphicFramePr>
-          <p:nvPr>
-            <p:extLst>
-              <p:ext uri="{D42A27DB-BD31-4B8C-83A1-F6EECF244321}">
-                <p14:modId xmlns:p14="http://schemas.microsoft.com/office/powerpoint/2010/main" val="452019068"/>
-              </p:ext>
-            </p:extLst>
-          </p:nvPr>
-        </p:nvGraphicFramePr>
-        <p:xfrm>
-          <a:off x="821396" y="6282733"/>
-          <a:ext cx="8128000" cy="396240"/>
-        </p:xfrm>
-        <a:graphic>
-          <a:graphicData uri="http://schemas.openxmlformats.org/drawingml/2006/table">
-            <a:tbl>
-              <a:tblPr firstRow="1" bandRow="1">
-                <a:tableStyleId>{5C22544A-7EE6-4342-B048-85BDC9FD1C3A}</a:tableStyleId>
-              </a:tblPr>
-              <a:tblGrid>
-                <a:gridCol w="2032000">
-                  <a:extLst>
-                    <a:ext uri="{9D8B030D-6E8A-4147-A177-3AD203B41FA5}">
-                      <a16:colId xmlns:a16="http://schemas.microsoft.com/office/drawing/2014/main" val="1810966426"/>
-                    </a:ext>
-                  </a:extLst>
-                </a:gridCol>
-                <a:gridCol w="2032000">
-                  <a:extLst>
-                    <a:ext uri="{9D8B030D-6E8A-4147-A177-3AD203B41FA5}">
-                      <a16:colId xmlns:a16="http://schemas.microsoft.com/office/drawing/2014/main" val="861205705"/>
-                    </a:ext>
-                  </a:extLst>
-                </a:gridCol>
-                <a:gridCol w="2032000">
-                  <a:extLst>
-                    <a:ext uri="{9D8B030D-6E8A-4147-A177-3AD203B41FA5}">
-                      <a16:colId xmlns:a16="http://schemas.microsoft.com/office/drawing/2014/main" val="3890334258"/>
-                    </a:ext>
-                  </a:extLst>
-                </a:gridCol>
-                <a:gridCol w="2032000">
-                  <a:extLst>
-                    <a:ext uri="{9D8B030D-6E8A-4147-A177-3AD203B41FA5}">
-                      <a16:colId xmlns:a16="http://schemas.microsoft.com/office/drawing/2014/main" val="4272961501"/>
-                    </a:ext>
-                  </a:extLst>
-                </a:gridCol>
-              </a:tblGrid>
-              <a:tr h="370840">
-                <a:tc>
-                  <a:txBody>
-                    <a:bodyPr/>
-                    <a:lstStyle/>
-                    <a:p>
-                      <a:pPr marL="0" marR="0" lvl="0" indent="0" algn="l" defTabSz="914400" rtl="0" eaLnBrk="1" fontAlgn="auto" latinLnBrk="0" hangingPunct="1">
-                        <a:lnSpc>
-                          <a:spcPct val="100000"/>
-                        </a:lnSpc>
-                        <a:spcBef>
-                          <a:spcPts val="0"/>
-                        </a:spcBef>
-                        <a:spcAft>
-                          <a:spcPts val="0"/>
-                        </a:spcAft>
-                        <a:buClrTx/>
-                        <a:buSzTx/>
-                        <a:buFontTx/>
-                        <a:buNone/>
-                        <a:tabLst/>
-                        <a:defRPr/>
-                      </a:pPr>
-                      <a:r>
-                        <a:rPr kumimoji="0" lang="en-IN" sz="2000" b="1" i="0" u="none" strike="noStrike" kern="1200" cap="none" spc="0" normalizeH="0" baseline="0" noProof="0" dirty="0" err="1">
-                          <a:ln>
-                            <a:noFill/>
-                          </a:ln>
-                          <a:solidFill>
-                            <a:prstClr val="white"/>
-                          </a:solidFill>
-                          <a:effectLst/>
-                          <a:uLnTx/>
-                          <a:uFillTx/>
-                          <a:latin typeface="+mn-lt"/>
-                          <a:ea typeface="+mn-ea"/>
-                          <a:cs typeface="+mn-cs"/>
-                        </a:rPr>
-                        <a:t>Course_No</a:t>
-                      </a:r>
-                      <a:endParaRPr kumimoji="0" lang="en-IN" sz="2000" b="1" i="0" u="none" strike="noStrike" kern="1200" cap="none" spc="0" normalizeH="0" baseline="0" noProof="0" dirty="0">
-                        <a:ln>
-                          <a:noFill/>
-                        </a:ln>
-                        <a:solidFill>
-                          <a:prstClr val="white"/>
-                        </a:solidFill>
-                        <a:effectLst/>
-                        <a:uLnTx/>
-                        <a:uFillTx/>
-                        <a:latin typeface="+mn-lt"/>
-                        <a:ea typeface="+mn-ea"/>
-                        <a:cs typeface="+mn-cs"/>
-                      </a:endParaRPr>
-                    </a:p>
-                  </a:txBody>
-                  <a:tcPr/>
-                </a:tc>
-                <a:tc>
-                  <a:txBody>
-                    <a:bodyPr/>
-                    <a:lstStyle/>
-                    <a:p>
-                      <a:pPr marL="0" marR="0" lvl="0" indent="0" algn="l" defTabSz="914400" rtl="0" eaLnBrk="1" fontAlgn="auto" latinLnBrk="0" hangingPunct="1">
-                        <a:lnSpc>
-                          <a:spcPct val="100000"/>
-                        </a:lnSpc>
-                        <a:spcBef>
-                          <a:spcPts val="0"/>
-                        </a:spcBef>
-                        <a:spcAft>
-                          <a:spcPts val="0"/>
-                        </a:spcAft>
-                        <a:buClrTx/>
-                        <a:buSzTx/>
-                        <a:buFontTx/>
-                        <a:buNone/>
-                        <a:tabLst/>
-                        <a:defRPr/>
-                      </a:pPr>
-                      <a:r>
-                        <a:rPr lang="en-IN" sz="1800" dirty="0" err="1"/>
-                        <a:t>Sec_No</a:t>
-                      </a:r>
-                      <a:endParaRPr lang="en-IN" sz="1800" dirty="0"/>
-                    </a:p>
-                  </a:txBody>
-                  <a:tcPr/>
-                </a:tc>
-                <a:tc>
-                  <a:txBody>
-                    <a:bodyPr/>
-                    <a:lstStyle/>
-                    <a:p>
-                      <a:pPr marL="0" marR="0" lvl="0" indent="0" algn="l" defTabSz="914400" rtl="0" eaLnBrk="1" fontAlgn="auto" latinLnBrk="0" hangingPunct="1">
-                        <a:lnSpc>
-                          <a:spcPct val="100000"/>
-                        </a:lnSpc>
-                        <a:spcBef>
-                          <a:spcPts val="0"/>
-                        </a:spcBef>
-                        <a:spcAft>
-                          <a:spcPts val="0"/>
-                        </a:spcAft>
-                        <a:buClrTx/>
-                        <a:buSzTx/>
-                        <a:buFontTx/>
-                        <a:buNone/>
-                        <a:tabLst/>
-                        <a:defRPr/>
-                      </a:pPr>
-                      <a:r>
-                        <a:rPr kumimoji="0" lang="en-IN" sz="2000" b="1" i="0" u="none" strike="noStrike" kern="1200" cap="none" spc="0" normalizeH="0" baseline="0" noProof="0" dirty="0" err="1">
-                          <a:ln>
-                            <a:noFill/>
-                          </a:ln>
-                          <a:solidFill>
-                            <a:prstClr val="white"/>
-                          </a:solidFill>
-                          <a:effectLst/>
-                          <a:uLnTx/>
-                          <a:uFillTx/>
-                          <a:latin typeface="+mn-lt"/>
-                          <a:ea typeface="+mn-ea"/>
-                          <a:cs typeface="+mn-cs"/>
-                        </a:rPr>
-                        <a:t>Room_No</a:t>
-                      </a:r>
-                      <a:endParaRPr kumimoji="0" lang="en-IN" sz="2000" b="1" i="0" u="none" strike="noStrike" kern="1200" cap="none" spc="0" normalizeH="0" baseline="0" noProof="0" dirty="0">
-                        <a:ln>
-                          <a:noFill/>
-                        </a:ln>
-                        <a:solidFill>
-                          <a:prstClr val="white"/>
-                        </a:solidFill>
-                        <a:effectLst/>
-                        <a:uLnTx/>
-                        <a:uFillTx/>
-                        <a:latin typeface="+mn-lt"/>
-                        <a:ea typeface="+mn-ea"/>
-                        <a:cs typeface="+mn-cs"/>
-                      </a:endParaRPr>
-                    </a:p>
-                  </a:txBody>
-                  <a:tcPr/>
-                </a:tc>
-                <a:tc>
-                  <a:txBody>
-                    <a:bodyPr/>
-                    <a:lstStyle/>
-                    <a:p>
-                      <a:pPr marL="0" marR="0" lvl="0" indent="0" algn="l" defTabSz="914400" rtl="0" eaLnBrk="1" fontAlgn="auto" latinLnBrk="0" hangingPunct="1">
-                        <a:lnSpc>
-                          <a:spcPct val="100000"/>
-                        </a:lnSpc>
-                        <a:spcBef>
-                          <a:spcPts val="0"/>
-                        </a:spcBef>
-                        <a:spcAft>
-                          <a:spcPts val="0"/>
-                        </a:spcAft>
-                        <a:buClrTx/>
-                        <a:buSzTx/>
-                        <a:buFontTx/>
-                        <a:buNone/>
-                        <a:tabLst/>
-                        <a:defRPr/>
-                      </a:pPr>
-                      <a:r>
-                        <a:rPr kumimoji="0" lang="en-IN" sz="2000" b="1" i="0" u="none" strike="noStrike" kern="1200" cap="none" spc="0" normalizeH="0" baseline="0" noProof="0" dirty="0" err="1">
-                          <a:ln>
-                            <a:noFill/>
-                          </a:ln>
-                          <a:solidFill>
-                            <a:prstClr val="white"/>
-                          </a:solidFill>
-                          <a:effectLst/>
-                          <a:uLnTx/>
-                          <a:uFillTx/>
-                          <a:latin typeface="+mn-lt"/>
-                          <a:ea typeface="+mn-ea"/>
-                          <a:cs typeface="+mn-cs"/>
-                        </a:rPr>
-                        <a:t>Days_Hrs</a:t>
-                      </a:r>
-                      <a:endParaRPr kumimoji="0" lang="en-IN" sz="2000" b="1" i="0" u="none" strike="noStrike" kern="1200" cap="none" spc="0" normalizeH="0" baseline="0" noProof="0" dirty="0">
-                        <a:ln>
-                          <a:noFill/>
-                        </a:ln>
-                        <a:solidFill>
-                          <a:prstClr val="white"/>
-                        </a:solidFill>
-                        <a:effectLst/>
-                        <a:uLnTx/>
-                        <a:uFillTx/>
-                        <a:latin typeface="+mn-lt"/>
-                        <a:ea typeface="+mn-ea"/>
-                        <a:cs typeface="+mn-cs"/>
-                      </a:endParaRPr>
-                    </a:p>
-                  </a:txBody>
-                  <a:tcPr/>
-                </a:tc>
-                <a:extLst>
-                  <a:ext uri="{0D108BD9-81ED-4DB2-BD59-A6C34878D82A}">
-                    <a16:rowId xmlns:a16="http://schemas.microsoft.com/office/drawing/2014/main" val="2836204173"/>
-                  </a:ext>
-                </a:extLst>
-              </a:tr>
-            </a:tbl>
-          </a:graphicData>
-        </a:graphic>
-      </p:graphicFrame>
+              <a:t>, </a:t>
+            </a:r>
+            <a:r>
+              <a:rPr lang="en-US" sz="2400" dirty="0" err="1">
+                <a:latin typeface="Times New Roman" panose="02020603050405020304" pitchFamily="18" charset="0"/>
+                <a:cs typeface="Times New Roman" panose="02020603050405020304" pitchFamily="18" charset="0"/>
+              </a:rPr>
+              <a:t>CourseID</a:t>
+            </a:r>
+            <a:r>
+              <a:rPr lang="en-US" sz="2400" dirty="0">
+                <a:latin typeface="Times New Roman" panose="02020603050405020304" pitchFamily="18" charset="0"/>
+                <a:cs typeface="Times New Roman" panose="02020603050405020304" pitchFamily="18" charset="0"/>
+              </a:rPr>
+              <a:t>)</a:t>
+            </a:r>
+          </a:p>
+          <a:p>
+            <a:pPr marL="0" indent="0">
+              <a:buNone/>
+            </a:pPr>
+            <a:endParaRPr lang="en-IN" sz="2400" dirty="0" smtClean="0"/>
+          </a:p>
+        </p:txBody>
+      </p:sp>
     </p:spTree>
     <p:extLst>
       <p:ext uri="{BB962C8B-B14F-4D97-AF65-F5344CB8AC3E}">
-        <p14:creationId xmlns:p14="http://schemas.microsoft.com/office/powerpoint/2010/main" val="2090777696"/>
+        <p14:creationId xmlns:p14="http://schemas.microsoft.com/office/powerpoint/2010/main" val="3279658794"/>
       </p:ext>
     </p:extLst>
   </p:cSld>
@@ -5004,13 +4462,7 @@
       </p:grpSpPr>
       <p:sp>
         <p:nvSpPr>
-          <p:cNvPr id="2" name="Title 1">
-            <a:extLst>
-              <a:ext uri="{FF2B5EF4-FFF2-40B4-BE49-F238E27FC236}">
-                <a16:creationId xmlns:a16="http://schemas.microsoft.com/office/drawing/2014/main" id="{AD994C32-B2B9-49C1-8A8A-117B2B8B6ABC}"/>
-              </a:ext>
-            </a:extLst>
-          </p:cNvPr>
+          <p:cNvPr id="2" name="Title 1"/>
           <p:cNvSpPr>
             <a:spLocks noGrp="1"/>
           </p:cNvSpPr>
@@ -5018,412 +4470,1055 @@
             <p:ph type="title"/>
           </p:nvPr>
         </p:nvSpPr>
-        <p:spPr/>
+        <p:spPr>
+          <a:xfrm>
+            <a:off x="823210" y="1"/>
+            <a:ext cx="10515600" cy="959370"/>
+          </a:xfrm>
+        </p:spPr>
         <p:txBody>
           <a:bodyPr/>
           <a:lstStyle/>
           <a:p>
             <a:r>
-              <a:rPr lang="en-IN" dirty="0"/>
-              <a:t>VIEW</a:t>
-            </a:r>
-          </a:p>
-        </p:txBody>
-      </p:sp>
-      <p:sp>
-        <p:nvSpPr>
-          <p:cNvPr id="3" name="Content Placeholder 2">
-            <a:extLst>
-              <a:ext uri="{FF2B5EF4-FFF2-40B4-BE49-F238E27FC236}">
-                <a16:creationId xmlns:a16="http://schemas.microsoft.com/office/drawing/2014/main" id="{7ECD6226-DFC4-4CE4-8B65-8C3266D72E39}"/>
-              </a:ext>
-            </a:extLst>
-          </p:cNvPr>
-          <p:cNvSpPr>
-            <a:spLocks noGrp="1"/>
+              <a:rPr lang="en-US" dirty="0" smtClean="0"/>
+              <a:t>3NF</a:t>
+            </a:r>
+            <a:endParaRPr lang="en-IN" dirty="0"/>
+          </a:p>
+        </p:txBody>
+      </p:sp>
+      <p:sp>
+        <p:nvSpPr>
+          <p:cNvPr id="4" name="Rectangle 1"/>
+          <p:cNvSpPr>
+            <a:spLocks noGrp="1" noChangeArrowheads="1"/>
           </p:cNvSpPr>
           <p:nvPr>
             <p:ph idx="1"/>
           </p:nvPr>
         </p:nvSpPr>
-        <p:spPr/>
-        <p:txBody>
-          <a:bodyPr/>
-          <a:lstStyle/>
-          <a:p>
-            <a:r>
-              <a:rPr lang="en-IN" dirty="0"/>
-              <a:t>To reduce redundant data to the minimum possible, to prevent all users from accessing all columns of a table and for data security reason, Oracle allows the creation of an object called a View</a:t>
-            </a:r>
-          </a:p>
-          <a:p>
-            <a:r>
-              <a:rPr lang="en-IN" dirty="0"/>
-              <a:t>A view is mapped to a select sentence.</a:t>
-            </a:r>
-          </a:p>
-          <a:p>
-            <a:r>
-              <a:rPr lang="en-IN" dirty="0"/>
-              <a:t>A table on which view is based is described in the from clause of the SELECT statement</a:t>
-            </a:r>
-          </a:p>
-          <a:p>
-            <a:r>
-              <a:rPr lang="en-IN" dirty="0"/>
-              <a:t>It is stored only as a definition in Oracle’s system catalog</a:t>
-            </a:r>
-          </a:p>
-          <a:p>
-            <a:r>
-              <a:rPr lang="en-IN" dirty="0"/>
-              <a:t>When a reference is made to a view, its definition is scanned, the base table is opened and a view is created on the top of the base table.</a:t>
-            </a:r>
+        <p:spPr bwMode="auto">
+          <a:xfrm>
+            <a:off x="479686" y="795463"/>
+            <a:ext cx="11557416" cy="6001643"/>
+          </a:xfrm>
+          <a:prstGeom prst="rect">
+            <a:avLst/>
+          </a:prstGeom>
+          <a:noFill/>
+          <a:ln>
+            <a:noFill/>
+          </a:ln>
+          <a:effectLst/>
+          <a:extLst>
+            <a:ext uri="{909E8E84-426E-40DD-AFC4-6F175D3DCCD1}">
+              <a14:hiddenFill xmlns:a14="http://schemas.microsoft.com/office/drawing/2010/main">
+                <a:solidFill>
+                  <a:schemeClr val="accent1"/>
+                </a:solidFill>
+              </a14:hiddenFill>
+            </a:ext>
+            <a:ext uri="{91240B29-F687-4F45-9708-019B960494DF}">
+              <a14:hiddenLine xmlns:a14="http://schemas.microsoft.com/office/drawing/2010/main" w="9525">
+                <a:solidFill>
+                  <a:schemeClr val="tx1"/>
+                </a:solidFill>
+                <a:miter lim="800000"/>
+                <a:headEnd/>
+                <a:tailEnd/>
+              </a14:hiddenLine>
+            </a:ext>
+            <a:ext uri="{AF507438-7753-43E0-B8FC-AC1667EBCBE1}">
+              <a14:hiddenEffects xmlns:a14="http://schemas.microsoft.com/office/drawing/2010/main">
+                <a:effectLst>
+                  <a:outerShdw dist="35921" dir="2700000" algn="ctr" rotWithShape="0">
+                    <a:schemeClr val="bg2"/>
+                  </a:outerShdw>
+                </a:effectLst>
+              </a14:hiddenEffects>
+            </a:ext>
+          </a:extLst>
+        </p:spPr>
+        <p:txBody>
+          <a:bodyPr vert="horz" wrap="square" lIns="91440" tIns="45720" rIns="91440" bIns="45720" numCol="1" anchor="ctr" anchorCtr="0" compatLnSpc="1">
+            <a:prstTxWarp prst="textNoShape">
+              <a:avLst/>
+            </a:prstTxWarp>
+            <a:spAutoFit/>
+          </a:bodyPr>
+          <a:lstStyle/>
+          <a:p>
+            <a:pPr marL="0" marR="0" lvl="0" indent="0" algn="l" defTabSz="914400" rtl="0" eaLnBrk="0" fontAlgn="base" latinLnBrk="0" hangingPunct="0">
+              <a:lnSpc>
+                <a:spcPct val="100000"/>
+              </a:lnSpc>
+              <a:spcBef>
+                <a:spcPct val="0"/>
+              </a:spcBef>
+              <a:spcAft>
+                <a:spcPct val="0"/>
+              </a:spcAft>
+              <a:buClrTx/>
+              <a:buSzTx/>
+              <a:buFontTx/>
+              <a:buNone/>
+              <a:tabLst/>
+            </a:pPr>
+            <a:r>
+              <a:rPr kumimoji="0" lang="en-US" sz="2400" b="0" i="0" u="none" strike="noStrike" cap="none" normalizeH="0" baseline="0" dirty="0" smtClean="0">
+                <a:ln>
+                  <a:noFill/>
+                </a:ln>
+                <a:solidFill>
+                  <a:schemeClr val="tx1"/>
+                </a:solidFill>
+                <a:effectLst/>
+                <a:latin typeface="Times New Roman" panose="02020603050405020304" pitchFamily="18" charset="0"/>
+                <a:cs typeface="Times New Roman" panose="02020603050405020304" pitchFamily="18" charset="0"/>
+              </a:rPr>
+              <a:t>Check transitive dependencies:</a:t>
+            </a:r>
+          </a:p>
+          <a:p>
+            <a:pPr marL="0" marR="0" lvl="0" indent="0" algn="l" defTabSz="914400" rtl="0" eaLnBrk="0" fontAlgn="base" latinLnBrk="0" hangingPunct="0">
+              <a:lnSpc>
+                <a:spcPct val="100000"/>
+              </a:lnSpc>
+              <a:spcBef>
+                <a:spcPct val="0"/>
+              </a:spcBef>
+              <a:spcAft>
+                <a:spcPct val="0"/>
+              </a:spcAft>
+              <a:buClrTx/>
+              <a:buSzTx/>
+              <a:buFontTx/>
+              <a:buChar char="•"/>
+              <a:tabLst/>
+            </a:pPr>
+            <a:r>
+              <a:rPr kumimoji="0" lang="en-US" sz="2400" b="0" i="0" u="none" strike="noStrike" cap="none" normalizeH="0" baseline="0" dirty="0" smtClean="0">
+                <a:ln>
+                  <a:noFill/>
+                </a:ln>
+                <a:solidFill>
+                  <a:schemeClr val="tx1"/>
+                </a:solidFill>
+                <a:effectLst/>
+                <a:latin typeface="Times New Roman" panose="02020603050405020304" pitchFamily="18" charset="0"/>
+                <a:cs typeface="Times New Roman" panose="02020603050405020304" pitchFamily="18" charset="0"/>
+              </a:rPr>
+              <a:t>In R2: </a:t>
+            </a:r>
+            <a:r>
+              <a:rPr kumimoji="0" lang="en-US" sz="2400" b="0" i="0" u="none" strike="noStrike" cap="none" normalizeH="0" baseline="0" dirty="0" err="1" smtClean="0">
+                <a:ln>
+                  <a:noFill/>
+                </a:ln>
+                <a:solidFill>
+                  <a:schemeClr val="tx1"/>
+                </a:solidFill>
+                <a:effectLst/>
+                <a:latin typeface="Times New Roman" panose="02020603050405020304" pitchFamily="18" charset="0"/>
+                <a:cs typeface="Times New Roman" panose="02020603050405020304" pitchFamily="18" charset="0"/>
+              </a:rPr>
+              <a:t>CourseID</a:t>
+            </a:r>
+            <a:r>
+              <a:rPr kumimoji="0" lang="en-US" sz="2400" b="0" i="0" u="none" strike="noStrike" cap="none" normalizeH="0" baseline="0" dirty="0" smtClean="0">
+                <a:ln>
+                  <a:noFill/>
+                </a:ln>
+                <a:solidFill>
+                  <a:schemeClr val="tx1"/>
+                </a:solidFill>
+                <a:effectLst/>
+                <a:latin typeface="Times New Roman" panose="02020603050405020304" pitchFamily="18" charset="0"/>
+                <a:cs typeface="Times New Roman" panose="02020603050405020304" pitchFamily="18" charset="0"/>
+              </a:rPr>
+              <a:t> → Instructor and Instructor → </a:t>
+            </a:r>
+            <a:r>
+              <a:rPr kumimoji="0" lang="en-US" sz="2400" b="0" i="0" u="none" strike="noStrike" cap="none" normalizeH="0" baseline="0" dirty="0" err="1" smtClean="0">
+                <a:ln>
+                  <a:noFill/>
+                </a:ln>
+                <a:solidFill>
+                  <a:schemeClr val="tx1"/>
+                </a:solidFill>
+                <a:effectLst/>
+                <a:latin typeface="Times New Roman" panose="02020603050405020304" pitchFamily="18" charset="0"/>
+                <a:cs typeface="Times New Roman" panose="02020603050405020304" pitchFamily="18" charset="0"/>
+              </a:rPr>
+              <a:t>RoomNo</a:t>
+            </a:r>
+            <a:r>
+              <a:rPr kumimoji="0" lang="en-US" sz="2400" b="0" i="0" u="none" strike="noStrike" cap="none" normalizeH="0" baseline="0" dirty="0" smtClean="0">
+                <a:ln>
+                  <a:noFill/>
+                </a:ln>
+                <a:solidFill>
+                  <a:schemeClr val="tx1"/>
+                </a:solidFill>
+                <a:effectLst/>
+                <a:latin typeface="Times New Roman" panose="02020603050405020304" pitchFamily="18" charset="0"/>
+                <a:cs typeface="Times New Roman" panose="02020603050405020304" pitchFamily="18" charset="0"/>
+              </a:rPr>
+              <a:t/>
+            </a:r>
+            <a:br>
+              <a:rPr kumimoji="0" lang="en-US" sz="2400" b="0" i="0" u="none" strike="noStrike" cap="none" normalizeH="0" baseline="0" dirty="0" smtClean="0">
+                <a:ln>
+                  <a:noFill/>
+                </a:ln>
+                <a:solidFill>
+                  <a:schemeClr val="tx1"/>
+                </a:solidFill>
+                <a:effectLst/>
+                <a:latin typeface="Times New Roman" panose="02020603050405020304" pitchFamily="18" charset="0"/>
+                <a:cs typeface="Times New Roman" panose="02020603050405020304" pitchFamily="18" charset="0"/>
+              </a:rPr>
+            </a:br>
+            <a:r>
+              <a:rPr kumimoji="0" lang="en-US" sz="2400" b="0" i="0" u="none" strike="noStrike" cap="none" normalizeH="0" baseline="0" dirty="0" smtClean="0">
+                <a:ln>
+                  <a:noFill/>
+                </a:ln>
+                <a:solidFill>
+                  <a:schemeClr val="tx1"/>
+                </a:solidFill>
+                <a:effectLst/>
+                <a:latin typeface="Times New Roman" panose="02020603050405020304" pitchFamily="18" charset="0"/>
+                <a:cs typeface="Times New Roman" panose="02020603050405020304" pitchFamily="18" charset="0"/>
+              </a:rPr>
+              <a:t>→ </a:t>
+            </a:r>
+            <a:r>
+              <a:rPr kumimoji="0" lang="en-US" sz="2400" b="0" i="0" u="none" strike="noStrike" cap="none" normalizeH="0" baseline="0" dirty="0" err="1" smtClean="0">
+                <a:ln>
+                  <a:noFill/>
+                </a:ln>
+                <a:solidFill>
+                  <a:schemeClr val="tx1"/>
+                </a:solidFill>
+                <a:effectLst/>
+                <a:latin typeface="Times New Roman" panose="02020603050405020304" pitchFamily="18" charset="0"/>
+                <a:cs typeface="Times New Roman" panose="02020603050405020304" pitchFamily="18" charset="0"/>
+              </a:rPr>
+              <a:t>CourseID</a:t>
+            </a:r>
+            <a:r>
+              <a:rPr kumimoji="0" lang="en-US" sz="2400" b="0" i="0" u="none" strike="noStrike" cap="none" normalizeH="0" baseline="0" dirty="0" smtClean="0">
+                <a:ln>
+                  <a:noFill/>
+                </a:ln>
+                <a:solidFill>
+                  <a:schemeClr val="tx1"/>
+                </a:solidFill>
+                <a:effectLst/>
+                <a:latin typeface="Times New Roman" panose="02020603050405020304" pitchFamily="18" charset="0"/>
+                <a:cs typeface="Times New Roman" panose="02020603050405020304" pitchFamily="18" charset="0"/>
+              </a:rPr>
+              <a:t> → </a:t>
+            </a:r>
+            <a:r>
+              <a:rPr kumimoji="0" lang="en-US" sz="2400" b="0" i="0" u="none" strike="noStrike" cap="none" normalizeH="0" baseline="0" dirty="0" err="1" smtClean="0">
+                <a:ln>
+                  <a:noFill/>
+                </a:ln>
+                <a:solidFill>
+                  <a:schemeClr val="tx1"/>
+                </a:solidFill>
+                <a:effectLst/>
+                <a:latin typeface="Times New Roman" panose="02020603050405020304" pitchFamily="18" charset="0"/>
+                <a:cs typeface="Times New Roman" panose="02020603050405020304" pitchFamily="18" charset="0"/>
+              </a:rPr>
+              <a:t>RoomNo</a:t>
+            </a:r>
+            <a:r>
+              <a:rPr kumimoji="0" lang="en-US" sz="2400" b="0" i="0" u="none" strike="noStrike" cap="none" normalizeH="0" baseline="0" dirty="0" smtClean="0">
+                <a:ln>
+                  <a:noFill/>
+                </a:ln>
+                <a:solidFill>
+                  <a:schemeClr val="tx1"/>
+                </a:solidFill>
+                <a:effectLst/>
+                <a:latin typeface="Times New Roman" panose="02020603050405020304" pitchFamily="18" charset="0"/>
+                <a:cs typeface="Times New Roman" panose="02020603050405020304" pitchFamily="18" charset="0"/>
+              </a:rPr>
+              <a:t> (transitive dependency). ❌</a:t>
+            </a:r>
+          </a:p>
+          <a:p>
+            <a:pPr marL="0" marR="0" lvl="0" indent="0" algn="l" defTabSz="914400" rtl="0" eaLnBrk="0" fontAlgn="base" latinLnBrk="0" hangingPunct="0">
+              <a:lnSpc>
+                <a:spcPct val="100000"/>
+              </a:lnSpc>
+              <a:spcBef>
+                <a:spcPct val="0"/>
+              </a:spcBef>
+              <a:spcAft>
+                <a:spcPct val="0"/>
+              </a:spcAft>
+              <a:buClrTx/>
+              <a:buSzTx/>
+              <a:buFontTx/>
+              <a:buNone/>
+              <a:tabLst/>
+            </a:pPr>
+            <a:endParaRPr kumimoji="0" lang="en-US" sz="2400" b="0" i="0" u="none" strike="noStrike" cap="none" normalizeH="0" baseline="0" dirty="0" smtClean="0">
+              <a:ln>
+                <a:noFill/>
+              </a:ln>
+              <a:solidFill>
+                <a:schemeClr val="tx1"/>
+              </a:solidFill>
+              <a:effectLst/>
+              <a:latin typeface="Times New Roman" panose="02020603050405020304" pitchFamily="18" charset="0"/>
+              <a:cs typeface="Times New Roman" panose="02020603050405020304" pitchFamily="18" charset="0"/>
+            </a:endParaRPr>
+          </a:p>
+          <a:p>
+            <a:pPr marL="0" marR="0" lvl="0" indent="0" algn="l" defTabSz="914400" rtl="0" eaLnBrk="0" fontAlgn="base" latinLnBrk="0" hangingPunct="0">
+              <a:lnSpc>
+                <a:spcPct val="100000"/>
+              </a:lnSpc>
+              <a:spcBef>
+                <a:spcPct val="0"/>
+              </a:spcBef>
+              <a:spcAft>
+                <a:spcPct val="0"/>
+              </a:spcAft>
+              <a:buClrTx/>
+              <a:buSzTx/>
+              <a:buFontTx/>
+              <a:buNone/>
+              <a:tabLst/>
+            </a:pPr>
+            <a:r>
+              <a:rPr kumimoji="0" lang="en-US" sz="2400" b="0" i="0" u="none" strike="noStrike" cap="none" normalizeH="0" baseline="0" dirty="0" smtClean="0">
+                <a:ln>
+                  <a:noFill/>
+                </a:ln>
+                <a:solidFill>
+                  <a:schemeClr val="tx1"/>
+                </a:solidFill>
+                <a:effectLst/>
+                <a:latin typeface="Times New Roman" panose="02020603050405020304" pitchFamily="18" charset="0"/>
+                <a:cs typeface="Times New Roman" panose="02020603050405020304" pitchFamily="18" charset="0"/>
+              </a:rPr>
+              <a:t>Decompose R2:</a:t>
+            </a:r>
+          </a:p>
+          <a:p>
+            <a:pPr marL="0" marR="0" lvl="0" indent="0" algn="l" defTabSz="914400" rtl="0" eaLnBrk="0" fontAlgn="base" latinLnBrk="0" hangingPunct="0">
+              <a:lnSpc>
+                <a:spcPct val="100000"/>
+              </a:lnSpc>
+              <a:spcBef>
+                <a:spcPct val="0"/>
+              </a:spcBef>
+              <a:spcAft>
+                <a:spcPct val="0"/>
+              </a:spcAft>
+              <a:buClrTx/>
+              <a:buSzTx/>
+              <a:buFontTx/>
+              <a:buChar char="•"/>
+              <a:tabLst/>
+            </a:pPr>
+            <a:r>
+              <a:rPr kumimoji="0" lang="en-US" sz="2400" b="1" i="0" u="none" strike="noStrike" cap="none" normalizeH="0" baseline="0" dirty="0" smtClean="0">
+                <a:ln>
+                  <a:noFill/>
+                </a:ln>
+                <a:solidFill>
+                  <a:schemeClr val="tx1"/>
+                </a:solidFill>
+                <a:effectLst/>
+                <a:latin typeface="Times New Roman" panose="02020603050405020304" pitchFamily="18" charset="0"/>
+                <a:cs typeface="Times New Roman" panose="02020603050405020304" pitchFamily="18" charset="0"/>
+              </a:rPr>
+              <a:t>R2a(</a:t>
+            </a:r>
+            <a:r>
+              <a:rPr kumimoji="0" lang="en-US" sz="2400" b="1" i="0" u="none" strike="noStrike" cap="none" normalizeH="0" baseline="0" dirty="0" err="1" smtClean="0">
+                <a:ln>
+                  <a:noFill/>
+                </a:ln>
+                <a:solidFill>
+                  <a:schemeClr val="tx1"/>
+                </a:solidFill>
+                <a:effectLst/>
+                <a:latin typeface="Times New Roman" panose="02020603050405020304" pitchFamily="18" charset="0"/>
+                <a:cs typeface="Times New Roman" panose="02020603050405020304" pitchFamily="18" charset="0"/>
+              </a:rPr>
+              <a:t>CourseID</a:t>
+            </a:r>
+            <a:r>
+              <a:rPr kumimoji="0" lang="en-US" sz="2400" b="1" i="0" u="none" strike="noStrike" cap="none" normalizeH="0" baseline="0" dirty="0" smtClean="0">
+                <a:ln>
+                  <a:noFill/>
+                </a:ln>
+                <a:solidFill>
+                  <a:schemeClr val="tx1"/>
+                </a:solidFill>
+                <a:effectLst/>
+                <a:latin typeface="Times New Roman" panose="02020603050405020304" pitchFamily="18" charset="0"/>
+                <a:cs typeface="Times New Roman" panose="02020603050405020304" pitchFamily="18" charset="0"/>
+              </a:rPr>
+              <a:t>, </a:t>
+            </a:r>
+            <a:r>
+              <a:rPr kumimoji="0" lang="en-US" sz="2400" b="1" i="0" u="none" strike="noStrike" cap="none" normalizeH="0" baseline="0" dirty="0" err="1" smtClean="0">
+                <a:ln>
+                  <a:noFill/>
+                </a:ln>
+                <a:solidFill>
+                  <a:schemeClr val="tx1"/>
+                </a:solidFill>
+                <a:effectLst/>
+                <a:latin typeface="Times New Roman" panose="02020603050405020304" pitchFamily="18" charset="0"/>
+                <a:cs typeface="Times New Roman" panose="02020603050405020304" pitchFamily="18" charset="0"/>
+              </a:rPr>
+              <a:t>CourseName</a:t>
+            </a:r>
+            <a:r>
+              <a:rPr kumimoji="0" lang="en-US" sz="2400" b="1" i="0" u="none" strike="noStrike" cap="none" normalizeH="0" baseline="0" dirty="0" smtClean="0">
+                <a:ln>
+                  <a:noFill/>
+                </a:ln>
+                <a:solidFill>
+                  <a:schemeClr val="tx1"/>
+                </a:solidFill>
+                <a:effectLst/>
+                <a:latin typeface="Times New Roman" panose="02020603050405020304" pitchFamily="18" charset="0"/>
+                <a:cs typeface="Times New Roman" panose="02020603050405020304" pitchFamily="18" charset="0"/>
+              </a:rPr>
+              <a:t>, Instructor)</a:t>
+            </a:r>
+            <a:endParaRPr kumimoji="0" lang="en-US" sz="2400" b="0" i="0" u="none" strike="noStrike" cap="none" normalizeH="0" baseline="0" dirty="0" smtClean="0">
+              <a:ln>
+                <a:noFill/>
+              </a:ln>
+              <a:solidFill>
+                <a:schemeClr val="tx1"/>
+              </a:solidFill>
+              <a:effectLst/>
+              <a:latin typeface="Times New Roman" panose="02020603050405020304" pitchFamily="18" charset="0"/>
+              <a:cs typeface="Times New Roman" panose="02020603050405020304" pitchFamily="18" charset="0"/>
+            </a:endParaRPr>
+          </a:p>
+          <a:p>
+            <a:pPr marL="0" marR="0" lvl="0" indent="0" algn="l" defTabSz="914400" rtl="0" eaLnBrk="0" fontAlgn="base" latinLnBrk="0" hangingPunct="0">
+              <a:lnSpc>
+                <a:spcPct val="100000"/>
+              </a:lnSpc>
+              <a:spcBef>
+                <a:spcPct val="0"/>
+              </a:spcBef>
+              <a:spcAft>
+                <a:spcPct val="0"/>
+              </a:spcAft>
+              <a:buClrTx/>
+              <a:buSzTx/>
+              <a:buFontTx/>
+              <a:buChar char="•"/>
+              <a:tabLst/>
+            </a:pPr>
+            <a:r>
+              <a:rPr kumimoji="0" lang="en-US" sz="2400" b="1" i="0" u="none" strike="noStrike" cap="none" normalizeH="0" baseline="0" dirty="0" smtClean="0">
+                <a:ln>
+                  <a:noFill/>
+                </a:ln>
+                <a:solidFill>
+                  <a:schemeClr val="tx1"/>
+                </a:solidFill>
+                <a:effectLst/>
+                <a:latin typeface="Times New Roman" panose="02020603050405020304" pitchFamily="18" charset="0"/>
+                <a:cs typeface="Times New Roman" panose="02020603050405020304" pitchFamily="18" charset="0"/>
+              </a:rPr>
+              <a:t>R2b(Instructor, </a:t>
+            </a:r>
+            <a:r>
+              <a:rPr kumimoji="0" lang="en-US" sz="2400" b="1" i="0" u="none" strike="noStrike" cap="none" normalizeH="0" baseline="0" dirty="0" err="1" smtClean="0">
+                <a:ln>
+                  <a:noFill/>
+                </a:ln>
+                <a:solidFill>
+                  <a:schemeClr val="tx1"/>
+                </a:solidFill>
+                <a:effectLst/>
+                <a:latin typeface="Times New Roman" panose="02020603050405020304" pitchFamily="18" charset="0"/>
+                <a:cs typeface="Times New Roman" panose="02020603050405020304" pitchFamily="18" charset="0"/>
+              </a:rPr>
+              <a:t>RoomNo</a:t>
+            </a:r>
+            <a:r>
+              <a:rPr kumimoji="0" lang="en-US" sz="2400" b="1" i="0" u="none" strike="noStrike" cap="none" normalizeH="0" baseline="0" dirty="0" smtClean="0">
+                <a:ln>
+                  <a:noFill/>
+                </a:ln>
+                <a:solidFill>
+                  <a:schemeClr val="tx1"/>
+                </a:solidFill>
+                <a:effectLst/>
+                <a:latin typeface="Times New Roman" panose="02020603050405020304" pitchFamily="18" charset="0"/>
+                <a:cs typeface="Times New Roman" panose="02020603050405020304" pitchFamily="18" charset="0"/>
+              </a:rPr>
+              <a:t>)</a:t>
+            </a:r>
+            <a:endParaRPr kumimoji="0" lang="en-US" sz="2400" b="0" i="0" u="none" strike="noStrike" cap="none" normalizeH="0" baseline="0" dirty="0" smtClean="0">
+              <a:ln>
+                <a:noFill/>
+              </a:ln>
+              <a:solidFill>
+                <a:schemeClr val="tx1"/>
+              </a:solidFill>
+              <a:effectLst/>
+              <a:latin typeface="Times New Roman" panose="02020603050405020304" pitchFamily="18" charset="0"/>
+              <a:cs typeface="Times New Roman" panose="02020603050405020304" pitchFamily="18" charset="0"/>
+            </a:endParaRPr>
+          </a:p>
+          <a:p>
+            <a:pPr marL="0" marR="0" lvl="0" indent="0" algn="l" defTabSz="914400" rtl="0" eaLnBrk="0" fontAlgn="base" latinLnBrk="0" hangingPunct="0">
+              <a:lnSpc>
+                <a:spcPct val="100000"/>
+              </a:lnSpc>
+              <a:spcBef>
+                <a:spcPct val="0"/>
+              </a:spcBef>
+              <a:spcAft>
+                <a:spcPct val="0"/>
+              </a:spcAft>
+              <a:buClrTx/>
+              <a:buSzTx/>
+              <a:buFontTx/>
+              <a:buNone/>
+              <a:tabLst/>
+            </a:pPr>
+            <a:endParaRPr kumimoji="0" lang="en-US" sz="2400" b="0" i="0" u="none" strike="noStrike" cap="none" normalizeH="0" baseline="0" dirty="0" smtClean="0">
+              <a:ln>
+                <a:noFill/>
+              </a:ln>
+              <a:solidFill>
+                <a:schemeClr val="tx1"/>
+              </a:solidFill>
+              <a:effectLst/>
+              <a:latin typeface="Times New Roman" panose="02020603050405020304" pitchFamily="18" charset="0"/>
+              <a:cs typeface="Times New Roman" panose="02020603050405020304" pitchFamily="18" charset="0"/>
+            </a:endParaRPr>
+          </a:p>
+          <a:p>
+            <a:pPr marL="0" marR="0" lvl="0" indent="0" algn="l" defTabSz="914400" rtl="0" eaLnBrk="0" fontAlgn="base" latinLnBrk="0" hangingPunct="0">
+              <a:lnSpc>
+                <a:spcPct val="100000"/>
+              </a:lnSpc>
+              <a:spcBef>
+                <a:spcPct val="0"/>
+              </a:spcBef>
+              <a:spcAft>
+                <a:spcPct val="0"/>
+              </a:spcAft>
+              <a:buClrTx/>
+              <a:buSzTx/>
+              <a:buFontTx/>
+              <a:buNone/>
+              <a:tabLst/>
+            </a:pPr>
+            <a:r>
+              <a:rPr kumimoji="0" lang="en-US" sz="2400" b="0" i="0" u="none" strike="noStrike" cap="none" normalizeH="0" baseline="0" dirty="0" smtClean="0">
+                <a:ln>
+                  <a:noFill/>
+                </a:ln>
+                <a:solidFill>
+                  <a:schemeClr val="tx1"/>
+                </a:solidFill>
+                <a:effectLst/>
+                <a:latin typeface="Times New Roman" panose="02020603050405020304" pitchFamily="18" charset="0"/>
+                <a:cs typeface="Times New Roman" panose="02020603050405020304" pitchFamily="18" charset="0"/>
+              </a:rPr>
+              <a:t>Now all transitive dependencies are removed.</a:t>
+            </a:r>
+          </a:p>
+          <a:p>
+            <a:pPr marL="0" marR="0" lvl="0" indent="0" algn="l" defTabSz="914400" rtl="0" eaLnBrk="0" fontAlgn="base" latinLnBrk="0" hangingPunct="0">
+              <a:lnSpc>
+                <a:spcPct val="100000"/>
+              </a:lnSpc>
+              <a:spcBef>
+                <a:spcPct val="0"/>
+              </a:spcBef>
+              <a:spcAft>
+                <a:spcPct val="0"/>
+              </a:spcAft>
+              <a:buClrTx/>
+              <a:buSzTx/>
+              <a:buFontTx/>
+              <a:buNone/>
+              <a:tabLst/>
+            </a:pPr>
+            <a:endParaRPr kumimoji="0" lang="en-US" sz="2400" b="0" i="0" u="none" strike="noStrike" cap="none" normalizeH="0" baseline="0" dirty="0" smtClean="0">
+              <a:ln>
+                <a:noFill/>
+              </a:ln>
+              <a:solidFill>
+                <a:schemeClr val="tx1"/>
+              </a:solidFill>
+              <a:effectLst/>
+              <a:latin typeface="Times New Roman" panose="02020603050405020304" pitchFamily="18" charset="0"/>
+              <a:cs typeface="Times New Roman" panose="02020603050405020304" pitchFamily="18" charset="0"/>
+            </a:endParaRPr>
+          </a:p>
+          <a:p>
+            <a:pPr marL="0" marR="0" lvl="0" indent="0" algn="l" defTabSz="914400" rtl="0" eaLnBrk="0" fontAlgn="base" latinLnBrk="0" hangingPunct="0">
+              <a:lnSpc>
+                <a:spcPct val="100000"/>
+              </a:lnSpc>
+              <a:spcBef>
+                <a:spcPct val="0"/>
+              </a:spcBef>
+              <a:spcAft>
+                <a:spcPct val="0"/>
+              </a:spcAft>
+              <a:buClrTx/>
+              <a:buSzTx/>
+              <a:buFontTx/>
+              <a:buNone/>
+              <a:tabLst/>
+            </a:pPr>
+            <a:r>
+              <a:rPr kumimoji="0" lang="en-US" sz="2400" b="0" i="0" u="none" strike="noStrike" cap="none" normalizeH="0" baseline="0" dirty="0" smtClean="0">
+                <a:ln>
+                  <a:noFill/>
+                </a:ln>
+                <a:solidFill>
+                  <a:schemeClr val="tx1"/>
+                </a:solidFill>
+                <a:effectLst/>
+                <a:latin typeface="Times New Roman" panose="02020603050405020304" pitchFamily="18" charset="0"/>
+                <a:cs typeface="Times New Roman" panose="02020603050405020304" pitchFamily="18" charset="0"/>
+              </a:rPr>
+              <a:t>So after </a:t>
+            </a:r>
+            <a:r>
+              <a:rPr kumimoji="0" lang="en-US" sz="2400" b="1" i="0" u="none" strike="noStrike" cap="none" normalizeH="0" baseline="0" dirty="0" smtClean="0">
+                <a:ln>
+                  <a:noFill/>
+                </a:ln>
+                <a:solidFill>
+                  <a:schemeClr val="tx1"/>
+                </a:solidFill>
+                <a:effectLst/>
+                <a:latin typeface="Times New Roman" panose="02020603050405020304" pitchFamily="18" charset="0"/>
+                <a:cs typeface="Times New Roman" panose="02020603050405020304" pitchFamily="18" charset="0"/>
+              </a:rPr>
+              <a:t>3NF decomposition</a:t>
+            </a:r>
+            <a:r>
+              <a:rPr kumimoji="0" lang="en-US" sz="2400" b="0" i="0" u="none" strike="noStrike" cap="none" normalizeH="0" baseline="0" dirty="0" smtClean="0">
+                <a:ln>
+                  <a:noFill/>
+                </a:ln>
+                <a:solidFill>
+                  <a:schemeClr val="tx1"/>
+                </a:solidFill>
+                <a:effectLst/>
+                <a:latin typeface="Times New Roman" panose="02020603050405020304" pitchFamily="18" charset="0"/>
+                <a:cs typeface="Times New Roman" panose="02020603050405020304" pitchFamily="18" charset="0"/>
+              </a:rPr>
+              <a:t>:</a:t>
+            </a:r>
+          </a:p>
+          <a:p>
+            <a:pPr marL="0" marR="0" lvl="0" indent="0" algn="l" defTabSz="914400" rtl="0" eaLnBrk="0" fontAlgn="base" latinLnBrk="0" hangingPunct="0">
+              <a:lnSpc>
+                <a:spcPct val="100000"/>
+              </a:lnSpc>
+              <a:spcBef>
+                <a:spcPct val="0"/>
+              </a:spcBef>
+              <a:spcAft>
+                <a:spcPct val="0"/>
+              </a:spcAft>
+              <a:buClrTx/>
+              <a:buSzTx/>
+              <a:buFontTx/>
+              <a:buAutoNum type="arabicPeriod"/>
+              <a:tabLst/>
+            </a:pPr>
+            <a:r>
+              <a:rPr kumimoji="0" lang="en-US" sz="2400" b="0" i="0" u="none" strike="noStrike" cap="none" normalizeH="0" baseline="0" dirty="0" smtClean="0">
+                <a:ln>
+                  <a:noFill/>
+                </a:ln>
+                <a:solidFill>
+                  <a:schemeClr val="tx1"/>
+                </a:solidFill>
+                <a:effectLst/>
+                <a:latin typeface="Times New Roman" panose="02020603050405020304" pitchFamily="18" charset="0"/>
+                <a:cs typeface="Times New Roman" panose="02020603050405020304" pitchFamily="18" charset="0"/>
+              </a:rPr>
+              <a:t>R1(</a:t>
+            </a:r>
+            <a:r>
+              <a:rPr kumimoji="0" lang="en-US" sz="2400" b="0" i="0" u="none" strike="noStrike" cap="none" normalizeH="0" baseline="0" dirty="0" err="1" smtClean="0">
+                <a:ln>
+                  <a:noFill/>
+                </a:ln>
+                <a:solidFill>
+                  <a:schemeClr val="tx1"/>
+                </a:solidFill>
+                <a:effectLst/>
+                <a:latin typeface="Times New Roman" panose="02020603050405020304" pitchFamily="18" charset="0"/>
+                <a:cs typeface="Times New Roman" panose="02020603050405020304" pitchFamily="18" charset="0"/>
+              </a:rPr>
+              <a:t>StuID</a:t>
+            </a:r>
+            <a:r>
+              <a:rPr kumimoji="0" lang="en-US" sz="2400" b="0" i="0" u="none" strike="noStrike" cap="none" normalizeH="0" baseline="0" dirty="0" smtClean="0">
+                <a:ln>
+                  <a:noFill/>
+                </a:ln>
+                <a:solidFill>
+                  <a:schemeClr val="tx1"/>
+                </a:solidFill>
+                <a:effectLst/>
+                <a:latin typeface="Times New Roman" panose="02020603050405020304" pitchFamily="18" charset="0"/>
+                <a:cs typeface="Times New Roman" panose="02020603050405020304" pitchFamily="18" charset="0"/>
+              </a:rPr>
+              <a:t>, </a:t>
+            </a:r>
+            <a:r>
+              <a:rPr kumimoji="0" lang="en-US" sz="2400" b="0" i="0" u="none" strike="noStrike" cap="none" normalizeH="0" baseline="0" dirty="0" err="1" smtClean="0">
+                <a:ln>
+                  <a:noFill/>
+                </a:ln>
+                <a:solidFill>
+                  <a:schemeClr val="tx1"/>
+                </a:solidFill>
+                <a:effectLst/>
+                <a:latin typeface="Times New Roman" panose="02020603050405020304" pitchFamily="18" charset="0"/>
+                <a:cs typeface="Times New Roman" panose="02020603050405020304" pitchFamily="18" charset="0"/>
+              </a:rPr>
+              <a:t>StuName</a:t>
+            </a:r>
+            <a:r>
+              <a:rPr kumimoji="0" lang="en-US" sz="2400" b="0" i="0" u="none" strike="noStrike" cap="none" normalizeH="0" baseline="0" dirty="0" smtClean="0">
+                <a:ln>
+                  <a:noFill/>
+                </a:ln>
+                <a:solidFill>
+                  <a:schemeClr val="tx1"/>
+                </a:solidFill>
+                <a:effectLst/>
+                <a:latin typeface="Times New Roman" panose="02020603050405020304" pitchFamily="18" charset="0"/>
+                <a:cs typeface="Times New Roman" panose="02020603050405020304" pitchFamily="18" charset="0"/>
+              </a:rPr>
+              <a:t>, </a:t>
+            </a:r>
+            <a:r>
+              <a:rPr kumimoji="0" lang="en-US" sz="2400" b="0" i="0" u="none" strike="noStrike" cap="none" normalizeH="0" baseline="0" dirty="0" err="1" smtClean="0">
+                <a:ln>
+                  <a:noFill/>
+                </a:ln>
+                <a:solidFill>
+                  <a:schemeClr val="tx1"/>
+                </a:solidFill>
+                <a:effectLst/>
+                <a:latin typeface="Times New Roman" panose="02020603050405020304" pitchFamily="18" charset="0"/>
+                <a:cs typeface="Times New Roman" panose="02020603050405020304" pitchFamily="18" charset="0"/>
+              </a:rPr>
+              <a:t>Dept</a:t>
+            </a:r>
+            <a:r>
+              <a:rPr kumimoji="0" lang="en-US" sz="2400" b="0" i="0" u="none" strike="noStrike" cap="none" normalizeH="0" baseline="0" dirty="0" smtClean="0">
+                <a:ln>
+                  <a:noFill/>
+                </a:ln>
+                <a:solidFill>
+                  <a:schemeClr val="tx1"/>
+                </a:solidFill>
+                <a:effectLst/>
+                <a:latin typeface="Times New Roman" panose="02020603050405020304" pitchFamily="18" charset="0"/>
+                <a:cs typeface="Times New Roman" panose="02020603050405020304" pitchFamily="18" charset="0"/>
+              </a:rPr>
+              <a:t>)</a:t>
+            </a:r>
+          </a:p>
+          <a:p>
+            <a:pPr marL="0" marR="0" lvl="0" indent="0" algn="l" defTabSz="914400" rtl="0" eaLnBrk="0" fontAlgn="base" latinLnBrk="0" hangingPunct="0">
+              <a:lnSpc>
+                <a:spcPct val="100000"/>
+              </a:lnSpc>
+              <a:spcBef>
+                <a:spcPct val="0"/>
+              </a:spcBef>
+              <a:spcAft>
+                <a:spcPct val="0"/>
+              </a:spcAft>
+              <a:buClrTx/>
+              <a:buSzTx/>
+              <a:buFontTx/>
+              <a:buAutoNum type="arabicPeriod" startAt="2"/>
+              <a:tabLst/>
+            </a:pPr>
+            <a:r>
+              <a:rPr kumimoji="0" lang="en-US" sz="2400" b="0" i="0" u="none" strike="noStrike" cap="none" normalizeH="0" baseline="0" dirty="0" smtClean="0">
+                <a:ln>
+                  <a:noFill/>
+                </a:ln>
+                <a:solidFill>
+                  <a:schemeClr val="tx1"/>
+                </a:solidFill>
+                <a:effectLst/>
+                <a:latin typeface="Times New Roman" panose="02020603050405020304" pitchFamily="18" charset="0"/>
+                <a:cs typeface="Times New Roman" panose="02020603050405020304" pitchFamily="18" charset="0"/>
+              </a:rPr>
+              <a:t>R2a(</a:t>
+            </a:r>
+            <a:r>
+              <a:rPr kumimoji="0" lang="en-US" sz="2400" b="0" i="0" u="none" strike="noStrike" cap="none" normalizeH="0" baseline="0" dirty="0" err="1" smtClean="0">
+                <a:ln>
+                  <a:noFill/>
+                </a:ln>
+                <a:solidFill>
+                  <a:schemeClr val="tx1"/>
+                </a:solidFill>
+                <a:effectLst/>
+                <a:latin typeface="Times New Roman" panose="02020603050405020304" pitchFamily="18" charset="0"/>
+                <a:cs typeface="Times New Roman" panose="02020603050405020304" pitchFamily="18" charset="0"/>
+              </a:rPr>
+              <a:t>CourseID</a:t>
+            </a:r>
+            <a:r>
+              <a:rPr kumimoji="0" lang="en-US" sz="2400" b="0" i="0" u="none" strike="noStrike" cap="none" normalizeH="0" baseline="0" dirty="0" smtClean="0">
+                <a:ln>
+                  <a:noFill/>
+                </a:ln>
+                <a:solidFill>
+                  <a:schemeClr val="tx1"/>
+                </a:solidFill>
+                <a:effectLst/>
+                <a:latin typeface="Times New Roman" panose="02020603050405020304" pitchFamily="18" charset="0"/>
+                <a:cs typeface="Times New Roman" panose="02020603050405020304" pitchFamily="18" charset="0"/>
+              </a:rPr>
+              <a:t>, </a:t>
+            </a:r>
+            <a:r>
+              <a:rPr kumimoji="0" lang="en-US" sz="2400" b="0" i="0" u="none" strike="noStrike" cap="none" normalizeH="0" baseline="0" dirty="0" err="1" smtClean="0">
+                <a:ln>
+                  <a:noFill/>
+                </a:ln>
+                <a:solidFill>
+                  <a:schemeClr val="tx1"/>
+                </a:solidFill>
+                <a:effectLst/>
+                <a:latin typeface="Times New Roman" panose="02020603050405020304" pitchFamily="18" charset="0"/>
+                <a:cs typeface="Times New Roman" panose="02020603050405020304" pitchFamily="18" charset="0"/>
+              </a:rPr>
+              <a:t>CourseName</a:t>
+            </a:r>
+            <a:r>
+              <a:rPr kumimoji="0" lang="en-US" sz="2400" b="0" i="0" u="none" strike="noStrike" cap="none" normalizeH="0" baseline="0" dirty="0" smtClean="0">
+                <a:ln>
+                  <a:noFill/>
+                </a:ln>
+                <a:solidFill>
+                  <a:schemeClr val="tx1"/>
+                </a:solidFill>
+                <a:effectLst/>
+                <a:latin typeface="Times New Roman" panose="02020603050405020304" pitchFamily="18" charset="0"/>
+                <a:cs typeface="Times New Roman" panose="02020603050405020304" pitchFamily="18" charset="0"/>
+              </a:rPr>
+              <a:t>, Instructor)</a:t>
+            </a:r>
+          </a:p>
+          <a:p>
+            <a:pPr marL="0" marR="0" lvl="0" indent="0" algn="l" defTabSz="914400" rtl="0" eaLnBrk="0" fontAlgn="base" latinLnBrk="0" hangingPunct="0">
+              <a:lnSpc>
+                <a:spcPct val="100000"/>
+              </a:lnSpc>
+              <a:spcBef>
+                <a:spcPct val="0"/>
+              </a:spcBef>
+              <a:spcAft>
+                <a:spcPct val="0"/>
+              </a:spcAft>
+              <a:buClrTx/>
+              <a:buSzTx/>
+              <a:buFontTx/>
+              <a:buAutoNum type="arabicPeriod" startAt="3"/>
+              <a:tabLst/>
+            </a:pPr>
+            <a:r>
+              <a:rPr kumimoji="0" lang="en-US" sz="2400" b="0" i="0" u="none" strike="noStrike" cap="none" normalizeH="0" baseline="0" dirty="0" smtClean="0">
+                <a:ln>
+                  <a:noFill/>
+                </a:ln>
+                <a:solidFill>
+                  <a:schemeClr val="tx1"/>
+                </a:solidFill>
+                <a:effectLst/>
+                <a:latin typeface="Times New Roman" panose="02020603050405020304" pitchFamily="18" charset="0"/>
+                <a:cs typeface="Times New Roman" panose="02020603050405020304" pitchFamily="18" charset="0"/>
+              </a:rPr>
+              <a:t>R2b(Instructor, </a:t>
+            </a:r>
+            <a:r>
+              <a:rPr kumimoji="0" lang="en-US" sz="2400" b="0" i="0" u="none" strike="noStrike" cap="none" normalizeH="0" baseline="0" dirty="0" err="1" smtClean="0">
+                <a:ln>
+                  <a:noFill/>
+                </a:ln>
+                <a:solidFill>
+                  <a:schemeClr val="tx1"/>
+                </a:solidFill>
+                <a:effectLst/>
+                <a:latin typeface="Times New Roman" panose="02020603050405020304" pitchFamily="18" charset="0"/>
+                <a:cs typeface="Times New Roman" panose="02020603050405020304" pitchFamily="18" charset="0"/>
+              </a:rPr>
+              <a:t>RoomNo</a:t>
+            </a:r>
+            <a:r>
+              <a:rPr kumimoji="0" lang="en-US" sz="2400" b="0" i="0" u="none" strike="noStrike" cap="none" normalizeH="0" baseline="0" dirty="0" smtClean="0">
+                <a:ln>
+                  <a:noFill/>
+                </a:ln>
+                <a:solidFill>
+                  <a:schemeClr val="tx1"/>
+                </a:solidFill>
+                <a:effectLst/>
+                <a:latin typeface="Times New Roman" panose="02020603050405020304" pitchFamily="18" charset="0"/>
+                <a:cs typeface="Times New Roman" panose="02020603050405020304" pitchFamily="18" charset="0"/>
+              </a:rPr>
+              <a:t>)</a:t>
+            </a:r>
+          </a:p>
+          <a:p>
+            <a:pPr marL="0" marR="0" lvl="0" indent="0" algn="l" defTabSz="914400" rtl="0" eaLnBrk="0" fontAlgn="base" latinLnBrk="0" hangingPunct="0">
+              <a:lnSpc>
+                <a:spcPct val="100000"/>
+              </a:lnSpc>
+              <a:spcBef>
+                <a:spcPct val="0"/>
+              </a:spcBef>
+              <a:spcAft>
+                <a:spcPct val="0"/>
+              </a:spcAft>
+              <a:buClrTx/>
+              <a:buSzTx/>
+              <a:buFontTx/>
+              <a:buAutoNum type="arabicPeriod" startAt="4"/>
+              <a:tabLst/>
+            </a:pPr>
+            <a:r>
+              <a:rPr kumimoji="0" lang="en-US" sz="2400" b="0" i="0" u="none" strike="noStrike" cap="none" normalizeH="0" baseline="0" dirty="0" smtClean="0">
+                <a:ln>
+                  <a:noFill/>
+                </a:ln>
+                <a:solidFill>
+                  <a:schemeClr val="tx1"/>
+                </a:solidFill>
+                <a:effectLst/>
+                <a:latin typeface="Times New Roman" panose="02020603050405020304" pitchFamily="18" charset="0"/>
+                <a:cs typeface="Times New Roman" panose="02020603050405020304" pitchFamily="18" charset="0"/>
+              </a:rPr>
+              <a:t>R3(</a:t>
+            </a:r>
+            <a:r>
+              <a:rPr kumimoji="0" lang="en-US" sz="2400" b="0" i="0" u="none" strike="noStrike" cap="none" normalizeH="0" baseline="0" dirty="0" err="1" smtClean="0">
+                <a:ln>
+                  <a:noFill/>
+                </a:ln>
+                <a:solidFill>
+                  <a:schemeClr val="tx1"/>
+                </a:solidFill>
+                <a:effectLst/>
+                <a:latin typeface="Times New Roman" panose="02020603050405020304" pitchFamily="18" charset="0"/>
+                <a:cs typeface="Times New Roman" panose="02020603050405020304" pitchFamily="18" charset="0"/>
+              </a:rPr>
+              <a:t>StuID</a:t>
+            </a:r>
+            <a:r>
+              <a:rPr kumimoji="0" lang="en-US" sz="2400" b="0" i="0" u="none" strike="noStrike" cap="none" normalizeH="0" baseline="0" dirty="0" smtClean="0">
+                <a:ln>
+                  <a:noFill/>
+                </a:ln>
+                <a:solidFill>
+                  <a:schemeClr val="tx1"/>
+                </a:solidFill>
+                <a:effectLst/>
+                <a:latin typeface="Times New Roman" panose="02020603050405020304" pitchFamily="18" charset="0"/>
+                <a:cs typeface="Times New Roman" panose="02020603050405020304" pitchFamily="18" charset="0"/>
+              </a:rPr>
+              <a:t>, </a:t>
+            </a:r>
+            <a:r>
+              <a:rPr kumimoji="0" lang="en-US" sz="2400" b="0" i="0" u="none" strike="noStrike" cap="none" normalizeH="0" baseline="0" dirty="0" err="1" smtClean="0">
+                <a:ln>
+                  <a:noFill/>
+                </a:ln>
+                <a:solidFill>
+                  <a:schemeClr val="tx1"/>
+                </a:solidFill>
+                <a:effectLst/>
+                <a:latin typeface="Times New Roman" panose="02020603050405020304" pitchFamily="18" charset="0"/>
+                <a:cs typeface="Times New Roman" panose="02020603050405020304" pitchFamily="18" charset="0"/>
+              </a:rPr>
+              <a:t>CourseID</a:t>
+            </a:r>
+            <a:r>
+              <a:rPr kumimoji="0" lang="en-US" sz="2400" b="0" i="0" u="none" strike="noStrike" cap="none" normalizeH="0" baseline="0" dirty="0" smtClean="0">
+                <a:ln>
+                  <a:noFill/>
+                </a:ln>
+                <a:solidFill>
+                  <a:schemeClr val="tx1"/>
+                </a:solidFill>
+                <a:effectLst/>
+                <a:latin typeface="Times New Roman" panose="02020603050405020304" pitchFamily="18" charset="0"/>
+                <a:cs typeface="Times New Roman" panose="02020603050405020304" pitchFamily="18" charset="0"/>
+              </a:rPr>
+              <a:t>)</a:t>
+            </a:r>
+          </a:p>
+          <a:p>
+            <a:pPr marL="0" marR="0" lvl="0" indent="0" algn="l" defTabSz="914400" rtl="0" eaLnBrk="0" fontAlgn="base" latinLnBrk="0" hangingPunct="0">
+              <a:lnSpc>
+                <a:spcPct val="100000"/>
+              </a:lnSpc>
+              <a:spcBef>
+                <a:spcPct val="0"/>
+              </a:spcBef>
+              <a:spcAft>
+                <a:spcPct val="0"/>
+              </a:spcAft>
+              <a:buClrTx/>
+              <a:buSzTx/>
+              <a:buFontTx/>
+              <a:buNone/>
+              <a:tabLst/>
+            </a:pPr>
+            <a:endParaRPr kumimoji="0" lang="en-US" sz="2400" b="0" i="0" u="none" strike="noStrike" cap="none" normalizeH="0" baseline="0" dirty="0" smtClean="0">
+              <a:ln>
+                <a:noFill/>
+              </a:ln>
+              <a:solidFill>
+                <a:schemeClr val="tx1"/>
+              </a:solidFill>
+              <a:effectLst/>
+              <a:latin typeface="Times New Roman" panose="02020603050405020304" pitchFamily="18" charset="0"/>
+              <a:cs typeface="Times New Roman" panose="02020603050405020304" pitchFamily="18" charset="0"/>
+            </a:endParaRPr>
           </a:p>
         </p:txBody>
       </p:sp>
     </p:spTree>
     <p:extLst>
       <p:ext uri="{BB962C8B-B14F-4D97-AF65-F5344CB8AC3E}">
-        <p14:creationId xmlns:p14="http://schemas.microsoft.com/office/powerpoint/2010/main" val="1730437915"/>
-      </p:ext>
-    </p:extLst>
-  </p:cSld>
-  <p:clrMapOvr>
-    <a:masterClrMapping/>
-  </p:clrMapOvr>
-</p:sld>
-</file>
-
-<file path=ppt/slides/slide14.xml><?xml version="1.0" encoding="utf-8"?>
-<p:sld xmlns:a="http://schemas.openxmlformats.org/drawingml/2006/main" xmlns:r="http://schemas.openxmlformats.org/officeDocument/2006/relationships" xmlns:p="http://schemas.openxmlformats.org/presentationml/2006/main">
-  <p:cSld>
-    <p:spTree>
-      <p:nvGrpSpPr>
-        <p:cNvPr id="1" name=""/>
-        <p:cNvGrpSpPr/>
-        <p:nvPr/>
-      </p:nvGrpSpPr>
-      <p:grpSpPr>
-        <a:xfrm>
-          <a:off x="0" y="0"/>
-          <a:ext cx="0" cy="0"/>
-          <a:chOff x="0" y="0"/>
-          <a:chExt cx="0" cy="0"/>
-        </a:xfrm>
-      </p:grpSpPr>
-      <p:sp>
-        <p:nvSpPr>
-          <p:cNvPr id="2" name="Title 1">
-            <a:extLst>
-              <a:ext uri="{FF2B5EF4-FFF2-40B4-BE49-F238E27FC236}">
-                <a16:creationId xmlns:a16="http://schemas.microsoft.com/office/drawing/2014/main" id="{C73F2DA2-40A9-40DE-8A81-EA8BB6FF161D}"/>
-              </a:ext>
-            </a:extLst>
-          </p:cNvPr>
-          <p:cNvSpPr>
-            <a:spLocks noGrp="1"/>
-          </p:cNvSpPr>
-          <p:nvPr>
-            <p:ph type="title"/>
-          </p:nvPr>
-        </p:nvSpPr>
-        <p:spPr/>
-        <p:txBody>
-          <a:bodyPr/>
-          <a:lstStyle/>
-          <a:p>
-            <a:r>
-              <a:rPr lang="en-IN" dirty="0"/>
-              <a:t>Syntax</a:t>
-            </a:r>
-          </a:p>
-        </p:txBody>
-      </p:sp>
-      <p:sp>
-        <p:nvSpPr>
-          <p:cNvPr id="3" name="Content Placeholder 2">
-            <a:extLst>
-              <a:ext uri="{FF2B5EF4-FFF2-40B4-BE49-F238E27FC236}">
-                <a16:creationId xmlns:a16="http://schemas.microsoft.com/office/drawing/2014/main" id="{CFA14138-1E72-4B3F-A111-9F25A2E85A26}"/>
-              </a:ext>
-            </a:extLst>
-          </p:cNvPr>
-          <p:cNvSpPr>
-            <a:spLocks noGrp="1"/>
-          </p:cNvSpPr>
-          <p:nvPr>
-            <p:ph idx="1"/>
-          </p:nvPr>
-        </p:nvSpPr>
-        <p:spPr/>
-        <p:txBody>
-          <a:bodyPr>
-            <a:normAutofit lnSpcReduction="10000"/>
-          </a:bodyPr>
-          <a:lstStyle/>
-          <a:p>
-            <a:pPr marL="0" indent="0">
-              <a:buNone/>
-            </a:pPr>
-            <a:r>
-              <a:rPr lang="en-IN" dirty="0"/>
-              <a:t>Create view &lt;</a:t>
-            </a:r>
-            <a:r>
-              <a:rPr lang="en-IN" dirty="0" err="1"/>
-              <a:t>View_Name</a:t>
-            </a:r>
-            <a:r>
-              <a:rPr lang="en-IN" dirty="0"/>
-              <a:t>&gt; </a:t>
-            </a:r>
-          </a:p>
-          <a:p>
-            <a:pPr marL="0" indent="0">
-              <a:buNone/>
-            </a:pPr>
-            <a:r>
-              <a:rPr lang="en-IN" dirty="0"/>
-              <a:t>AS Select &lt;list of </a:t>
-            </a:r>
-            <a:r>
-              <a:rPr lang="en-IN" dirty="0" err="1"/>
-              <a:t>col_name</a:t>
-            </a:r>
-            <a:r>
-              <a:rPr lang="en-IN" dirty="0"/>
-              <a:t>&gt; from table</a:t>
-            </a:r>
-          </a:p>
-          <a:p>
-            <a:pPr marL="0" indent="0">
-              <a:buNone/>
-            </a:pPr>
-            <a:r>
-              <a:rPr lang="en-IN" dirty="0"/>
-              <a:t>Where </a:t>
-            </a:r>
-            <a:r>
-              <a:rPr lang="en-IN" dirty="0" err="1"/>
-              <a:t>col_name</a:t>
-            </a:r>
-            <a:r>
-              <a:rPr lang="en-IN" dirty="0"/>
-              <a:t> = experience</a:t>
-            </a:r>
-          </a:p>
-          <a:p>
-            <a:pPr marL="0" indent="0">
-              <a:buNone/>
-            </a:pPr>
-            <a:r>
-              <a:rPr lang="en-IN" dirty="0"/>
-              <a:t>Group by &lt;criteria&gt; having &lt;predicate&gt;</a:t>
-            </a:r>
-          </a:p>
-          <a:p>
-            <a:pPr marL="0" indent="0">
-              <a:buNone/>
-            </a:pPr>
-            <a:endParaRPr lang="en-IN" dirty="0"/>
-          </a:p>
-          <a:p>
-            <a:pPr marL="0" indent="0">
-              <a:buNone/>
-            </a:pPr>
-            <a:r>
-              <a:rPr lang="en-IN" dirty="0"/>
-              <a:t>NOTE: </a:t>
-            </a:r>
-          </a:p>
-          <a:p>
-            <a:pPr marL="514350" indent="-514350">
-              <a:buFont typeface="+mj-lt"/>
-              <a:buAutoNum type="arabicPeriod"/>
-            </a:pPr>
-            <a:r>
-              <a:rPr lang="en-IN" dirty="0"/>
-              <a:t>“ORDER BY” clause can’t be used while creating a View </a:t>
-            </a:r>
-          </a:p>
-          <a:p>
-            <a:pPr marL="514350" indent="-514350">
-              <a:buFont typeface="+mj-lt"/>
-              <a:buAutoNum type="arabicPeriod"/>
-            </a:pPr>
-            <a:r>
-              <a:rPr lang="en-IN" dirty="0"/>
-              <a:t>The column of the table are related to the view using One-to-One relationship </a:t>
-            </a:r>
-          </a:p>
-        </p:txBody>
-      </p:sp>
-    </p:spTree>
-    <p:extLst>
-      <p:ext uri="{BB962C8B-B14F-4D97-AF65-F5344CB8AC3E}">
-        <p14:creationId xmlns:p14="http://schemas.microsoft.com/office/powerpoint/2010/main" val="572824308"/>
-      </p:ext>
-    </p:extLst>
-  </p:cSld>
-  <p:clrMapOvr>
-    <a:masterClrMapping/>
-  </p:clrMapOvr>
-</p:sld>
-</file>
-
-<file path=ppt/slides/slide15.xml><?xml version="1.0" encoding="utf-8"?>
-<p:sld xmlns:a="http://schemas.openxmlformats.org/drawingml/2006/main" xmlns:r="http://schemas.openxmlformats.org/officeDocument/2006/relationships" xmlns:p="http://schemas.openxmlformats.org/presentationml/2006/main">
-  <p:cSld>
-    <p:spTree>
-      <p:nvGrpSpPr>
-        <p:cNvPr id="1" name=""/>
-        <p:cNvGrpSpPr/>
-        <p:nvPr/>
-      </p:nvGrpSpPr>
-      <p:grpSpPr>
-        <a:xfrm>
-          <a:off x="0" y="0"/>
-          <a:ext cx="0" cy="0"/>
-          <a:chOff x="0" y="0"/>
-          <a:chExt cx="0" cy="0"/>
-        </a:xfrm>
-      </p:grpSpPr>
-      <p:sp>
-        <p:nvSpPr>
-          <p:cNvPr id="2" name="Title 1">
-            <a:extLst>
-              <a:ext uri="{FF2B5EF4-FFF2-40B4-BE49-F238E27FC236}">
-                <a16:creationId xmlns:a16="http://schemas.microsoft.com/office/drawing/2014/main" id="{6A0B6051-F442-4F67-97E5-7A223BA4CFB9}"/>
-              </a:ext>
-            </a:extLst>
-          </p:cNvPr>
-          <p:cNvSpPr>
-            <a:spLocks noGrp="1"/>
-          </p:cNvSpPr>
-          <p:nvPr>
-            <p:ph type="title"/>
-          </p:nvPr>
-        </p:nvSpPr>
-        <p:spPr/>
-        <p:txBody>
-          <a:bodyPr/>
-          <a:lstStyle/>
-          <a:p>
-            <a:r>
-              <a:rPr lang="en-IN" dirty="0"/>
-              <a:t>Operations can be performed on VIEW</a:t>
-            </a:r>
-          </a:p>
-        </p:txBody>
-      </p:sp>
-      <p:sp>
-        <p:nvSpPr>
-          <p:cNvPr id="3" name="Content Placeholder 2">
-            <a:extLst>
-              <a:ext uri="{FF2B5EF4-FFF2-40B4-BE49-F238E27FC236}">
-                <a16:creationId xmlns:a16="http://schemas.microsoft.com/office/drawing/2014/main" id="{946D6FE5-BF3F-4B6F-808C-A6677187D6FB}"/>
-              </a:ext>
-            </a:extLst>
-          </p:cNvPr>
-          <p:cNvSpPr>
-            <a:spLocks noGrp="1"/>
-          </p:cNvSpPr>
-          <p:nvPr>
-            <p:ph idx="1"/>
-          </p:nvPr>
-        </p:nvSpPr>
-        <p:spPr/>
-        <p:txBody>
-          <a:bodyPr/>
-          <a:lstStyle/>
-          <a:p>
-            <a:r>
-              <a:rPr lang="en-IN" dirty="0"/>
-              <a:t>Renaming the columns of a view</a:t>
-            </a:r>
-          </a:p>
-          <a:p>
-            <a:pPr marL="457200" lvl="1" indent="0">
-              <a:buNone/>
-            </a:pPr>
-            <a:r>
-              <a:rPr lang="en-IN" dirty="0"/>
-              <a:t>Create view V1 AS Select col_1 “c1”, col_2 “c2”  from table</a:t>
-            </a:r>
-          </a:p>
-          <a:p>
-            <a:r>
-              <a:rPr lang="en-IN" dirty="0"/>
-              <a:t>Selecting data set from the view</a:t>
-            </a:r>
-          </a:p>
-          <a:p>
-            <a:pPr marL="457200" lvl="1" indent="0">
-              <a:buNone/>
-            </a:pPr>
-            <a:r>
-              <a:rPr lang="en-IN" dirty="0"/>
-              <a:t>Select c1, c2 from v1;</a:t>
-            </a:r>
-          </a:p>
-          <a:p>
-            <a:r>
-              <a:rPr lang="en-IN" dirty="0"/>
-              <a:t>With specific conditions, a view can be updated</a:t>
-            </a:r>
-          </a:p>
-          <a:p>
-            <a:pPr lvl="1"/>
-            <a:r>
-              <a:rPr lang="en-IN" dirty="0"/>
-              <a:t>View defined from single table</a:t>
-            </a:r>
-          </a:p>
-          <a:p>
-            <a:pPr lvl="1"/>
-            <a:r>
-              <a:rPr lang="en-IN" dirty="0"/>
-              <a:t>For inserting record in the View, it must include Primary Key and NOT NULL columns of the base table</a:t>
-            </a:r>
-          </a:p>
-          <a:p>
-            <a:pPr lvl="1"/>
-            <a:r>
-              <a:rPr lang="en-IN" dirty="0"/>
-              <a:t>For deleting or updating record in the view, it </a:t>
-            </a:r>
-            <a:r>
-              <a:rPr lang="en-IN"/>
-              <a:t>can </a:t>
-            </a:r>
-            <a:r>
-              <a:rPr lang="en-IN" b="1" dirty="0"/>
-              <a:t>E</a:t>
-            </a:r>
-            <a:r>
-              <a:rPr lang="en-IN" b="1"/>
-              <a:t>xclude</a:t>
-            </a:r>
-            <a:r>
-              <a:rPr lang="en-IN"/>
-              <a:t> </a:t>
-            </a:r>
-            <a:r>
-              <a:rPr lang="en-IN" dirty="0"/>
-              <a:t>Primary Key and NOT NULL columns of the base table</a:t>
-            </a:r>
-          </a:p>
-          <a:p>
-            <a:pPr lvl="1"/>
-            <a:endParaRPr lang="en-IN" dirty="0"/>
-          </a:p>
-        </p:txBody>
-      </p:sp>
-    </p:spTree>
-    <p:extLst>
-      <p:ext uri="{BB962C8B-B14F-4D97-AF65-F5344CB8AC3E}">
-        <p14:creationId xmlns:p14="http://schemas.microsoft.com/office/powerpoint/2010/main" val="3765967423"/>
+        <p14:creationId xmlns:p14="http://schemas.microsoft.com/office/powerpoint/2010/main" val="925385082"/>
       </p:ext>
     </p:extLst>
   </p:cSld>
@@ -5455,280 +5550,7 @@
           <p:cNvPr id="2" name="Title 1">
             <a:extLst>
               <a:ext uri="{FF2B5EF4-FFF2-40B4-BE49-F238E27FC236}">
-                <a16:creationId xmlns:a16="http://schemas.microsoft.com/office/drawing/2014/main" id="{F2AE23EE-ADAB-4FCF-8FE5-64E1DD5C7726}"/>
-              </a:ext>
-            </a:extLst>
-          </p:cNvPr>
-          <p:cNvSpPr>
-            <a:spLocks noGrp="1"/>
-          </p:cNvSpPr>
-          <p:nvPr>
-            <p:ph type="title"/>
-          </p:nvPr>
-        </p:nvSpPr>
-        <p:spPr/>
-        <p:txBody>
-          <a:bodyPr/>
-          <a:lstStyle/>
-          <a:p>
-            <a:r>
-              <a:rPr lang="en-IN" dirty="0"/>
-              <a:t>Recap….</a:t>
-            </a:r>
-          </a:p>
-        </p:txBody>
-      </p:sp>
-      <p:sp>
-        <p:nvSpPr>
-          <p:cNvPr id="3" name="Content Placeholder 2">
-            <a:extLst>
-              <a:ext uri="{FF2B5EF4-FFF2-40B4-BE49-F238E27FC236}">
-                <a16:creationId xmlns:a16="http://schemas.microsoft.com/office/drawing/2014/main" id="{8C459C86-18CF-43B8-BA4C-E6C633D142B2}"/>
-              </a:ext>
-            </a:extLst>
-          </p:cNvPr>
-          <p:cNvSpPr>
-            <a:spLocks noGrp="1"/>
-          </p:cNvSpPr>
-          <p:nvPr>
-            <p:ph idx="1"/>
-          </p:nvPr>
-        </p:nvSpPr>
-        <p:spPr>
-          <a:xfrm>
-            <a:off x="838200" y="1825625"/>
-            <a:ext cx="10515600" cy="4912800"/>
-          </a:xfrm>
-        </p:spPr>
-        <p:txBody>
-          <a:bodyPr>
-            <a:normAutofit lnSpcReduction="10000"/>
-          </a:bodyPr>
-          <a:lstStyle/>
-          <a:p>
-            <a:r>
-              <a:rPr lang="en-IN" sz="3600" dirty="0"/>
-              <a:t>Normalization:</a:t>
-            </a:r>
-          </a:p>
-          <a:p>
-            <a:pPr lvl="1"/>
-            <a:r>
-              <a:rPr lang="en-IN" sz="3200" dirty="0"/>
-              <a:t>The process of decomposing unsatisfactory "bad“ relations by breaking up their attributes into smaller relations</a:t>
-            </a:r>
-          </a:p>
-          <a:p>
-            <a:pPr lvl="1"/>
-            <a:r>
-              <a:rPr lang="en-IN" sz="3200" dirty="0"/>
-              <a:t>Normalization is carried out in practice so that the resulting designs are of high quality and meet the desirable properties</a:t>
-            </a:r>
-          </a:p>
-          <a:p>
-            <a:pPr lvl="1"/>
-            <a:endParaRPr lang="en-IN" sz="3200" dirty="0"/>
-          </a:p>
-          <a:p>
-            <a:r>
-              <a:rPr lang="en-IN" sz="3600" dirty="0"/>
-              <a:t>Normal form:</a:t>
-            </a:r>
-          </a:p>
-          <a:p>
-            <a:pPr lvl="1"/>
-            <a:r>
-              <a:rPr lang="en-IN" sz="3200" dirty="0"/>
-              <a:t>Condition using keys and FDs of a relation to certify whether a relation schema is in a particular normal form</a:t>
-            </a:r>
-          </a:p>
-        </p:txBody>
-      </p:sp>
-    </p:spTree>
-    <p:extLst>
-      <p:ext uri="{BB962C8B-B14F-4D97-AF65-F5344CB8AC3E}">
-        <p14:creationId xmlns:p14="http://schemas.microsoft.com/office/powerpoint/2010/main" val="1437160173"/>
-      </p:ext>
-    </p:extLst>
-  </p:cSld>
-  <p:clrMapOvr>
-    <a:masterClrMapping/>
-  </p:clrMapOvr>
-</p:sld>
-</file>
-
-<file path=ppt/slides/slide3.xml><?xml version="1.0" encoding="utf-8"?>
-<p:sld xmlns:a="http://schemas.openxmlformats.org/drawingml/2006/main" xmlns:r="http://schemas.openxmlformats.org/officeDocument/2006/relationships" xmlns:p="http://schemas.openxmlformats.org/presentationml/2006/main">
-  <p:cSld>
-    <p:spTree>
-      <p:nvGrpSpPr>
-        <p:cNvPr id="1" name=""/>
-        <p:cNvGrpSpPr/>
-        <p:nvPr/>
-      </p:nvGrpSpPr>
-      <p:grpSpPr>
-        <a:xfrm>
-          <a:off x="0" y="0"/>
-          <a:ext cx="0" cy="0"/>
-          <a:chOff x="0" y="0"/>
-          <a:chExt cx="0" cy="0"/>
-        </a:xfrm>
-      </p:grpSpPr>
-      <p:sp>
-        <p:nvSpPr>
-          <p:cNvPr id="2" name="Title 1">
-            <a:extLst>
-              <a:ext uri="{FF2B5EF4-FFF2-40B4-BE49-F238E27FC236}">
-                <a16:creationId xmlns:a16="http://schemas.microsoft.com/office/drawing/2014/main" id="{8DE7D6CB-16E3-4FD3-BF71-9A8B7A0105ED}"/>
-              </a:ext>
-            </a:extLst>
-          </p:cNvPr>
-          <p:cNvSpPr>
-            <a:spLocks noGrp="1"/>
-          </p:cNvSpPr>
-          <p:nvPr>
-            <p:ph type="title"/>
-          </p:nvPr>
-        </p:nvSpPr>
-        <p:spPr>
-          <a:xfrm>
-            <a:off x="243840" y="252583"/>
-            <a:ext cx="11704319" cy="844697"/>
-          </a:xfrm>
-        </p:spPr>
-        <p:txBody>
-          <a:bodyPr>
-            <a:normAutofit fontScale="90000"/>
-          </a:bodyPr>
-          <a:lstStyle/>
-          <a:p>
-            <a:r>
-              <a:rPr lang="en-IN" b="1" dirty="0"/>
-              <a:t>Definitions of Keys and Attributes Participating in Keys</a:t>
-            </a:r>
-          </a:p>
-        </p:txBody>
-      </p:sp>
-      <p:sp>
-        <p:nvSpPr>
-          <p:cNvPr id="3" name="Content Placeholder 2">
-            <a:extLst>
-              <a:ext uri="{FF2B5EF4-FFF2-40B4-BE49-F238E27FC236}">
-                <a16:creationId xmlns:a16="http://schemas.microsoft.com/office/drawing/2014/main" id="{A4ADD284-4769-4FCB-8D43-8F795617CEDB}"/>
-              </a:ext>
-            </a:extLst>
-          </p:cNvPr>
-          <p:cNvSpPr>
-            <a:spLocks noGrp="1"/>
-          </p:cNvSpPr>
-          <p:nvPr>
-            <p:ph idx="1"/>
-          </p:nvPr>
-        </p:nvSpPr>
-        <p:spPr>
-          <a:xfrm>
-            <a:off x="243839" y="1336433"/>
-            <a:ext cx="11704319" cy="5401994"/>
-          </a:xfrm>
-        </p:spPr>
-        <p:txBody>
-          <a:bodyPr>
-            <a:normAutofit fontScale="92500" lnSpcReduction="10000"/>
-          </a:bodyPr>
-          <a:lstStyle/>
-          <a:p>
-            <a:pPr algn="just"/>
-            <a:r>
-              <a:rPr lang="en-IN" dirty="0"/>
-              <a:t>A super key of a relation schema R = {A1, A2, ...., An} is a set of attributes S subset-of R with the property that no two tuples t1 and t2 in any legal relation state r of R will have t1[S] = t2[S]</a:t>
-            </a:r>
-          </a:p>
-          <a:p>
-            <a:pPr algn="just"/>
-            <a:r>
-              <a:rPr lang="en-IN" dirty="0"/>
-              <a:t>A Candidate key K is a super key with the additional property that removal of any attribute from K will cause K not to be a super key any more.</a:t>
-            </a:r>
-          </a:p>
-          <a:p>
-            <a:pPr marL="0" indent="0" algn="ctr">
-              <a:buNone/>
-            </a:pPr>
-            <a:r>
-              <a:rPr lang="en-IN" dirty="0"/>
-              <a:t>OR</a:t>
-            </a:r>
-          </a:p>
-          <a:p>
-            <a:pPr algn="just"/>
-            <a:r>
-              <a:rPr lang="en-IN" dirty="0"/>
-              <a:t>Minimal Super Key with unique and not null values can be a candidate key</a:t>
-            </a:r>
-          </a:p>
-          <a:p>
-            <a:pPr algn="just"/>
-            <a:r>
-              <a:rPr lang="en-IN" dirty="0"/>
-              <a:t>One of the candidate keys is arbitrarily designated to be the primary key, and the others are called secondary Keys /  Alternate Keys</a:t>
-            </a:r>
-          </a:p>
-          <a:p>
-            <a:pPr algn="just"/>
-            <a:endParaRPr lang="en-IN" dirty="0"/>
-          </a:p>
-          <a:p>
-            <a:pPr algn="just"/>
-            <a:r>
-              <a:rPr lang="en-IN" dirty="0"/>
-              <a:t>A Prime attribute must be a member of some candidate key</a:t>
-            </a:r>
-          </a:p>
-          <a:p>
-            <a:pPr algn="just"/>
-            <a:r>
-              <a:rPr lang="en-IN" dirty="0"/>
-              <a:t>A Nonprime attribute is not a prime attribute— that is, it is not a member of any candidate key</a:t>
-            </a:r>
-          </a:p>
-        </p:txBody>
-      </p:sp>
-    </p:spTree>
-    <p:extLst>
-      <p:ext uri="{BB962C8B-B14F-4D97-AF65-F5344CB8AC3E}">
-        <p14:creationId xmlns:p14="http://schemas.microsoft.com/office/powerpoint/2010/main" val="3388550559"/>
-      </p:ext>
-    </p:extLst>
-  </p:cSld>
-  <p:clrMapOvr>
-    <a:masterClrMapping/>
-  </p:clrMapOvr>
-</p:sld>
-</file>
-
-<file path=ppt/slides/slide4.xml><?xml version="1.0" encoding="utf-8"?>
-<p:sld xmlns:a="http://schemas.openxmlformats.org/drawingml/2006/main" xmlns:r="http://schemas.openxmlformats.org/officeDocument/2006/relationships" xmlns:p="http://schemas.openxmlformats.org/presentationml/2006/main">
-  <p:cSld>
-    <p:spTree>
-      <p:nvGrpSpPr>
-        <p:cNvPr id="1" name=""/>
-        <p:cNvGrpSpPr/>
-        <p:nvPr/>
-      </p:nvGrpSpPr>
-      <p:grpSpPr>
-        <a:xfrm>
-          <a:off x="0" y="0"/>
-          <a:ext cx="0" cy="0"/>
-          <a:chOff x="0" y="0"/>
-          <a:chExt cx="0" cy="0"/>
-        </a:xfrm>
-      </p:grpSpPr>
-      <p:sp>
-        <p:nvSpPr>
-          <p:cNvPr id="2" name="Title 1">
-            <a:extLst>
-              <a:ext uri="{FF2B5EF4-FFF2-40B4-BE49-F238E27FC236}">
-                <a16:creationId xmlns:a16="http://schemas.microsoft.com/office/drawing/2014/main" id="{451651E3-4A55-4B47-97DD-685822368F24}"/>
+                <a16:creationId xmlns="" xmlns:a16="http://schemas.microsoft.com/office/drawing/2014/main" id="{451651E3-4A55-4B47-97DD-685822368F24}"/>
               </a:ext>
             </a:extLst>
           </p:cNvPr>
@@ -5756,7 +5578,7 @@
           <p:cNvPr id="3" name="Content Placeholder 2">
             <a:extLst>
               <a:ext uri="{FF2B5EF4-FFF2-40B4-BE49-F238E27FC236}">
-                <a16:creationId xmlns:a16="http://schemas.microsoft.com/office/drawing/2014/main" id="{54A720D1-4F5B-4B54-A060-BBF5D4A723D3}"/>
+                <a16:creationId xmlns="" xmlns:a16="http://schemas.microsoft.com/office/drawing/2014/main" id="{54A720D1-4F5B-4B54-A060-BBF5D4A723D3}"/>
               </a:ext>
             </a:extLst>
           </p:cNvPr>
@@ -5821,7 +5643,7 @@
           <p:cNvPr id="5" name="Picture 4">
             <a:extLst>
               <a:ext uri="{FF2B5EF4-FFF2-40B4-BE49-F238E27FC236}">
-                <a16:creationId xmlns:a16="http://schemas.microsoft.com/office/drawing/2014/main" id="{20908DA7-A153-40CB-AE13-7D5A986AF855}"/>
+                <a16:creationId xmlns="" xmlns:a16="http://schemas.microsoft.com/office/drawing/2014/main" id="{20908DA7-A153-40CB-AE13-7D5A986AF855}"/>
               </a:ext>
             </a:extLst>
           </p:cNvPr>
@@ -5859,7 +5681,7 @@
 </p:sld>
 </file>
 
-<file path=ppt/slides/slide5.xml><?xml version="1.0" encoding="utf-8"?>
+<file path=ppt/slides/slide3.xml><?xml version="1.0" encoding="utf-8"?>
 <p:sld xmlns:a="http://schemas.openxmlformats.org/drawingml/2006/main" xmlns:r="http://schemas.openxmlformats.org/officeDocument/2006/relationships" xmlns:p="http://schemas.openxmlformats.org/presentationml/2006/main">
   <p:cSld>
     <p:spTree>
@@ -5881,7 +5703,7 @@
           <p:cNvPr id="2" name="Title 1">
             <a:extLst>
               <a:ext uri="{FF2B5EF4-FFF2-40B4-BE49-F238E27FC236}">
-                <a16:creationId xmlns:a16="http://schemas.microsoft.com/office/drawing/2014/main" id="{9E71518B-35B5-42DB-B45B-281A81CAC871}"/>
+                <a16:creationId xmlns="" xmlns:a16="http://schemas.microsoft.com/office/drawing/2014/main" id="{9E71518B-35B5-42DB-B45B-281A81CAC871}"/>
               </a:ext>
             </a:extLst>
           </p:cNvPr>
@@ -5909,7 +5731,7 @@
           <p:cNvPr id="3" name="Content Placeholder 2">
             <a:extLst>
               <a:ext uri="{FF2B5EF4-FFF2-40B4-BE49-F238E27FC236}">
-                <a16:creationId xmlns:a16="http://schemas.microsoft.com/office/drawing/2014/main" id="{5A8F4770-33E4-4502-845B-9CD0AB5600E9}"/>
+                <a16:creationId xmlns="" xmlns:a16="http://schemas.microsoft.com/office/drawing/2014/main" id="{5A8F4770-33E4-4502-845B-9CD0AB5600E9}"/>
               </a:ext>
             </a:extLst>
           </p:cNvPr>
@@ -5957,7 +5779,7 @@
           <p:cNvPr id="5" name="Picture 4">
             <a:extLst>
               <a:ext uri="{FF2B5EF4-FFF2-40B4-BE49-F238E27FC236}">
-                <a16:creationId xmlns:a16="http://schemas.microsoft.com/office/drawing/2014/main" id="{98EE04E8-A9B6-4702-8D73-358B31346A5F}"/>
+                <a16:creationId xmlns="" xmlns:a16="http://schemas.microsoft.com/office/drawing/2014/main" id="{98EE04E8-A9B6-4702-8D73-358B31346A5F}"/>
               </a:ext>
             </a:extLst>
           </p:cNvPr>
@@ -5995,7 +5817,7 @@
 </p:sld>
 </file>
 
-<file path=ppt/slides/slide6.xml><?xml version="1.0" encoding="utf-8"?>
+<file path=ppt/slides/slide4.xml><?xml version="1.0" encoding="utf-8"?>
 <p:sld xmlns:a="http://schemas.openxmlformats.org/drawingml/2006/main" xmlns:r="http://schemas.openxmlformats.org/officeDocument/2006/relationships" xmlns:p="http://schemas.openxmlformats.org/presentationml/2006/main">
   <p:cSld>
     <p:spTree>
@@ -6017,7 +5839,7 @@
           <p:cNvPr id="2" name="Title 1">
             <a:extLst>
               <a:ext uri="{FF2B5EF4-FFF2-40B4-BE49-F238E27FC236}">
-                <a16:creationId xmlns:a16="http://schemas.microsoft.com/office/drawing/2014/main" id="{92F4F7E6-4CF4-44B7-9B37-83AD89F7640E}"/>
+                <a16:creationId xmlns="" xmlns:a16="http://schemas.microsoft.com/office/drawing/2014/main" id="{92F4F7E6-4CF4-44B7-9B37-83AD89F7640E}"/>
               </a:ext>
             </a:extLst>
           </p:cNvPr>
@@ -6045,7 +5867,7 @@
           <p:cNvPr id="3" name="Content Placeholder 2">
             <a:extLst>
               <a:ext uri="{FF2B5EF4-FFF2-40B4-BE49-F238E27FC236}">
-                <a16:creationId xmlns:a16="http://schemas.microsoft.com/office/drawing/2014/main" id="{34824930-F39A-4049-8752-A89EE73764E3}"/>
+                <a16:creationId xmlns="" xmlns:a16="http://schemas.microsoft.com/office/drawing/2014/main" id="{34824930-F39A-4049-8752-A89EE73764E3}"/>
               </a:ext>
             </a:extLst>
           </p:cNvPr>
@@ -6094,7 +5916,7 @@
           <p:cNvPr id="5" name="Picture 4">
             <a:extLst>
               <a:ext uri="{FF2B5EF4-FFF2-40B4-BE49-F238E27FC236}">
-                <a16:creationId xmlns:a16="http://schemas.microsoft.com/office/drawing/2014/main" id="{CE265411-8A1A-41AF-B0B7-C3200D126842}"/>
+                <a16:creationId xmlns="" xmlns:a16="http://schemas.microsoft.com/office/drawing/2014/main" id="{CE265411-8A1A-41AF-B0B7-C3200D126842}"/>
               </a:ext>
             </a:extLst>
           </p:cNvPr>
@@ -6132,7 +5954,7 @@
 </p:sld>
 </file>
 
-<file path=ppt/slides/slide7.xml><?xml version="1.0" encoding="utf-8"?>
+<file path=ppt/slides/slide5.xml><?xml version="1.0" encoding="utf-8"?>
 <p:sld xmlns:a="http://schemas.openxmlformats.org/drawingml/2006/main" xmlns:r="http://schemas.openxmlformats.org/officeDocument/2006/relationships" xmlns:p="http://schemas.openxmlformats.org/presentationml/2006/main">
   <p:cSld>
     <p:spTree>
@@ -6154,7 +5976,7 @@
           <p:cNvPr id="2" name="Title 1">
             <a:extLst>
               <a:ext uri="{FF2B5EF4-FFF2-40B4-BE49-F238E27FC236}">
-                <a16:creationId xmlns:a16="http://schemas.microsoft.com/office/drawing/2014/main" id="{04F0EF08-6118-4B5A-B94D-580EAB2AC4C3}"/>
+                <a16:creationId xmlns="" xmlns:a16="http://schemas.microsoft.com/office/drawing/2014/main" id="{04F0EF08-6118-4B5A-B94D-580EAB2AC4C3}"/>
               </a:ext>
             </a:extLst>
           </p:cNvPr>
@@ -6182,7 +6004,7 @@
           <p:cNvPr id="3" name="Content Placeholder 2">
             <a:extLst>
               <a:ext uri="{FF2B5EF4-FFF2-40B4-BE49-F238E27FC236}">
-                <a16:creationId xmlns:a16="http://schemas.microsoft.com/office/drawing/2014/main" id="{B08ECD00-8231-4923-9A1C-30531231566F}"/>
+                <a16:creationId xmlns="" xmlns:a16="http://schemas.microsoft.com/office/drawing/2014/main" id="{B08ECD00-8231-4923-9A1C-30531231566F}"/>
               </a:ext>
             </a:extLst>
           </p:cNvPr>
@@ -6287,7 +6109,7 @@
 </p:sld>
 </file>
 
-<file path=ppt/slides/slide8.xml><?xml version="1.0" encoding="utf-8"?>
+<file path=ppt/slides/slide6.xml><?xml version="1.0" encoding="utf-8"?>
 <p:sld xmlns:a="http://schemas.openxmlformats.org/drawingml/2006/main" xmlns:r="http://schemas.openxmlformats.org/officeDocument/2006/relationships" xmlns:p="http://schemas.openxmlformats.org/presentationml/2006/main">
   <p:cSld>
     <p:spTree>
@@ -6309,7 +6131,7 @@
           <p:cNvPr id="2" name="Title 1">
             <a:extLst>
               <a:ext uri="{FF2B5EF4-FFF2-40B4-BE49-F238E27FC236}">
-                <a16:creationId xmlns:a16="http://schemas.microsoft.com/office/drawing/2014/main" id="{16C4447F-0A94-4030-98A1-C3AAA3065D31}"/>
+                <a16:creationId xmlns="" xmlns:a16="http://schemas.microsoft.com/office/drawing/2014/main" id="{16C4447F-0A94-4030-98A1-C3AAA3065D31}"/>
               </a:ext>
             </a:extLst>
           </p:cNvPr>
@@ -6344,7 +6166,7 @@
           <p:cNvPr id="3" name="Content Placeholder 2">
             <a:extLst>
               <a:ext uri="{FF2B5EF4-FFF2-40B4-BE49-F238E27FC236}">
-                <a16:creationId xmlns:a16="http://schemas.microsoft.com/office/drawing/2014/main" id="{7F3A8E2A-05EE-4D0A-B8BA-5FEAAFADDA08}"/>
+                <a16:creationId xmlns="" xmlns:a16="http://schemas.microsoft.com/office/drawing/2014/main" id="{7F3A8E2A-05EE-4D0A-B8BA-5FEAAFADDA08}"/>
               </a:ext>
             </a:extLst>
           </p:cNvPr>
@@ -6418,7 +6240,7 @@
           <p:cNvPr id="5" name="Picture 4">
             <a:extLst>
               <a:ext uri="{FF2B5EF4-FFF2-40B4-BE49-F238E27FC236}">
-                <a16:creationId xmlns:a16="http://schemas.microsoft.com/office/drawing/2014/main" id="{A5332916-B896-4182-8321-494A81B653D8}"/>
+                <a16:creationId xmlns="" xmlns:a16="http://schemas.microsoft.com/office/drawing/2014/main" id="{A5332916-B896-4182-8321-494A81B653D8}"/>
               </a:ext>
             </a:extLst>
           </p:cNvPr>
@@ -6456,7 +6278,7 @@
 </p:sld>
 </file>
 
-<file path=ppt/slides/slide9.xml><?xml version="1.0" encoding="utf-8"?>
+<file path=ppt/slides/slide7.xml><?xml version="1.0" encoding="utf-8"?>
 <p:sld xmlns:a="http://schemas.openxmlformats.org/drawingml/2006/main" xmlns:r="http://schemas.openxmlformats.org/officeDocument/2006/relationships" xmlns:p="http://schemas.openxmlformats.org/presentationml/2006/main">
   <p:cSld>
     <p:spTree>
@@ -6478,7 +6300,7 @@
           <p:cNvPr id="2" name="Title 1">
             <a:extLst>
               <a:ext uri="{FF2B5EF4-FFF2-40B4-BE49-F238E27FC236}">
-                <a16:creationId xmlns:a16="http://schemas.microsoft.com/office/drawing/2014/main" id="{4C1665F2-6454-47F1-B52C-BF96809114A3}"/>
+                <a16:creationId xmlns="" xmlns:a16="http://schemas.microsoft.com/office/drawing/2014/main" id="{4C1665F2-6454-47F1-B52C-BF96809114A3}"/>
               </a:ext>
             </a:extLst>
           </p:cNvPr>
@@ -6506,7 +6328,7 @@
           <p:cNvPr id="3" name="Content Placeholder 2">
             <a:extLst>
               <a:ext uri="{FF2B5EF4-FFF2-40B4-BE49-F238E27FC236}">
-                <a16:creationId xmlns:a16="http://schemas.microsoft.com/office/drawing/2014/main" id="{2BF3C07A-2F11-484F-8DFC-0CA5C8C24D34}"/>
+                <a16:creationId xmlns="" xmlns:a16="http://schemas.microsoft.com/office/drawing/2014/main" id="{2BF3C07A-2F11-484F-8DFC-0CA5C8C24D34}"/>
               </a:ext>
             </a:extLst>
           </p:cNvPr>
@@ -6599,7 +6421,7 @@
           <p:cNvPr id="5" name="Picture 4">
             <a:extLst>
               <a:ext uri="{FF2B5EF4-FFF2-40B4-BE49-F238E27FC236}">
-                <a16:creationId xmlns:a16="http://schemas.microsoft.com/office/drawing/2014/main" id="{2C8152EB-7B3F-4884-86D6-515E2FF13DD8}"/>
+                <a16:creationId xmlns="" xmlns:a16="http://schemas.microsoft.com/office/drawing/2014/main" id="{2C8152EB-7B3F-4884-86D6-515E2FF13DD8}"/>
               </a:ext>
             </a:extLst>
           </p:cNvPr>
@@ -6629,7 +6451,7 @@
           <p:cNvPr id="9" name="Picture 8">
             <a:extLst>
               <a:ext uri="{FF2B5EF4-FFF2-40B4-BE49-F238E27FC236}">
-                <a16:creationId xmlns:a16="http://schemas.microsoft.com/office/drawing/2014/main" id="{66229371-A8B3-47FA-9BEC-0CAABA84F357}"/>
+                <a16:creationId xmlns="" xmlns:a16="http://schemas.microsoft.com/office/drawing/2014/main" id="{66229371-A8B3-47FA-9BEC-0CAABA84F357}"/>
               </a:ext>
             </a:extLst>
           </p:cNvPr>
@@ -6658,6 +6480,480 @@
     <p:extLst>
       <p:ext uri="{BB962C8B-B14F-4D97-AF65-F5344CB8AC3E}">
         <p14:creationId xmlns:p14="http://schemas.microsoft.com/office/powerpoint/2010/main" val="1541919235"/>
+      </p:ext>
+    </p:extLst>
+  </p:cSld>
+  <p:clrMapOvr>
+    <a:masterClrMapping/>
+  </p:clrMapOvr>
+</p:sld>
+</file>
+
+<file path=ppt/slides/slide8.xml><?xml version="1.0" encoding="utf-8"?>
+<p:sld xmlns:a="http://schemas.openxmlformats.org/drawingml/2006/main" xmlns:r="http://schemas.openxmlformats.org/officeDocument/2006/relationships" xmlns:p="http://schemas.openxmlformats.org/presentationml/2006/main">
+  <p:cSld>
+    <p:spTree>
+      <p:nvGrpSpPr>
+        <p:cNvPr id="1" name=""/>
+        <p:cNvGrpSpPr/>
+        <p:nvPr/>
+      </p:nvGrpSpPr>
+      <p:grpSpPr>
+        <a:xfrm>
+          <a:off x="0" y="0"/>
+          <a:ext cx="0" cy="0"/>
+          <a:chOff x="0" y="0"/>
+          <a:chExt cx="0" cy="0"/>
+        </a:xfrm>
+      </p:grpSpPr>
+      <p:sp>
+        <p:nvSpPr>
+          <p:cNvPr id="2" name="Title 1">
+            <a:extLst>
+              <a:ext uri="{FF2B5EF4-FFF2-40B4-BE49-F238E27FC236}">
+                <a16:creationId xmlns="" xmlns:a16="http://schemas.microsoft.com/office/drawing/2014/main" id="{2191ED4B-89D1-4511-B1C3-5F8921AC7D38}"/>
+              </a:ext>
+            </a:extLst>
+          </p:cNvPr>
+          <p:cNvSpPr>
+            <a:spLocks noGrp="1"/>
+          </p:cNvSpPr>
+          <p:nvPr>
+            <p:ph type="title"/>
+          </p:nvPr>
+        </p:nvSpPr>
+        <p:spPr/>
+        <p:txBody>
+          <a:bodyPr/>
+          <a:lstStyle/>
+          <a:p>
+            <a:r>
+              <a:rPr lang="en-IN" dirty="0"/>
+              <a:t>Conversion into BCNF</a:t>
+            </a:r>
+          </a:p>
+        </p:txBody>
+      </p:sp>
+      <p:pic>
+        <p:nvPicPr>
+          <p:cNvPr id="5" name="Picture 4">
+            <a:extLst>
+              <a:ext uri="{FF2B5EF4-FFF2-40B4-BE49-F238E27FC236}">
+                <a16:creationId xmlns="" xmlns:a16="http://schemas.microsoft.com/office/drawing/2014/main" id="{19B7F5FD-BB4F-487C-98F6-C3A1EB032656}"/>
+              </a:ext>
+            </a:extLst>
+          </p:cNvPr>
+          <p:cNvPicPr>
+            <a:picLocks noChangeAspect="1"/>
+          </p:cNvPicPr>
+          <p:nvPr/>
+        </p:nvPicPr>
+        <p:blipFill>
+          <a:blip r:embed="rId2"/>
+          <a:stretch>
+            <a:fillRect/>
+          </a:stretch>
+        </p:blipFill>
+        <p:spPr>
+          <a:xfrm>
+            <a:off x="1446726" y="1955410"/>
+            <a:ext cx="9298547" cy="1809896"/>
+          </a:xfrm>
+          <a:prstGeom prst="rect">
+            <a:avLst/>
+          </a:prstGeom>
+        </p:spPr>
+      </p:pic>
+      <p:sp>
+        <p:nvSpPr>
+          <p:cNvPr id="8" name="Content Placeholder 2">
+            <a:extLst>
+              <a:ext uri="{FF2B5EF4-FFF2-40B4-BE49-F238E27FC236}">
+                <a16:creationId xmlns="" xmlns:a16="http://schemas.microsoft.com/office/drawing/2014/main" id="{5959663C-4437-452D-BDA7-943E736901F1}"/>
+              </a:ext>
+            </a:extLst>
+          </p:cNvPr>
+          <p:cNvSpPr>
+            <a:spLocks noGrp="1"/>
+          </p:cNvSpPr>
+          <p:nvPr>
+            <p:ph idx="1"/>
+          </p:nvPr>
+        </p:nvSpPr>
+        <p:spPr>
+          <a:xfrm>
+            <a:off x="838200" y="4553097"/>
+            <a:ext cx="10515599" cy="1510079"/>
+          </a:xfrm>
+        </p:spPr>
+        <p:txBody>
+          <a:bodyPr>
+            <a:normAutofit/>
+          </a:bodyPr>
+          <a:lstStyle/>
+          <a:p>
+            <a:r>
+              <a:rPr lang="en-IN" dirty="0"/>
+              <a:t>Out of all above 3 decomposition</a:t>
+            </a:r>
+          </a:p>
+          <a:p>
+            <a:r>
+              <a:rPr lang="en-IN" dirty="0"/>
+              <a:t>Only D3 follows the decomposition rule for BCNF</a:t>
+            </a:r>
+          </a:p>
+          <a:p>
+            <a:r>
+              <a:rPr lang="en-IN" dirty="0"/>
+              <a:t>So D3 is the only valid decomposition </a:t>
+            </a:r>
+          </a:p>
+          <a:p>
+            <a:endParaRPr lang="en-IN" dirty="0"/>
+          </a:p>
+        </p:txBody>
+      </p:sp>
+    </p:spTree>
+    <p:extLst>
+      <p:ext uri="{BB962C8B-B14F-4D97-AF65-F5344CB8AC3E}">
+        <p14:creationId xmlns:p14="http://schemas.microsoft.com/office/powerpoint/2010/main" val="3953875560"/>
+      </p:ext>
+    </p:extLst>
+  </p:cSld>
+  <p:clrMapOvr>
+    <a:masterClrMapping/>
+  </p:clrMapOvr>
+</p:sld>
+</file>
+
+<file path=ppt/slides/slide9.xml><?xml version="1.0" encoding="utf-8"?>
+<p:sld xmlns:a="http://schemas.openxmlformats.org/drawingml/2006/main" xmlns:r="http://schemas.openxmlformats.org/officeDocument/2006/relationships" xmlns:p="http://schemas.openxmlformats.org/presentationml/2006/main">
+  <p:cSld>
+    <p:spTree>
+      <p:nvGrpSpPr>
+        <p:cNvPr id="1" name=""/>
+        <p:cNvGrpSpPr/>
+        <p:nvPr/>
+      </p:nvGrpSpPr>
+      <p:grpSpPr>
+        <a:xfrm>
+          <a:off x="0" y="0"/>
+          <a:ext cx="0" cy="0"/>
+          <a:chOff x="0" y="0"/>
+          <a:chExt cx="0" cy="0"/>
+        </a:xfrm>
+      </p:grpSpPr>
+      <p:sp>
+        <p:nvSpPr>
+          <p:cNvPr id="2" name="Title 1"/>
+          <p:cNvSpPr>
+            <a:spLocks noGrp="1"/>
+          </p:cNvSpPr>
+          <p:nvPr>
+            <p:ph type="title"/>
+          </p:nvPr>
+        </p:nvSpPr>
+        <p:spPr>
+          <a:xfrm>
+            <a:off x="448456" y="1444417"/>
+            <a:ext cx="12012118" cy="1325563"/>
+          </a:xfrm>
+        </p:spPr>
+        <p:txBody>
+          <a:bodyPr>
+            <a:normAutofit/>
+          </a:bodyPr>
+          <a:lstStyle/>
+          <a:p>
+            <a:r>
+              <a:rPr lang="en-IN" sz="2400" dirty="0"/>
+              <a:t>R(</a:t>
+            </a:r>
+            <a:r>
+              <a:rPr lang="en-IN" sz="2400" dirty="0" err="1"/>
+              <a:t>StudentID</a:t>
+            </a:r>
+            <a:r>
+              <a:rPr lang="en-IN" sz="2400" dirty="0"/>
+              <a:t>, </a:t>
+            </a:r>
+            <a:r>
+              <a:rPr lang="en-IN" sz="2400" dirty="0" err="1"/>
+              <a:t>StudentName</a:t>
+            </a:r>
+            <a:r>
+              <a:rPr lang="en-IN" sz="2400" dirty="0"/>
+              <a:t>, </a:t>
+            </a:r>
+            <a:r>
+              <a:rPr lang="en-IN" sz="2400" dirty="0" err="1"/>
+              <a:t>CourseID</a:t>
+            </a:r>
+            <a:r>
+              <a:rPr lang="en-IN" sz="2400" dirty="0"/>
+              <a:t>, </a:t>
+            </a:r>
+            <a:r>
+              <a:rPr lang="en-IN" sz="2400" dirty="0" err="1"/>
+              <a:t>CourseName</a:t>
+            </a:r>
+            <a:r>
+              <a:rPr lang="en-IN" sz="2400" dirty="0"/>
+              <a:t>, </a:t>
+            </a:r>
+            <a:r>
+              <a:rPr lang="en-IN" sz="2400" dirty="0" err="1"/>
+              <a:t>InstructorID</a:t>
+            </a:r>
+            <a:r>
+              <a:rPr lang="en-IN" sz="2400" dirty="0"/>
+              <a:t>, </a:t>
+            </a:r>
+            <a:r>
+              <a:rPr lang="en-IN" sz="2400" dirty="0" err="1"/>
+              <a:t>InstructorName</a:t>
+            </a:r>
+            <a:r>
+              <a:rPr lang="en-IN" sz="2400" dirty="0"/>
+              <a:t>, </a:t>
+            </a:r>
+            <a:r>
+              <a:rPr lang="en-IN" sz="2400" dirty="0" err="1"/>
+              <a:t>Dept</a:t>
+            </a:r>
+            <a:r>
+              <a:rPr lang="en-IN" sz="2400" dirty="0"/>
+              <a:t>, Grade)</a:t>
+            </a:r>
+          </a:p>
+        </p:txBody>
+      </p:sp>
+      <p:sp>
+        <p:nvSpPr>
+          <p:cNvPr id="3" name="Content Placeholder 2"/>
+          <p:cNvSpPr>
+            <a:spLocks noGrp="1"/>
+          </p:cNvSpPr>
+          <p:nvPr>
+            <p:ph idx="1"/>
+          </p:nvPr>
+        </p:nvSpPr>
+        <p:spPr>
+          <a:xfrm>
+            <a:off x="448456" y="3414582"/>
+            <a:ext cx="10515600" cy="2821326"/>
+          </a:xfrm>
+        </p:spPr>
+        <p:txBody>
+          <a:bodyPr>
+            <a:normAutofit/>
+          </a:bodyPr>
+          <a:lstStyle/>
+          <a:p>
+            <a:pPr marL="0" indent="0">
+              <a:buNone/>
+            </a:pPr>
+            <a:r>
+              <a:rPr lang="en-IN" sz="2400" dirty="0"/>
+              <a:t>Given functional dependencies (FDs</a:t>
+            </a:r>
+            <a:r>
+              <a:rPr lang="en-IN" sz="2400" dirty="0" smtClean="0"/>
+              <a:t>)</a:t>
+            </a:r>
+          </a:p>
+          <a:p>
+            <a:pPr marL="0" indent="0">
+              <a:buNone/>
+            </a:pPr>
+            <a:endParaRPr lang="en-IN" sz="2400" dirty="0" smtClean="0"/>
+          </a:p>
+          <a:p>
+            <a:pPr marL="0" indent="0">
+              <a:buNone/>
+            </a:pPr>
+            <a:r>
+              <a:rPr lang="en-IN" sz="2400" dirty="0" smtClean="0"/>
+              <a:t>FD1 : </a:t>
+            </a:r>
+            <a:r>
+              <a:rPr lang="en-IN" sz="2400" dirty="0" err="1" smtClean="0"/>
+              <a:t>StudentID</a:t>
+            </a:r>
+            <a:r>
+              <a:rPr lang="en-IN" sz="2400" dirty="0" smtClean="0"/>
+              <a:t> </a:t>
+            </a:r>
+            <a:r>
+              <a:rPr lang="en-IN" sz="2400" dirty="0"/>
+              <a:t>→ </a:t>
+            </a:r>
+            <a:r>
+              <a:rPr lang="en-IN" sz="2400" dirty="0" err="1" smtClean="0"/>
+              <a:t>StudentName</a:t>
+            </a:r>
+            <a:endParaRPr lang="en-IN" sz="2400" dirty="0" smtClean="0"/>
+          </a:p>
+          <a:p>
+            <a:pPr marL="0" indent="0">
+              <a:buNone/>
+            </a:pPr>
+            <a:r>
+              <a:rPr lang="en-IN" sz="2400" dirty="0" smtClean="0"/>
+              <a:t>FD2 : </a:t>
+            </a:r>
+            <a:r>
+              <a:rPr lang="en-IN" sz="2400" dirty="0" err="1" smtClean="0"/>
+              <a:t>CourseID</a:t>
+            </a:r>
+            <a:r>
+              <a:rPr lang="en-IN" sz="2400" dirty="0" smtClean="0"/>
+              <a:t> </a:t>
+            </a:r>
+            <a:r>
+              <a:rPr lang="en-IN" sz="2400" dirty="0"/>
+              <a:t>→ </a:t>
+            </a:r>
+            <a:r>
+              <a:rPr lang="en-IN" sz="2400" dirty="0" err="1"/>
+              <a:t>CourseName</a:t>
+            </a:r>
+            <a:r>
+              <a:rPr lang="en-IN" sz="2400" dirty="0"/>
+              <a:t>, </a:t>
+            </a:r>
+            <a:r>
+              <a:rPr lang="en-IN" sz="2400" dirty="0" err="1" smtClean="0"/>
+              <a:t>InstructorID</a:t>
+            </a:r>
+            <a:endParaRPr lang="en-IN" sz="2400" dirty="0" smtClean="0"/>
+          </a:p>
+          <a:p>
+            <a:pPr marL="0" indent="0">
+              <a:buNone/>
+            </a:pPr>
+            <a:r>
+              <a:rPr lang="en-IN" sz="2400" dirty="0" smtClean="0"/>
+              <a:t>FD3 : </a:t>
+            </a:r>
+            <a:r>
+              <a:rPr lang="en-IN" sz="2400" dirty="0" err="1" smtClean="0"/>
+              <a:t>InstructorID</a:t>
+            </a:r>
+            <a:r>
+              <a:rPr lang="en-IN" sz="2400" dirty="0" smtClean="0"/>
+              <a:t> </a:t>
+            </a:r>
+            <a:r>
+              <a:rPr lang="en-IN" sz="2400" dirty="0"/>
+              <a:t>→ </a:t>
+            </a:r>
+            <a:r>
+              <a:rPr lang="en-IN" sz="2400" dirty="0" err="1"/>
+              <a:t>InstructorName</a:t>
+            </a:r>
+            <a:r>
+              <a:rPr lang="en-IN" sz="2400" dirty="0"/>
+              <a:t>, </a:t>
+            </a:r>
+            <a:r>
+              <a:rPr lang="en-IN" sz="2400" dirty="0" err="1" smtClean="0"/>
+              <a:t>Dept</a:t>
+            </a:r>
+            <a:endParaRPr lang="en-IN" sz="2400" dirty="0" smtClean="0"/>
+          </a:p>
+          <a:p>
+            <a:pPr marL="0" indent="0">
+              <a:buNone/>
+            </a:pPr>
+            <a:r>
+              <a:rPr lang="en-IN" sz="2400" dirty="0" smtClean="0"/>
+              <a:t>FD4 : {</a:t>
+            </a:r>
+            <a:r>
+              <a:rPr lang="en-IN" sz="2400" dirty="0" err="1" smtClean="0"/>
+              <a:t>StudentID</a:t>
+            </a:r>
+            <a:r>
+              <a:rPr lang="en-IN" sz="2400" dirty="0"/>
+              <a:t>, </a:t>
+            </a:r>
+            <a:r>
+              <a:rPr lang="en-IN" sz="2400" dirty="0" err="1"/>
+              <a:t>CourseID</a:t>
+            </a:r>
+            <a:r>
+              <a:rPr lang="en-IN" sz="2400" dirty="0"/>
+              <a:t>} → </a:t>
+            </a:r>
+            <a:r>
+              <a:rPr lang="en-IN" sz="2400" dirty="0" smtClean="0"/>
+              <a:t>Grade</a:t>
+            </a:r>
+            <a:endParaRPr lang="en-IN" sz="2400" dirty="0"/>
+          </a:p>
+        </p:txBody>
+      </p:sp>
+      <p:sp>
+        <p:nvSpPr>
+          <p:cNvPr id="4" name="Title 1">
+            <a:extLst>
+              <a:ext uri="{FF2B5EF4-FFF2-40B4-BE49-F238E27FC236}">
+                <a16:creationId xmlns="" xmlns:a16="http://schemas.microsoft.com/office/drawing/2014/main" id="{09286E48-BE59-4900-9536-6B05678FBF28}"/>
+              </a:ext>
+            </a:extLst>
+          </p:cNvPr>
+          <p:cNvSpPr txBox="1">
+            <a:spLocks/>
+          </p:cNvSpPr>
+          <p:nvPr/>
+        </p:nvSpPr>
+        <p:spPr>
+          <a:xfrm>
+            <a:off x="448456" y="260194"/>
+            <a:ext cx="10515600" cy="1325563"/>
+          </a:xfrm>
+          <a:prstGeom prst="rect">
+            <a:avLst/>
+          </a:prstGeom>
+        </p:spPr>
+        <p:txBody>
+          <a:bodyPr vert="horz" lIns="91440" tIns="45720" rIns="91440" bIns="45720" rtlCol="0" anchor="ctr">
+            <a:normAutofit/>
+          </a:bodyPr>
+          <a:lstStyle>
+            <a:lvl1pPr algn="l" defTabSz="914400" rtl="0" eaLnBrk="1" latinLnBrk="0" hangingPunct="1">
+              <a:lnSpc>
+                <a:spcPct val="90000"/>
+              </a:lnSpc>
+              <a:spcBef>
+                <a:spcPct val="0"/>
+              </a:spcBef>
+              <a:buNone/>
+              <a:defRPr sz="4400" kern="1200">
+                <a:solidFill>
+                  <a:schemeClr val="tx1"/>
+                </a:solidFill>
+                <a:latin typeface="+mj-lt"/>
+                <a:ea typeface="+mj-ea"/>
+                <a:cs typeface="+mj-cs"/>
+              </a:defRPr>
+            </a:lvl1pPr>
+          </a:lstStyle>
+          <a:p>
+            <a:r>
+              <a:rPr lang="en-IN" smtClean="0"/>
+              <a:t>Examples for Normalization</a:t>
+            </a:r>
+            <a:endParaRPr lang="en-IN" dirty="0"/>
+          </a:p>
+        </p:txBody>
+      </p:sp>
+    </p:spTree>
+    <p:extLst>
+      <p:ext uri="{BB962C8B-B14F-4D97-AF65-F5344CB8AC3E}">
+        <p14:creationId xmlns:p14="http://schemas.microsoft.com/office/powerpoint/2010/main" val="1129797835"/>
       </p:ext>
     </p:extLst>
   </p:cSld>
